--- a/보고서.pptx
+++ b/보고서.pptx
@@ -1,15 +1,68 @@
 
 <file path=ppt/presentation.xml><?xml version="1.0" encoding="utf-8"?>
-<p:presentation xmlns:a="http://schemas.openxmlformats.org/drawingml/2006/main" xmlns:r="http://schemas.openxmlformats.org/officeDocument/2006/relationships" xmlns:p="http://schemas.openxmlformats.org/presentationml/2006/main" saveSubsetFonts="1">
+<p:presentation xmlns:a="http://schemas.openxmlformats.org/drawingml/2006/main" xmlns:r="http://schemas.openxmlformats.org/officeDocument/2006/relationships" xmlns:p="http://schemas.openxmlformats.org/presentationml/2006/main" embedTrueTypeFonts="1" saveSubsetFonts="1">
   <p:sldMasterIdLst>
     <p:sldMasterId id="2147483648" r:id="rId1"/>
   </p:sldMasterIdLst>
   <p:sldIdLst>
     <p:sldId id="256" r:id="rId2"/>
     <p:sldId id="257" r:id="rId3"/>
+    <p:sldId id="262" r:id="rId4"/>
+    <p:sldId id="258" r:id="rId5"/>
+    <p:sldId id="259" r:id="rId6"/>
+    <p:sldId id="260" r:id="rId7"/>
+    <p:sldId id="263" r:id="rId8"/>
+    <p:sldId id="261" r:id="rId9"/>
   </p:sldIdLst>
   <p:sldSz cx="12192000" cy="6858000"/>
   <p:notesSz cx="6858000" cy="9144000"/>
+  <p:embeddedFontLst>
+    <p:embeddedFont>
+      <p:font typeface="나눔스퀘어" panose="020B0600000101010101" pitchFamily="50" charset="-127"/>
+      <p:regular r:id="rId10"/>
+    </p:embeddedFont>
+    <p:embeddedFont>
+      <p:font typeface="나눔스퀘어 Bold" panose="020B0600000101010101" pitchFamily="50" charset="-127"/>
+      <p:bold r:id="rId11"/>
+    </p:embeddedFont>
+    <p:embeddedFont>
+      <p:font typeface="나눔스퀘어 ExtraBold" panose="020B0600000101010101" pitchFamily="50" charset="-127"/>
+      <p:bold r:id="rId12"/>
+    </p:embeddedFont>
+    <p:embeddedFont>
+      <p:font typeface="나눔스퀘어 Light" panose="020B0600000101010101" pitchFamily="50" charset="-127"/>
+      <p:regular r:id="rId13"/>
+    </p:embeddedFont>
+    <p:embeddedFont>
+      <p:font typeface="나눔스퀘어_ac" panose="020B0600000101010101" pitchFamily="50" charset="-127"/>
+      <p:regular r:id="rId14"/>
+    </p:embeddedFont>
+    <p:embeddedFont>
+      <p:font typeface="나눔스퀘어_ac Bold" panose="020B0600000101010101" pitchFamily="50" charset="-127"/>
+      <p:bold r:id="rId15"/>
+    </p:embeddedFont>
+    <p:embeddedFont>
+      <p:font typeface="나눔스퀘어_ac ExtraBold" panose="020B0600000101010101" pitchFamily="50" charset="-127"/>
+      <p:bold r:id="rId16"/>
+    </p:embeddedFont>
+    <p:embeddedFont>
+      <p:font typeface="나눔스퀘어OTF" panose="020B0600000101010101" pitchFamily="34" charset="-127"/>
+      <p:regular r:id="rId17"/>
+    </p:embeddedFont>
+    <p:embeddedFont>
+      <p:font typeface="나눔스퀘어OTF Bold" panose="020B0600000101010101" pitchFamily="34" charset="-127"/>
+      <p:bold r:id="rId18"/>
+    </p:embeddedFont>
+    <p:embeddedFont>
+      <p:font typeface="나눔스퀘어OTF ExtraBold" panose="020B0600000101010101" pitchFamily="34" charset="-127"/>
+      <p:bold r:id="rId19"/>
+    </p:embeddedFont>
+    <p:embeddedFont>
+      <p:font typeface="맑은 고딕" panose="020B0503020000020004" pitchFamily="50" charset="-127"/>
+      <p:regular r:id="rId20"/>
+      <p:bold r:id="rId21"/>
+    </p:embeddedFont>
+  </p:embeddedFontLst>
   <p:defaultTextStyle>
     <a:defPPr>
       <a:defRPr lang="ko-KR"/>
@@ -108,7 +161,7 @@
   <p:extLst>
     <p:ext uri="{EFAFB233-063F-42B5-8137-9DF3F51BA10A}">
       <p15:sldGuideLst xmlns:p15="http://schemas.microsoft.com/office/powerpoint/2012/main">
-        <p15:guide id="1" orient="horz" pos="2160" userDrawn="1">
+        <p15:guide id="1" orient="horz" pos="2183" userDrawn="1">
           <p15:clr>
             <a:srgbClr val="A4A3A4"/>
           </p15:clr>
@@ -4594,10 +4647,7153 @@
           </a:p>
         </p:txBody>
       </p:sp>
+      <p:sp>
+        <p:nvSpPr>
+          <p:cNvPr id="12" name="나눔스퀘어OTF Bold">
+            <a:extLst>
+              <a:ext uri="{FF2B5EF4-FFF2-40B4-BE49-F238E27FC236}">
+                <a16:creationId xmlns:a16="http://schemas.microsoft.com/office/drawing/2014/main" id="{49C5ED60-54CC-4075-B763-ED40BBA3CC98}"/>
+              </a:ext>
+            </a:extLst>
+          </p:cNvPr>
+          <p:cNvSpPr txBox="1"/>
+          <p:nvPr/>
+        </p:nvSpPr>
+        <p:spPr>
+          <a:xfrm>
+            <a:off x="408216" y="274654"/>
+            <a:ext cx="1117614" cy="707886"/>
+          </a:xfrm>
+          <a:prstGeom prst="rect">
+            <a:avLst/>
+          </a:prstGeom>
+          <a:noFill/>
+        </p:spPr>
+        <p:txBody>
+          <a:bodyPr wrap="none" rtlCol="0">
+            <a:spAutoFit/>
+          </a:bodyPr>
+          <a:lstStyle/>
+          <a:p>
+            <a:r>
+              <a:rPr lang="ko-KR" altLang="en-US" sz="4000" dirty="0">
+                <a:latin typeface="나눔스퀘어OTF ExtraBold" panose="020B0600000101010101" pitchFamily="34" charset="-127"/>
+                <a:ea typeface="나눔스퀘어OTF ExtraBold" panose="020B0600000101010101" pitchFamily="34" charset="-127"/>
+              </a:rPr>
+              <a:t>개요</a:t>
+            </a:r>
+          </a:p>
+        </p:txBody>
+      </p:sp>
+      <p:sp>
+        <p:nvSpPr>
+          <p:cNvPr id="14" name="나눔스퀘어OTF Bold">
+            <a:extLst>
+              <a:ext uri="{FF2B5EF4-FFF2-40B4-BE49-F238E27FC236}">
+                <a16:creationId xmlns:a16="http://schemas.microsoft.com/office/drawing/2014/main" id="{3E43F450-6151-4556-8242-C62DE756A33B}"/>
+              </a:ext>
+            </a:extLst>
+          </p:cNvPr>
+          <p:cNvSpPr txBox="1"/>
+          <p:nvPr/>
+        </p:nvSpPr>
+        <p:spPr>
+          <a:xfrm>
+            <a:off x="1234878" y="3297890"/>
+            <a:ext cx="2377574" cy="769441"/>
+          </a:xfrm>
+          <a:prstGeom prst="rect">
+            <a:avLst/>
+          </a:prstGeom>
+          <a:noFill/>
+        </p:spPr>
+        <p:txBody>
+          <a:bodyPr wrap="none" rtlCol="0">
+            <a:spAutoFit/>
+          </a:bodyPr>
+          <a:lstStyle/>
+          <a:p>
+            <a:r>
+              <a:rPr lang="ko-KR" altLang="en-US" sz="4400" dirty="0">
+                <a:latin typeface="나눔스퀘어OTF Bold" panose="020B0600000101010101" pitchFamily="34" charset="-127"/>
+                <a:ea typeface="나눔스퀘어OTF Bold" panose="020B0600000101010101" pitchFamily="34" charset="-127"/>
+              </a:rPr>
+              <a:t>사용 기술</a:t>
+            </a:r>
+          </a:p>
+        </p:txBody>
+      </p:sp>
+      <p:sp>
+        <p:nvSpPr>
+          <p:cNvPr id="15" name="나눔스퀘어OTF">
+            <a:extLst>
+              <a:ext uri="{FF2B5EF4-FFF2-40B4-BE49-F238E27FC236}">
+                <a16:creationId xmlns:a16="http://schemas.microsoft.com/office/drawing/2014/main" id="{124F713F-D1E6-4650-B8C0-26315F1D740C}"/>
+              </a:ext>
+            </a:extLst>
+          </p:cNvPr>
+          <p:cNvSpPr txBox="1"/>
+          <p:nvPr/>
+        </p:nvSpPr>
+        <p:spPr>
+          <a:xfrm>
+            <a:off x="3612452" y="3437969"/>
+            <a:ext cx="1189749" cy="584775"/>
+          </a:xfrm>
+          <a:prstGeom prst="rect">
+            <a:avLst/>
+          </a:prstGeom>
+          <a:noFill/>
+        </p:spPr>
+        <p:txBody>
+          <a:bodyPr wrap="none" rtlCol="0">
+            <a:spAutoFit/>
+          </a:bodyPr>
+          <a:lstStyle/>
+          <a:p>
+            <a:r>
+              <a:rPr lang="en-US" altLang="ko-KR" sz="3200">
+                <a:latin typeface="나눔스퀘어OTF" panose="020B0600000101010101" pitchFamily="34" charset="-127"/>
+                <a:ea typeface="나눔스퀘어OTF" panose="020B0600000101010101" pitchFamily="34" charset="-127"/>
+              </a:rPr>
+              <a:t>C</a:t>
+            </a:r>
+            <a:r>
+              <a:rPr lang="ko-KR" altLang="en-US" sz="3200" dirty="0">
+                <a:latin typeface="나눔스퀘어OTF" panose="020B0600000101010101" pitchFamily="34" charset="-127"/>
+                <a:ea typeface="나눔스퀘어OTF" panose="020B0600000101010101" pitchFamily="34" charset="-127"/>
+              </a:rPr>
+              <a:t>언어</a:t>
+            </a:r>
+          </a:p>
+        </p:txBody>
+      </p:sp>
+      <p:sp>
+        <p:nvSpPr>
+          <p:cNvPr id="16" name="나눔스퀘어OTF">
+            <a:extLst>
+              <a:ext uri="{FF2B5EF4-FFF2-40B4-BE49-F238E27FC236}">
+                <a16:creationId xmlns:a16="http://schemas.microsoft.com/office/drawing/2014/main" id="{BF0A6DF6-C01F-4B1F-8C98-343D891590F0}"/>
+              </a:ext>
+            </a:extLst>
+          </p:cNvPr>
+          <p:cNvSpPr txBox="1"/>
+          <p:nvPr/>
+        </p:nvSpPr>
+        <p:spPr>
+          <a:xfrm>
+            <a:off x="3612452" y="3976477"/>
+            <a:ext cx="1984326" cy="584775"/>
+          </a:xfrm>
+          <a:prstGeom prst="rect">
+            <a:avLst/>
+          </a:prstGeom>
+          <a:noFill/>
+        </p:spPr>
+        <p:txBody>
+          <a:bodyPr wrap="none" rtlCol="0">
+            <a:spAutoFit/>
+          </a:bodyPr>
+          <a:lstStyle/>
+          <a:p>
+            <a:r>
+              <a:rPr lang="en-US" altLang="ko-KR" sz="3200" dirty="0" err="1">
+                <a:latin typeface="나눔스퀘어OTF" panose="020B0600000101010101" pitchFamily="34" charset="-127"/>
+                <a:ea typeface="나눔스퀘어OTF" panose="020B0600000101010101" pitchFamily="34" charset="-127"/>
+              </a:rPr>
+              <a:t>process.h</a:t>
+            </a:r>
+            <a:endParaRPr lang="ko-KR" altLang="en-US" sz="3200" dirty="0">
+              <a:latin typeface="나눔스퀘어OTF" panose="020B0600000101010101" pitchFamily="34" charset="-127"/>
+              <a:ea typeface="나눔스퀘어OTF" panose="020B0600000101010101" pitchFamily="34" charset="-127"/>
+            </a:endParaRPr>
+          </a:p>
+        </p:txBody>
+      </p:sp>
+      <p:sp>
+        <p:nvSpPr>
+          <p:cNvPr id="18" name="나눔스퀘어OTF">
+            <a:extLst>
+              <a:ext uri="{FF2B5EF4-FFF2-40B4-BE49-F238E27FC236}">
+                <a16:creationId xmlns:a16="http://schemas.microsoft.com/office/drawing/2014/main" id="{604074C5-B9FE-4F12-83C7-D055A72A8672}"/>
+              </a:ext>
+            </a:extLst>
+          </p:cNvPr>
+          <p:cNvSpPr txBox="1"/>
+          <p:nvPr/>
+        </p:nvSpPr>
+        <p:spPr>
+          <a:xfrm>
+            <a:off x="3612452" y="4565743"/>
+            <a:ext cx="2401170" cy="584775"/>
+          </a:xfrm>
+          <a:prstGeom prst="rect">
+            <a:avLst/>
+          </a:prstGeom>
+          <a:noFill/>
+        </p:spPr>
+        <p:txBody>
+          <a:bodyPr wrap="none" rtlCol="0">
+            <a:spAutoFit/>
+          </a:bodyPr>
+          <a:lstStyle/>
+          <a:p>
+            <a:r>
+              <a:rPr lang="en-US" altLang="ko-KR" sz="3200" dirty="0">
+                <a:latin typeface="나눔스퀘어OTF" panose="020B0600000101010101" pitchFamily="34" charset="-127"/>
+                <a:ea typeface="나눔스퀘어OTF" panose="020B0600000101010101" pitchFamily="34" charset="-127"/>
+              </a:rPr>
+              <a:t>WinSock2.h</a:t>
+            </a:r>
+            <a:endParaRPr lang="ko-KR" altLang="en-US" sz="3200" dirty="0">
+              <a:latin typeface="나눔스퀘어OTF" panose="020B0600000101010101" pitchFamily="34" charset="-127"/>
+              <a:ea typeface="나눔스퀘어OTF" panose="020B0600000101010101" pitchFamily="34" charset="-127"/>
+            </a:endParaRPr>
+          </a:p>
+        </p:txBody>
+      </p:sp>
+      <p:sp>
+        <p:nvSpPr>
+          <p:cNvPr id="13" name="나눔스퀘어OTF Bold">
+            <a:extLst>
+              <a:ext uri="{FF2B5EF4-FFF2-40B4-BE49-F238E27FC236}">
+                <a16:creationId xmlns:a16="http://schemas.microsoft.com/office/drawing/2014/main" id="{FACC9C24-A3DF-4A3D-BE3A-3F1DE590CC80}"/>
+              </a:ext>
+            </a:extLst>
+          </p:cNvPr>
+          <p:cNvSpPr txBox="1"/>
+          <p:nvPr/>
+        </p:nvSpPr>
+        <p:spPr>
+          <a:xfrm>
+            <a:off x="1234878" y="1707482"/>
+            <a:ext cx="4911922" cy="769441"/>
+          </a:xfrm>
+          <a:prstGeom prst="rect">
+            <a:avLst/>
+          </a:prstGeom>
+          <a:noFill/>
+        </p:spPr>
+        <p:txBody>
+          <a:bodyPr wrap="none" rtlCol="0">
+            <a:spAutoFit/>
+          </a:bodyPr>
+          <a:lstStyle/>
+          <a:p>
+            <a:r>
+              <a:rPr lang="ko-KR" altLang="en-US" sz="4400" dirty="0">
+                <a:latin typeface="나눔스퀘어OTF Bold" panose="020B0600000101010101" pitchFamily="34" charset="-127"/>
+                <a:ea typeface="나눔스퀘어OTF Bold" panose="020B0600000101010101" pitchFamily="34" charset="-127"/>
+              </a:rPr>
+              <a:t>프로젝트 주제 </a:t>
+            </a:r>
+            <a:r>
+              <a:rPr lang="en-US" altLang="ko-KR" sz="4400" dirty="0">
+                <a:latin typeface="나눔스퀘어OTF Bold" panose="020B0600000101010101" pitchFamily="34" charset="-127"/>
+                <a:ea typeface="나눔스퀘어OTF Bold" panose="020B0600000101010101" pitchFamily="34" charset="-127"/>
+              </a:rPr>
+              <a:t>: </a:t>
+            </a:r>
+            <a:r>
+              <a:rPr lang="ko-KR" altLang="en-US" sz="4400" dirty="0" err="1">
+                <a:latin typeface="나눔스퀘어OTF Bold" panose="020B0600000101010101" pitchFamily="34" charset="-127"/>
+                <a:ea typeface="나눔스퀘어OTF Bold" panose="020B0600000101010101" pitchFamily="34" charset="-127"/>
+              </a:rPr>
+              <a:t>챗봇</a:t>
+            </a:r>
+            <a:endParaRPr lang="ko-KR" altLang="en-US" sz="4400" dirty="0">
+              <a:latin typeface="나눔스퀘어OTF Bold" panose="020B0600000101010101" pitchFamily="34" charset="-127"/>
+              <a:ea typeface="나눔스퀘어OTF Bold" panose="020B0600000101010101" pitchFamily="34" charset="-127"/>
+            </a:endParaRPr>
+          </a:p>
+        </p:txBody>
+      </p:sp>
+      <p:sp>
+        <p:nvSpPr>
+          <p:cNvPr id="19" name="나눔스퀘어 Light">
+            <a:extLst>
+              <a:ext uri="{FF2B5EF4-FFF2-40B4-BE49-F238E27FC236}">
+                <a16:creationId xmlns:a16="http://schemas.microsoft.com/office/drawing/2014/main" id="{577C4BE0-78EB-4B77-ACDB-E8F1E40C4CD8}"/>
+              </a:ext>
+            </a:extLst>
+          </p:cNvPr>
+          <p:cNvSpPr txBox="1"/>
+          <p:nvPr/>
+        </p:nvSpPr>
+        <p:spPr>
+          <a:xfrm>
+            <a:off x="6096000" y="2016632"/>
+            <a:ext cx="3528530" cy="400110"/>
+          </a:xfrm>
+          <a:prstGeom prst="rect">
+            <a:avLst/>
+          </a:prstGeom>
+          <a:noFill/>
+        </p:spPr>
+        <p:txBody>
+          <a:bodyPr wrap="none" rtlCol="0">
+            <a:spAutoFit/>
+          </a:bodyPr>
+          <a:lstStyle/>
+          <a:p>
+            <a:r>
+              <a:rPr lang="en-US" altLang="ko-KR" sz="2000" dirty="0">
+                <a:latin typeface="나눔스퀘어 Light" panose="020B0600000101010101" pitchFamily="50" charset="-127"/>
+                <a:ea typeface="나눔스퀘어 Light" panose="020B0600000101010101" pitchFamily="50" charset="-127"/>
+              </a:rPr>
+              <a:t>(</a:t>
+            </a:r>
+            <a:r>
+              <a:rPr lang="ko-KR" altLang="en-US" sz="2000" dirty="0">
+                <a:latin typeface="나눔스퀘어 Light" panose="020B0600000101010101" pitchFamily="50" charset="-127"/>
+                <a:ea typeface="나눔스퀘어 Light" panose="020B0600000101010101" pitchFamily="50" charset="-127"/>
+              </a:rPr>
+              <a:t>마감 </a:t>
+            </a:r>
+            <a:r>
+              <a:rPr lang="en-US" altLang="ko-KR" sz="2000" dirty="0">
+                <a:latin typeface="나눔스퀘어 Light" panose="020B0600000101010101" pitchFamily="50" charset="-127"/>
+                <a:ea typeface="나눔스퀘어 Light" panose="020B0600000101010101" pitchFamily="50" charset="-127"/>
+              </a:rPr>
+              <a:t>30</a:t>
+            </a:r>
+            <a:r>
+              <a:rPr lang="ko-KR" altLang="en-US" sz="2000" dirty="0">
+                <a:latin typeface="나눔스퀘어 Light" panose="020B0600000101010101" pitchFamily="50" charset="-127"/>
+                <a:ea typeface="나눔스퀘어 Light" panose="020B0600000101010101" pitchFamily="50" charset="-127"/>
+              </a:rPr>
+              <a:t>분 전에 주제를  변경한</a:t>
+            </a:r>
+            <a:r>
+              <a:rPr lang="en-US" altLang="ko-KR" sz="2000" dirty="0">
+                <a:latin typeface="나눔스퀘어 Light" panose="020B0600000101010101" pitchFamily="50" charset="-127"/>
+                <a:ea typeface="나눔스퀘어 Light" panose="020B0600000101010101" pitchFamily="50" charset="-127"/>
+              </a:rPr>
+              <a:t>)</a:t>
+            </a:r>
+            <a:endParaRPr lang="ko-KR" altLang="en-US" sz="2000" dirty="0">
+              <a:latin typeface="나눔스퀘어 Light" panose="020B0600000101010101" pitchFamily="50" charset="-127"/>
+              <a:ea typeface="나눔스퀘어 Light" panose="020B0600000101010101" pitchFamily="50" charset="-127"/>
+            </a:endParaRPr>
+          </a:p>
+        </p:txBody>
+      </p:sp>
     </p:spTree>
     <p:extLst>
       <p:ext uri="{BB962C8B-B14F-4D97-AF65-F5344CB8AC3E}">
         <p14:creationId xmlns:p14="http://schemas.microsoft.com/office/powerpoint/2010/main" val="3541214191"/>
+      </p:ext>
+    </p:extLst>
+  </p:cSld>
+  <p:clrMapOvr>
+    <a:masterClrMapping/>
+  </p:clrMapOvr>
+</p:sld>
+</file>
+
+<file path=ppt/slides/slide3.xml><?xml version="1.0" encoding="utf-8"?>
+<p:sld xmlns:a="http://schemas.openxmlformats.org/drawingml/2006/main" xmlns:r="http://schemas.openxmlformats.org/officeDocument/2006/relationships" xmlns:p="http://schemas.openxmlformats.org/presentationml/2006/main">
+  <p:cSld>
+    <p:spTree>
+      <p:nvGrpSpPr>
+        <p:cNvPr id="1" name=""/>
+        <p:cNvGrpSpPr/>
+        <p:nvPr/>
+      </p:nvGrpSpPr>
+      <p:grpSpPr>
+        <a:xfrm>
+          <a:off x="0" y="0"/>
+          <a:ext cx="0" cy="0"/>
+          <a:chOff x="0" y="0"/>
+          <a:chExt cx="0" cy="0"/>
+        </a:xfrm>
+      </p:grpSpPr>
+      <p:sp>
+        <p:nvSpPr>
+          <p:cNvPr id="2" name="나눔스퀘어OTF ExtraBold">
+            <a:extLst>
+              <a:ext uri="{FF2B5EF4-FFF2-40B4-BE49-F238E27FC236}">
+                <a16:creationId xmlns:a16="http://schemas.microsoft.com/office/drawing/2014/main" id="{2906FC37-354C-4CE9-97D9-D6C5475FE3D7}"/>
+              </a:ext>
+            </a:extLst>
+          </p:cNvPr>
+          <p:cNvSpPr txBox="1"/>
+          <p:nvPr/>
+        </p:nvSpPr>
+        <p:spPr>
+          <a:xfrm>
+            <a:off x="-3566885" y="428542"/>
+            <a:ext cx="3111621" cy="400110"/>
+          </a:xfrm>
+          <a:prstGeom prst="rect">
+            <a:avLst/>
+          </a:prstGeom>
+          <a:noFill/>
+        </p:spPr>
+        <p:txBody>
+          <a:bodyPr wrap="none" rtlCol="0">
+            <a:spAutoFit/>
+          </a:bodyPr>
+          <a:lstStyle/>
+          <a:p>
+            <a:r>
+              <a:rPr lang="ko-KR" altLang="en-US" sz="2000" dirty="0">
+                <a:latin typeface="나눔스퀘어OTF ExtraBold" panose="020B0600000101010101" pitchFamily="34" charset="-127"/>
+                <a:ea typeface="나눔스퀘어OTF ExtraBold" panose="020B0600000101010101" pitchFamily="34" charset="-127"/>
+              </a:rPr>
+              <a:t>나눔스퀘어</a:t>
+            </a:r>
+            <a:r>
+              <a:rPr lang="en-US" altLang="ko-KR" sz="2000" dirty="0">
+                <a:latin typeface="나눔스퀘어OTF ExtraBold" panose="020B0600000101010101" pitchFamily="34" charset="-127"/>
+                <a:ea typeface="나눔스퀘어OTF ExtraBold" panose="020B0600000101010101" pitchFamily="34" charset="-127"/>
+              </a:rPr>
+              <a:t>OTF ExtraBold</a:t>
+            </a:r>
+            <a:endParaRPr lang="ko-KR" altLang="en-US" sz="2000" dirty="0">
+              <a:latin typeface="나눔스퀘어OTF ExtraBold" panose="020B0600000101010101" pitchFamily="34" charset="-127"/>
+              <a:ea typeface="나눔스퀘어OTF ExtraBold" panose="020B0600000101010101" pitchFamily="34" charset="-127"/>
+            </a:endParaRPr>
+          </a:p>
+        </p:txBody>
+      </p:sp>
+      <p:sp>
+        <p:nvSpPr>
+          <p:cNvPr id="3" name="나눔스퀘어OTF Bold">
+            <a:extLst>
+              <a:ext uri="{FF2B5EF4-FFF2-40B4-BE49-F238E27FC236}">
+                <a16:creationId xmlns:a16="http://schemas.microsoft.com/office/drawing/2014/main" id="{4B823813-B108-48C1-9C91-92A968F0C837}"/>
+              </a:ext>
+            </a:extLst>
+          </p:cNvPr>
+          <p:cNvSpPr txBox="1"/>
+          <p:nvPr/>
+        </p:nvSpPr>
+        <p:spPr>
+          <a:xfrm>
+            <a:off x="-3566884" y="851276"/>
+            <a:ext cx="2452914" cy="400110"/>
+          </a:xfrm>
+          <a:prstGeom prst="rect">
+            <a:avLst/>
+          </a:prstGeom>
+          <a:noFill/>
+        </p:spPr>
+        <p:txBody>
+          <a:bodyPr wrap="none" rtlCol="0">
+            <a:spAutoFit/>
+          </a:bodyPr>
+          <a:lstStyle/>
+          <a:p>
+            <a:r>
+              <a:rPr lang="ko-KR" altLang="en-US" sz="2000" dirty="0">
+                <a:latin typeface="나눔스퀘어OTF Bold" panose="020B0600000101010101" pitchFamily="34" charset="-127"/>
+                <a:ea typeface="나눔스퀘어OTF Bold" panose="020B0600000101010101" pitchFamily="34" charset="-127"/>
+              </a:rPr>
+              <a:t>나눔스퀘어</a:t>
+            </a:r>
+            <a:r>
+              <a:rPr lang="en-US" altLang="ko-KR" sz="2000" dirty="0">
+                <a:latin typeface="나눔스퀘어OTF Bold" panose="020B0600000101010101" pitchFamily="34" charset="-127"/>
+                <a:ea typeface="나눔스퀘어OTF Bold" panose="020B0600000101010101" pitchFamily="34" charset="-127"/>
+              </a:rPr>
+              <a:t>OTF Bold</a:t>
+            </a:r>
+            <a:endParaRPr lang="ko-KR" altLang="en-US" sz="2000" dirty="0">
+              <a:latin typeface="나눔스퀘어OTF Bold" panose="020B0600000101010101" pitchFamily="34" charset="-127"/>
+              <a:ea typeface="나눔스퀘어OTF Bold" panose="020B0600000101010101" pitchFamily="34" charset="-127"/>
+            </a:endParaRPr>
+          </a:p>
+        </p:txBody>
+      </p:sp>
+      <p:sp>
+        <p:nvSpPr>
+          <p:cNvPr id="4" name="나눔스퀘어_ac ExtraBold">
+            <a:extLst>
+              <a:ext uri="{FF2B5EF4-FFF2-40B4-BE49-F238E27FC236}">
+                <a16:creationId xmlns:a16="http://schemas.microsoft.com/office/drawing/2014/main" id="{6F568C0E-9C9E-47D1-B6F0-EC93EF14A55A}"/>
+              </a:ext>
+            </a:extLst>
+          </p:cNvPr>
+          <p:cNvSpPr txBox="1"/>
+          <p:nvPr/>
+        </p:nvSpPr>
+        <p:spPr>
+          <a:xfrm>
+            <a:off x="-3566885" y="2071004"/>
+            <a:ext cx="2985433" cy="400110"/>
+          </a:xfrm>
+          <a:prstGeom prst="rect">
+            <a:avLst/>
+          </a:prstGeom>
+          <a:noFill/>
+        </p:spPr>
+        <p:txBody>
+          <a:bodyPr wrap="none" rtlCol="0">
+            <a:spAutoFit/>
+          </a:bodyPr>
+          <a:lstStyle/>
+          <a:p>
+            <a:r>
+              <a:rPr lang="ko-KR" altLang="en-US" sz="2000" dirty="0">
+                <a:latin typeface="나눔스퀘어_ac ExtraBold" panose="020B0600000101010101" pitchFamily="50" charset="-127"/>
+                <a:ea typeface="나눔스퀘어_ac ExtraBold" panose="020B0600000101010101" pitchFamily="50" charset="-127"/>
+              </a:rPr>
+              <a:t>나눔스퀘어</a:t>
+            </a:r>
+            <a:r>
+              <a:rPr lang="en-US" altLang="ko-KR" sz="2000" dirty="0">
+                <a:latin typeface="나눔스퀘어_ac ExtraBold" panose="020B0600000101010101" pitchFamily="50" charset="-127"/>
+                <a:ea typeface="나눔스퀘어_ac ExtraBold" panose="020B0600000101010101" pitchFamily="50" charset="-127"/>
+              </a:rPr>
+              <a:t>_ac ExtraBold</a:t>
+            </a:r>
+            <a:endParaRPr lang="ko-KR" altLang="en-US" sz="2000" dirty="0">
+              <a:latin typeface="나눔스퀘어_ac ExtraBold" panose="020B0600000101010101" pitchFamily="50" charset="-127"/>
+              <a:ea typeface="나눔스퀘어_ac ExtraBold" panose="020B0600000101010101" pitchFamily="50" charset="-127"/>
+            </a:endParaRPr>
+          </a:p>
+        </p:txBody>
+      </p:sp>
+      <p:sp>
+        <p:nvSpPr>
+          <p:cNvPr id="5" name="나눔스퀘어_ac Bold">
+            <a:extLst>
+              <a:ext uri="{FF2B5EF4-FFF2-40B4-BE49-F238E27FC236}">
+                <a16:creationId xmlns:a16="http://schemas.microsoft.com/office/drawing/2014/main" id="{E3F5CA89-BF2D-466A-AA86-E694879F169D}"/>
+              </a:ext>
+            </a:extLst>
+          </p:cNvPr>
+          <p:cNvSpPr txBox="1"/>
+          <p:nvPr/>
+        </p:nvSpPr>
+        <p:spPr>
+          <a:xfrm>
+            <a:off x="-3566884" y="2608033"/>
+            <a:ext cx="2322284" cy="400110"/>
+          </a:xfrm>
+          <a:prstGeom prst="rect">
+            <a:avLst/>
+          </a:prstGeom>
+          <a:noFill/>
+        </p:spPr>
+        <p:txBody>
+          <a:bodyPr wrap="none" rtlCol="0">
+            <a:spAutoFit/>
+          </a:bodyPr>
+          <a:lstStyle/>
+          <a:p>
+            <a:r>
+              <a:rPr lang="ko-KR" altLang="en-US" sz="2000" dirty="0">
+                <a:latin typeface="나눔스퀘어_ac Bold" panose="020B0600000101010101" pitchFamily="50" charset="-127"/>
+                <a:ea typeface="나눔스퀘어_ac Bold" panose="020B0600000101010101" pitchFamily="50" charset="-127"/>
+              </a:rPr>
+              <a:t>나눔스퀘어</a:t>
+            </a:r>
+            <a:r>
+              <a:rPr lang="en-US" altLang="ko-KR" sz="2000" dirty="0">
+                <a:latin typeface="나눔스퀘어_ac Bold" panose="020B0600000101010101" pitchFamily="50" charset="-127"/>
+                <a:ea typeface="나눔스퀘어_ac Bold" panose="020B0600000101010101" pitchFamily="50" charset="-127"/>
+              </a:rPr>
+              <a:t>_ac Bold</a:t>
+            </a:r>
+            <a:endParaRPr lang="ko-KR" altLang="en-US" sz="2000" dirty="0">
+              <a:latin typeface="나눔스퀘어_ac Bold" panose="020B0600000101010101" pitchFamily="50" charset="-127"/>
+              <a:ea typeface="나눔스퀘어_ac Bold" panose="020B0600000101010101" pitchFamily="50" charset="-127"/>
+            </a:endParaRPr>
+          </a:p>
+        </p:txBody>
+      </p:sp>
+      <p:sp>
+        <p:nvSpPr>
+          <p:cNvPr id="6" name="나눔스퀘어_ac">
+            <a:extLst>
+              <a:ext uri="{FF2B5EF4-FFF2-40B4-BE49-F238E27FC236}">
+                <a16:creationId xmlns:a16="http://schemas.microsoft.com/office/drawing/2014/main" id="{DF8A1875-8751-4091-A91B-D82B26D7D57C}"/>
+              </a:ext>
+            </a:extLst>
+          </p:cNvPr>
+          <p:cNvSpPr txBox="1"/>
+          <p:nvPr/>
+        </p:nvSpPr>
+        <p:spPr>
+          <a:xfrm>
+            <a:off x="-3566884" y="3145062"/>
+            <a:ext cx="1677062" cy="400110"/>
+          </a:xfrm>
+          <a:prstGeom prst="rect">
+            <a:avLst/>
+          </a:prstGeom>
+          <a:noFill/>
+        </p:spPr>
+        <p:txBody>
+          <a:bodyPr wrap="none" rtlCol="0">
+            <a:spAutoFit/>
+          </a:bodyPr>
+          <a:lstStyle/>
+          <a:p>
+            <a:r>
+              <a:rPr lang="ko-KR" altLang="en-US" sz="2000" dirty="0">
+                <a:latin typeface="나눔스퀘어_ac" panose="020B0600000101010101" pitchFamily="50" charset="-127"/>
+                <a:ea typeface="나눔스퀘어_ac" panose="020B0600000101010101" pitchFamily="50" charset="-127"/>
+              </a:rPr>
+              <a:t>나눔스퀘어</a:t>
+            </a:r>
+            <a:r>
+              <a:rPr lang="en-US" altLang="ko-KR" sz="2000" dirty="0">
+                <a:latin typeface="나눔스퀘어_ac" panose="020B0600000101010101" pitchFamily="50" charset="-127"/>
+                <a:ea typeface="나눔스퀘어_ac" panose="020B0600000101010101" pitchFamily="50" charset="-127"/>
+              </a:rPr>
+              <a:t>_ac</a:t>
+            </a:r>
+            <a:endParaRPr lang="ko-KR" altLang="en-US" sz="2000" dirty="0">
+              <a:latin typeface="나눔스퀘어_ac" panose="020B0600000101010101" pitchFamily="50" charset="-127"/>
+              <a:ea typeface="나눔스퀘어_ac" panose="020B0600000101010101" pitchFamily="50" charset="-127"/>
+            </a:endParaRPr>
+          </a:p>
+        </p:txBody>
+      </p:sp>
+      <p:sp>
+        <p:nvSpPr>
+          <p:cNvPr id="7" name="나눔스퀘어 ExtraBold">
+            <a:extLst>
+              <a:ext uri="{FF2B5EF4-FFF2-40B4-BE49-F238E27FC236}">
+                <a16:creationId xmlns:a16="http://schemas.microsoft.com/office/drawing/2014/main" id="{E1606A48-C470-493D-ABE6-75D051BF23D5}"/>
+              </a:ext>
+            </a:extLst>
+          </p:cNvPr>
+          <p:cNvSpPr txBox="1"/>
+          <p:nvPr/>
+        </p:nvSpPr>
+        <p:spPr>
+          <a:xfrm>
+            <a:off x="-3566886" y="3767851"/>
+            <a:ext cx="2627085" cy="400110"/>
+          </a:xfrm>
+          <a:prstGeom prst="rect">
+            <a:avLst/>
+          </a:prstGeom>
+          <a:noFill/>
+        </p:spPr>
+        <p:txBody>
+          <a:bodyPr wrap="none" rtlCol="0">
+            <a:spAutoFit/>
+          </a:bodyPr>
+          <a:lstStyle/>
+          <a:p>
+            <a:r>
+              <a:rPr lang="ko-KR" altLang="en-US" sz="2000" dirty="0">
+                <a:latin typeface="나눔스퀘어_ac ExtraBold" panose="020B0600000101010101" pitchFamily="50" charset="-127"/>
+                <a:ea typeface="나눔스퀘어_ac ExtraBold" panose="020B0600000101010101" pitchFamily="50" charset="-127"/>
+              </a:rPr>
+              <a:t>나눔스퀘어</a:t>
+            </a:r>
+            <a:r>
+              <a:rPr lang="en-US" altLang="ko-KR" sz="2000" dirty="0">
+                <a:latin typeface="나눔스퀘어_ac ExtraBold" panose="020B0600000101010101" pitchFamily="50" charset="-127"/>
+                <a:ea typeface="나눔스퀘어_ac ExtraBold" panose="020B0600000101010101" pitchFamily="50" charset="-127"/>
+              </a:rPr>
+              <a:t> </a:t>
+            </a:r>
+            <a:r>
+              <a:rPr lang="en-US" altLang="ko-KR" sz="2000" dirty="0">
+                <a:latin typeface="나눔스퀘어 ExtraBold" panose="020B0600000101010101" pitchFamily="50" charset="-127"/>
+                <a:ea typeface="나눔스퀘어 ExtraBold" panose="020B0600000101010101" pitchFamily="50" charset="-127"/>
+              </a:rPr>
+              <a:t>ExtraBold</a:t>
+            </a:r>
+            <a:endParaRPr lang="ko-KR" altLang="en-US" sz="2000" dirty="0">
+              <a:latin typeface="나눔스퀘어 ExtraBold" panose="020B0600000101010101" pitchFamily="50" charset="-127"/>
+              <a:ea typeface="나눔스퀘어 ExtraBold" panose="020B0600000101010101" pitchFamily="50" charset="-127"/>
+            </a:endParaRPr>
+          </a:p>
+        </p:txBody>
+      </p:sp>
+      <p:sp>
+        <p:nvSpPr>
+          <p:cNvPr id="8" name="나눔스퀘어 Bold">
+            <a:extLst>
+              <a:ext uri="{FF2B5EF4-FFF2-40B4-BE49-F238E27FC236}">
+                <a16:creationId xmlns:a16="http://schemas.microsoft.com/office/drawing/2014/main" id="{4D51FFE8-A1EC-4D1E-9A48-233301D6C5F2}"/>
+              </a:ext>
+            </a:extLst>
+          </p:cNvPr>
+          <p:cNvSpPr txBox="1"/>
+          <p:nvPr/>
+        </p:nvSpPr>
+        <p:spPr>
+          <a:xfrm>
+            <a:off x="-3566885" y="4304880"/>
+            <a:ext cx="2017484" cy="400110"/>
+          </a:xfrm>
+          <a:prstGeom prst="rect">
+            <a:avLst/>
+          </a:prstGeom>
+          <a:noFill/>
+        </p:spPr>
+        <p:txBody>
+          <a:bodyPr wrap="none" rtlCol="0">
+            <a:spAutoFit/>
+          </a:bodyPr>
+          <a:lstStyle/>
+          <a:p>
+            <a:r>
+              <a:rPr lang="ko-KR" altLang="en-US" sz="2000" dirty="0">
+                <a:latin typeface="나눔스퀘어 Bold" panose="020B0600000101010101" pitchFamily="50" charset="-127"/>
+                <a:ea typeface="나눔스퀘어 Bold" panose="020B0600000101010101" pitchFamily="50" charset="-127"/>
+              </a:rPr>
+              <a:t>나눔스퀘어</a:t>
+            </a:r>
+            <a:r>
+              <a:rPr lang="en-US" altLang="ko-KR" sz="2000" dirty="0">
+                <a:latin typeface="나눔스퀘어 Bold" panose="020B0600000101010101" pitchFamily="50" charset="-127"/>
+                <a:ea typeface="나눔스퀘어 Bold" panose="020B0600000101010101" pitchFamily="50" charset="-127"/>
+              </a:rPr>
+              <a:t> Bold</a:t>
+            </a:r>
+            <a:endParaRPr lang="ko-KR" altLang="en-US" sz="2000" dirty="0">
+              <a:latin typeface="나눔스퀘어 Bold" panose="020B0600000101010101" pitchFamily="50" charset="-127"/>
+              <a:ea typeface="나눔스퀘어 Bold" panose="020B0600000101010101" pitchFamily="50" charset="-127"/>
+            </a:endParaRPr>
+          </a:p>
+        </p:txBody>
+      </p:sp>
+      <p:sp>
+        <p:nvSpPr>
+          <p:cNvPr id="9" name="나눔스퀘어">
+            <a:extLst>
+              <a:ext uri="{FF2B5EF4-FFF2-40B4-BE49-F238E27FC236}">
+                <a16:creationId xmlns:a16="http://schemas.microsoft.com/office/drawing/2014/main" id="{87D24177-A08E-48A7-9F4C-B93C7DB3C018}"/>
+              </a:ext>
+            </a:extLst>
+          </p:cNvPr>
+          <p:cNvSpPr txBox="1"/>
+          <p:nvPr/>
+        </p:nvSpPr>
+        <p:spPr>
+          <a:xfrm>
+            <a:off x="-3566885" y="4841909"/>
+            <a:ext cx="1393370" cy="400110"/>
+          </a:xfrm>
+          <a:prstGeom prst="rect">
+            <a:avLst/>
+          </a:prstGeom>
+          <a:noFill/>
+        </p:spPr>
+        <p:txBody>
+          <a:bodyPr wrap="none" rtlCol="0">
+            <a:spAutoFit/>
+          </a:bodyPr>
+          <a:lstStyle/>
+          <a:p>
+            <a:r>
+              <a:rPr lang="ko-KR" altLang="en-US" sz="2000" dirty="0">
+                <a:latin typeface="나눔스퀘어" panose="020B0600000101010101" pitchFamily="50" charset="-127"/>
+                <a:ea typeface="나눔스퀘어" panose="020B0600000101010101" pitchFamily="50" charset="-127"/>
+              </a:rPr>
+              <a:t>나눔스퀘어</a:t>
+            </a:r>
+          </a:p>
+        </p:txBody>
+      </p:sp>
+      <p:sp>
+        <p:nvSpPr>
+          <p:cNvPr id="10" name="나눔스퀘어 Light">
+            <a:extLst>
+              <a:ext uri="{FF2B5EF4-FFF2-40B4-BE49-F238E27FC236}">
+                <a16:creationId xmlns:a16="http://schemas.microsoft.com/office/drawing/2014/main" id="{7DA7939B-F3CB-4FD3-857D-4C90DFD6043F}"/>
+              </a:ext>
+            </a:extLst>
+          </p:cNvPr>
+          <p:cNvSpPr txBox="1"/>
+          <p:nvPr/>
+        </p:nvSpPr>
+        <p:spPr>
+          <a:xfrm>
+            <a:off x="-3566884" y="5652991"/>
+            <a:ext cx="1996059" cy="400110"/>
+          </a:xfrm>
+          <a:prstGeom prst="rect">
+            <a:avLst/>
+          </a:prstGeom>
+          <a:noFill/>
+        </p:spPr>
+        <p:txBody>
+          <a:bodyPr wrap="none" rtlCol="0">
+            <a:spAutoFit/>
+          </a:bodyPr>
+          <a:lstStyle/>
+          <a:p>
+            <a:r>
+              <a:rPr lang="ko-KR" altLang="en-US" sz="2000" dirty="0">
+                <a:latin typeface="나눔스퀘어 Light" panose="020B0600000101010101" pitchFamily="50" charset="-127"/>
+                <a:ea typeface="나눔스퀘어 Light" panose="020B0600000101010101" pitchFamily="50" charset="-127"/>
+              </a:rPr>
+              <a:t>나눔스퀘어 </a:t>
+            </a:r>
+            <a:r>
+              <a:rPr lang="en-US" altLang="ko-KR" sz="2000" dirty="0">
+                <a:latin typeface="나눔스퀘어 Light" panose="020B0600000101010101" pitchFamily="50" charset="-127"/>
+                <a:ea typeface="나눔스퀘어 Light" panose="020B0600000101010101" pitchFamily="50" charset="-127"/>
+              </a:rPr>
+              <a:t>Light</a:t>
+            </a:r>
+            <a:endParaRPr lang="ko-KR" altLang="en-US" sz="2000" dirty="0">
+              <a:latin typeface="나눔스퀘어 Light" panose="020B0600000101010101" pitchFamily="50" charset="-127"/>
+              <a:ea typeface="나눔스퀘어 Light" panose="020B0600000101010101" pitchFamily="50" charset="-127"/>
+            </a:endParaRPr>
+          </a:p>
+        </p:txBody>
+      </p:sp>
+      <p:sp>
+        <p:nvSpPr>
+          <p:cNvPr id="11" name="나눔스퀘어OTF">
+            <a:extLst>
+              <a:ext uri="{FF2B5EF4-FFF2-40B4-BE49-F238E27FC236}">
+                <a16:creationId xmlns:a16="http://schemas.microsoft.com/office/drawing/2014/main" id="{5B5D7877-451C-43A7-9219-1D7F862F6A0C}"/>
+              </a:ext>
+            </a:extLst>
+          </p:cNvPr>
+          <p:cNvSpPr txBox="1"/>
+          <p:nvPr/>
+        </p:nvSpPr>
+        <p:spPr>
+          <a:xfrm>
+            <a:off x="-3566886" y="1333920"/>
+            <a:ext cx="1818831" cy="400110"/>
+          </a:xfrm>
+          <a:prstGeom prst="rect">
+            <a:avLst/>
+          </a:prstGeom>
+          <a:noFill/>
+        </p:spPr>
+        <p:txBody>
+          <a:bodyPr wrap="none" rtlCol="0">
+            <a:spAutoFit/>
+          </a:bodyPr>
+          <a:lstStyle/>
+          <a:p>
+            <a:r>
+              <a:rPr lang="ko-KR" altLang="en-US" sz="2000" dirty="0">
+                <a:latin typeface="나눔스퀘어OTF" panose="020B0600000101010101" pitchFamily="34" charset="-127"/>
+                <a:ea typeface="나눔스퀘어OTF" panose="020B0600000101010101" pitchFamily="34" charset="-127"/>
+              </a:rPr>
+              <a:t>나눔스퀘어</a:t>
+            </a:r>
+            <a:r>
+              <a:rPr lang="en-US" altLang="ko-KR" sz="2000" dirty="0">
+                <a:latin typeface="나눔스퀘어OTF" panose="020B0600000101010101" pitchFamily="34" charset="-127"/>
+                <a:ea typeface="나눔스퀘어OTF" panose="020B0600000101010101" pitchFamily="34" charset="-127"/>
+              </a:rPr>
+              <a:t>OTF</a:t>
+            </a:r>
+            <a:endParaRPr lang="ko-KR" altLang="en-US" sz="2000" dirty="0">
+              <a:latin typeface="나눔스퀘어OTF" panose="020B0600000101010101" pitchFamily="34" charset="-127"/>
+              <a:ea typeface="나눔스퀘어OTF" panose="020B0600000101010101" pitchFamily="34" charset="-127"/>
+            </a:endParaRPr>
+          </a:p>
+        </p:txBody>
+      </p:sp>
+      <p:sp>
+        <p:nvSpPr>
+          <p:cNvPr id="12" name="나눔스퀘어OTF Bold">
+            <a:extLst>
+              <a:ext uri="{FF2B5EF4-FFF2-40B4-BE49-F238E27FC236}">
+                <a16:creationId xmlns:a16="http://schemas.microsoft.com/office/drawing/2014/main" id="{49C5ED60-54CC-4075-B763-ED40BBA3CC98}"/>
+              </a:ext>
+            </a:extLst>
+          </p:cNvPr>
+          <p:cNvSpPr txBox="1"/>
+          <p:nvPr/>
+        </p:nvSpPr>
+        <p:spPr>
+          <a:xfrm>
+            <a:off x="408216" y="274654"/>
+            <a:ext cx="3111749" cy="707886"/>
+          </a:xfrm>
+          <a:prstGeom prst="rect">
+            <a:avLst/>
+          </a:prstGeom>
+          <a:noFill/>
+        </p:spPr>
+        <p:txBody>
+          <a:bodyPr wrap="none" rtlCol="0">
+            <a:spAutoFit/>
+          </a:bodyPr>
+          <a:lstStyle/>
+          <a:p>
+            <a:r>
+              <a:rPr lang="ko-KR" altLang="en-US" sz="4000">
+                <a:latin typeface="나눔스퀘어OTF ExtraBold" panose="020B0600000101010101" pitchFamily="34" charset="-127"/>
+                <a:ea typeface="나눔스퀘어OTF ExtraBold" panose="020B0600000101010101" pitchFamily="34" charset="-127"/>
+              </a:rPr>
+              <a:t>프로젝트 설명</a:t>
+            </a:r>
+            <a:endParaRPr lang="ko-KR" altLang="en-US" sz="4000" dirty="0">
+              <a:latin typeface="나눔스퀘어OTF ExtraBold" panose="020B0600000101010101" pitchFamily="34" charset="-127"/>
+              <a:ea typeface="나눔스퀘어OTF ExtraBold" panose="020B0600000101010101" pitchFamily="34" charset="-127"/>
+            </a:endParaRPr>
+          </a:p>
+        </p:txBody>
+      </p:sp>
+      <p:pic>
+        <p:nvPicPr>
+          <p:cNvPr id="51" name="그래픽 50">
+            <a:extLst>
+              <a:ext uri="{FF2B5EF4-FFF2-40B4-BE49-F238E27FC236}">
+                <a16:creationId xmlns:a16="http://schemas.microsoft.com/office/drawing/2014/main" id="{30B1D6DD-57AF-47DE-B51B-7B1ACE133CE5}"/>
+              </a:ext>
+            </a:extLst>
+          </p:cNvPr>
+          <p:cNvPicPr>
+            <a:picLocks noChangeAspect="1"/>
+          </p:cNvPicPr>
+          <p:nvPr/>
+        </p:nvPicPr>
+        <p:blipFill>
+          <a:blip r:embed="rId2">
+            <a:extLst>
+              <a:ext uri="{28A0092B-C50C-407E-A947-70E740481C1C}">
+                <a14:useLocalDpi xmlns:a14="http://schemas.microsoft.com/office/drawing/2010/main" val="0"/>
+              </a:ext>
+              <a:ext uri="{96DAC541-7B7A-43D3-8B79-37D633B846F1}">
+                <asvg:svgBlip xmlns:asvg="http://schemas.microsoft.com/office/drawing/2016/SVG/main" r:embed="rId3"/>
+              </a:ext>
+            </a:extLst>
+          </a:blip>
+          <a:stretch>
+            <a:fillRect/>
+          </a:stretch>
+        </p:blipFill>
+        <p:spPr>
+          <a:xfrm>
+            <a:off x="-2405742" y="7322660"/>
+            <a:ext cx="6096001" cy="3429001"/>
+          </a:xfrm>
+          <a:prstGeom prst="rect">
+            <a:avLst/>
+          </a:prstGeom>
+        </p:spPr>
+      </p:pic>
+      <p:grpSp>
+        <p:nvGrpSpPr>
+          <p:cNvPr id="68" name="그룹 67">
+            <a:extLst>
+              <a:ext uri="{FF2B5EF4-FFF2-40B4-BE49-F238E27FC236}">
+                <a16:creationId xmlns:a16="http://schemas.microsoft.com/office/drawing/2014/main" id="{B20D0CDD-3271-4C52-B790-8F41CD6405C2}"/>
+              </a:ext>
+            </a:extLst>
+          </p:cNvPr>
+          <p:cNvGrpSpPr/>
+          <p:nvPr/>
+        </p:nvGrpSpPr>
+        <p:grpSpPr>
+          <a:xfrm>
+            <a:off x="687843" y="2320652"/>
+            <a:ext cx="2281394" cy="2449344"/>
+            <a:chOff x="687843" y="2320652"/>
+            <a:chExt cx="2281394" cy="2449344"/>
+          </a:xfrm>
+        </p:grpSpPr>
+        <p:pic>
+          <p:nvPicPr>
+            <p:cNvPr id="26" name="그림 25">
+              <a:extLst>
+                <a:ext uri="{FF2B5EF4-FFF2-40B4-BE49-F238E27FC236}">
+                  <a16:creationId xmlns:a16="http://schemas.microsoft.com/office/drawing/2014/main" id="{CD0B0A8E-9DF9-4501-9A3E-C44E56555C33}"/>
+                </a:ext>
+              </a:extLst>
+            </p:cNvPr>
+            <p:cNvPicPr>
+              <a:picLocks noChangeAspect="1"/>
+            </p:cNvPicPr>
+            <p:nvPr/>
+          </p:nvPicPr>
+          <p:blipFill>
+            <a:blip r:embed="rId4">
+              <a:extLst>
+                <a:ext uri="{28A0092B-C50C-407E-A947-70E740481C1C}">
+                  <a14:useLocalDpi xmlns:a14="http://schemas.microsoft.com/office/drawing/2010/main" val="0"/>
+                </a:ext>
+              </a:extLst>
+            </a:blip>
+            <a:stretch>
+              <a:fillRect/>
+            </a:stretch>
+          </p:blipFill>
+          <p:spPr>
+            <a:xfrm>
+              <a:off x="965888" y="2320652"/>
+              <a:ext cx="1725305" cy="1725305"/>
+            </a:xfrm>
+            <a:prstGeom prst="rect">
+              <a:avLst/>
+            </a:prstGeom>
+          </p:spPr>
+        </p:pic>
+        <p:sp>
+          <p:nvSpPr>
+            <p:cNvPr id="27" name="나눔스퀘어OTF">
+              <a:extLst>
+                <a:ext uri="{FF2B5EF4-FFF2-40B4-BE49-F238E27FC236}">
+                  <a16:creationId xmlns:a16="http://schemas.microsoft.com/office/drawing/2014/main" id="{9E719662-B5B3-4DF9-8FD0-69B96AC3AD93}"/>
+                </a:ext>
+              </a:extLst>
+            </p:cNvPr>
+            <p:cNvSpPr txBox="1"/>
+            <p:nvPr/>
+          </p:nvSpPr>
+          <p:spPr>
+            <a:xfrm>
+              <a:off x="687843" y="4369886"/>
+              <a:ext cx="2281394" cy="400110"/>
+            </a:xfrm>
+            <a:prstGeom prst="rect">
+              <a:avLst/>
+            </a:prstGeom>
+            <a:noFill/>
+          </p:spPr>
+          <p:txBody>
+            <a:bodyPr wrap="none" rtlCol="0">
+              <a:spAutoFit/>
+            </a:bodyPr>
+            <a:lstStyle/>
+            <a:p>
+              <a:r>
+                <a:rPr lang="ko-KR" altLang="en-US" sz="2000" dirty="0">
+                  <a:latin typeface="나눔스퀘어OTF" panose="020B0600000101010101" pitchFamily="34" charset="-127"/>
+                  <a:ea typeface="나눔스퀘어OTF" panose="020B0600000101010101" pitchFamily="34" charset="-127"/>
+                </a:rPr>
+                <a:t>사용자 </a:t>
+              </a:r>
+              <a:r>
+                <a:rPr lang="en-US" altLang="ko-KR" sz="2000" dirty="0">
+                  <a:latin typeface="나눔스퀘어OTF" panose="020B0600000101010101" pitchFamily="34" charset="-127"/>
+                  <a:ea typeface="나눔스퀘어OTF" panose="020B0600000101010101" pitchFamily="34" charset="-127"/>
+                </a:rPr>
+                <a:t>(</a:t>
+              </a:r>
+              <a:r>
+                <a:rPr lang="ko-KR" altLang="en-US" sz="2000" dirty="0">
+                  <a:latin typeface="나눔스퀘어OTF" panose="020B0600000101010101" pitchFamily="34" charset="-127"/>
+                  <a:ea typeface="나눔스퀘어OTF" panose="020B0600000101010101" pitchFamily="34" charset="-127"/>
+                </a:rPr>
+                <a:t>클라이언트</a:t>
+              </a:r>
+              <a:r>
+                <a:rPr lang="en-US" altLang="ko-KR" sz="2000" dirty="0">
+                  <a:latin typeface="나눔스퀘어OTF" panose="020B0600000101010101" pitchFamily="34" charset="-127"/>
+                  <a:ea typeface="나눔스퀘어OTF" panose="020B0600000101010101" pitchFamily="34" charset="-127"/>
+                </a:rPr>
+                <a:t>)</a:t>
+              </a:r>
+              <a:endParaRPr lang="ko-KR" altLang="en-US" sz="2000" dirty="0">
+                <a:latin typeface="나눔스퀘어OTF" panose="020B0600000101010101" pitchFamily="34" charset="-127"/>
+                <a:ea typeface="나눔스퀘어OTF" panose="020B0600000101010101" pitchFamily="34" charset="-127"/>
+              </a:endParaRPr>
+            </a:p>
+          </p:txBody>
+        </p:sp>
+      </p:grpSp>
+      <p:grpSp>
+        <p:nvGrpSpPr>
+          <p:cNvPr id="69" name="그룹 68">
+            <a:extLst>
+              <a:ext uri="{FF2B5EF4-FFF2-40B4-BE49-F238E27FC236}">
+                <a16:creationId xmlns:a16="http://schemas.microsoft.com/office/drawing/2014/main" id="{549AF987-1B82-4592-AAB2-DE05E198B2FB}"/>
+              </a:ext>
+            </a:extLst>
+          </p:cNvPr>
+          <p:cNvGrpSpPr/>
+          <p:nvPr/>
+        </p:nvGrpSpPr>
+        <p:grpSpPr>
+          <a:xfrm>
+            <a:off x="5233348" y="2320652"/>
+            <a:ext cx="1725305" cy="2449344"/>
+            <a:chOff x="5233348" y="2320652"/>
+            <a:chExt cx="1725305" cy="2449344"/>
+          </a:xfrm>
+        </p:grpSpPr>
+        <p:pic>
+          <p:nvPicPr>
+            <p:cNvPr id="30" name="그림 29">
+              <a:extLst>
+                <a:ext uri="{FF2B5EF4-FFF2-40B4-BE49-F238E27FC236}">
+                  <a16:creationId xmlns:a16="http://schemas.microsoft.com/office/drawing/2014/main" id="{67672C3E-69C4-4B11-A048-5600CEB8B47E}"/>
+                </a:ext>
+              </a:extLst>
+            </p:cNvPr>
+            <p:cNvPicPr>
+              <a:picLocks noChangeAspect="1"/>
+            </p:cNvPicPr>
+            <p:nvPr/>
+          </p:nvPicPr>
+          <p:blipFill>
+            <a:blip r:embed="rId5">
+              <a:extLst>
+                <a:ext uri="{28A0092B-C50C-407E-A947-70E740481C1C}">
+                  <a14:useLocalDpi xmlns:a14="http://schemas.microsoft.com/office/drawing/2010/main" val="0"/>
+                </a:ext>
+              </a:extLst>
+            </a:blip>
+            <a:stretch>
+              <a:fillRect/>
+            </a:stretch>
+          </p:blipFill>
+          <p:spPr>
+            <a:xfrm>
+              <a:off x="5233348" y="2320652"/>
+              <a:ext cx="1725305" cy="1725305"/>
+            </a:xfrm>
+            <a:prstGeom prst="rect">
+              <a:avLst/>
+            </a:prstGeom>
+          </p:spPr>
+        </p:pic>
+        <p:sp>
+          <p:nvSpPr>
+            <p:cNvPr id="31" name="나눔스퀘어OTF">
+              <a:extLst>
+                <a:ext uri="{FF2B5EF4-FFF2-40B4-BE49-F238E27FC236}">
+                  <a16:creationId xmlns:a16="http://schemas.microsoft.com/office/drawing/2014/main" id="{1486BB46-EA74-45B9-8BC3-54ACDAC3D603}"/>
+                </a:ext>
+              </a:extLst>
+            </p:cNvPr>
+            <p:cNvSpPr txBox="1"/>
+            <p:nvPr/>
+          </p:nvSpPr>
+          <p:spPr>
+            <a:xfrm>
+              <a:off x="5423380" y="4369886"/>
+              <a:ext cx="1345240" cy="400110"/>
+            </a:xfrm>
+            <a:prstGeom prst="rect">
+              <a:avLst/>
+            </a:prstGeom>
+            <a:noFill/>
+          </p:spPr>
+          <p:txBody>
+            <a:bodyPr wrap="none" rtlCol="0">
+              <a:spAutoFit/>
+            </a:bodyPr>
+            <a:lstStyle/>
+            <a:p>
+              <a:r>
+                <a:rPr lang="ko-KR" altLang="en-US" sz="2000" dirty="0" err="1">
+                  <a:latin typeface="나눔스퀘어OTF" panose="020B0600000101010101" pitchFamily="34" charset="-127"/>
+                  <a:ea typeface="나눔스퀘어OTF" panose="020B0600000101010101" pitchFamily="34" charset="-127"/>
+                </a:rPr>
+                <a:t>챗봇</a:t>
+              </a:r>
+              <a:r>
+                <a:rPr lang="ko-KR" altLang="en-US" sz="2000" dirty="0">
+                  <a:latin typeface="나눔스퀘어OTF" panose="020B0600000101010101" pitchFamily="34" charset="-127"/>
+                  <a:ea typeface="나눔스퀘어OTF" panose="020B0600000101010101" pitchFamily="34" charset="-127"/>
+                </a:rPr>
+                <a:t> </a:t>
+              </a:r>
+              <a:r>
+                <a:rPr lang="en-US" altLang="ko-KR" sz="2000" dirty="0">
+                  <a:latin typeface="나눔스퀘어OTF" panose="020B0600000101010101" pitchFamily="34" charset="-127"/>
+                  <a:ea typeface="나눔스퀘어OTF" panose="020B0600000101010101" pitchFamily="34" charset="-127"/>
+                </a:rPr>
+                <a:t>(</a:t>
+              </a:r>
+              <a:r>
+                <a:rPr lang="ko-KR" altLang="en-US" sz="2000" dirty="0">
+                  <a:latin typeface="나눔스퀘어OTF" panose="020B0600000101010101" pitchFamily="34" charset="-127"/>
+                  <a:ea typeface="나눔스퀘어OTF" panose="020B0600000101010101" pitchFamily="34" charset="-127"/>
+                </a:rPr>
+                <a:t>서버</a:t>
+              </a:r>
+              <a:r>
+                <a:rPr lang="en-US" altLang="ko-KR" sz="2000" dirty="0">
+                  <a:latin typeface="나눔스퀘어OTF" panose="020B0600000101010101" pitchFamily="34" charset="-127"/>
+                  <a:ea typeface="나눔스퀘어OTF" panose="020B0600000101010101" pitchFamily="34" charset="-127"/>
+                </a:rPr>
+                <a:t>)</a:t>
+              </a:r>
+              <a:endParaRPr lang="ko-KR" altLang="en-US" sz="2000" dirty="0">
+                <a:latin typeface="나눔스퀘어OTF" panose="020B0600000101010101" pitchFamily="34" charset="-127"/>
+                <a:ea typeface="나눔스퀘어OTF" panose="020B0600000101010101" pitchFamily="34" charset="-127"/>
+              </a:endParaRPr>
+            </a:p>
+          </p:txBody>
+        </p:sp>
+      </p:grpSp>
+      <p:grpSp>
+        <p:nvGrpSpPr>
+          <p:cNvPr id="70" name="그룹 69">
+            <a:extLst>
+              <a:ext uri="{FF2B5EF4-FFF2-40B4-BE49-F238E27FC236}">
+                <a16:creationId xmlns:a16="http://schemas.microsoft.com/office/drawing/2014/main" id="{DEB11BFE-9030-49CB-A66E-492C92E5EF1E}"/>
+              </a:ext>
+            </a:extLst>
+          </p:cNvPr>
+          <p:cNvGrpSpPr/>
+          <p:nvPr/>
+        </p:nvGrpSpPr>
+        <p:grpSpPr>
+          <a:xfrm>
+            <a:off x="9222764" y="2320652"/>
+            <a:ext cx="2281394" cy="2449344"/>
+            <a:chOff x="9222764" y="2320652"/>
+            <a:chExt cx="2281394" cy="2449344"/>
+          </a:xfrm>
+        </p:grpSpPr>
+        <p:pic>
+          <p:nvPicPr>
+            <p:cNvPr id="35" name="그림 34">
+              <a:extLst>
+                <a:ext uri="{FF2B5EF4-FFF2-40B4-BE49-F238E27FC236}">
+                  <a16:creationId xmlns:a16="http://schemas.microsoft.com/office/drawing/2014/main" id="{09910C4F-5C96-495A-B4C0-9FB7525431E1}"/>
+                </a:ext>
+              </a:extLst>
+            </p:cNvPr>
+            <p:cNvPicPr>
+              <a:picLocks noChangeAspect="1"/>
+            </p:cNvPicPr>
+            <p:nvPr/>
+          </p:nvPicPr>
+          <p:blipFill>
+            <a:blip r:embed="rId4">
+              <a:extLst>
+                <a:ext uri="{28A0092B-C50C-407E-A947-70E740481C1C}">
+                  <a14:useLocalDpi xmlns:a14="http://schemas.microsoft.com/office/drawing/2010/main" val="0"/>
+                </a:ext>
+              </a:extLst>
+            </a:blip>
+            <a:stretch>
+              <a:fillRect/>
+            </a:stretch>
+          </p:blipFill>
+          <p:spPr>
+            <a:xfrm>
+              <a:off x="9500809" y="2320652"/>
+              <a:ext cx="1725305" cy="1725305"/>
+            </a:xfrm>
+            <a:prstGeom prst="rect">
+              <a:avLst/>
+            </a:prstGeom>
+          </p:spPr>
+        </p:pic>
+        <p:sp>
+          <p:nvSpPr>
+            <p:cNvPr id="36" name="나눔스퀘어OTF">
+              <a:extLst>
+                <a:ext uri="{FF2B5EF4-FFF2-40B4-BE49-F238E27FC236}">
+                  <a16:creationId xmlns:a16="http://schemas.microsoft.com/office/drawing/2014/main" id="{37CC603E-6384-47D6-94FC-F5559700B1B0}"/>
+                </a:ext>
+              </a:extLst>
+            </p:cNvPr>
+            <p:cNvSpPr txBox="1"/>
+            <p:nvPr/>
+          </p:nvSpPr>
+          <p:spPr>
+            <a:xfrm>
+              <a:off x="9222764" y="4369886"/>
+              <a:ext cx="2281394" cy="400110"/>
+            </a:xfrm>
+            <a:prstGeom prst="rect">
+              <a:avLst/>
+            </a:prstGeom>
+            <a:noFill/>
+          </p:spPr>
+          <p:txBody>
+            <a:bodyPr wrap="none" rtlCol="0">
+              <a:spAutoFit/>
+            </a:bodyPr>
+            <a:lstStyle/>
+            <a:p>
+              <a:r>
+                <a:rPr lang="ko-KR" altLang="en-US" sz="2000" dirty="0">
+                  <a:latin typeface="나눔스퀘어OTF" panose="020B0600000101010101" pitchFamily="34" charset="-127"/>
+                  <a:ea typeface="나눔스퀘어OTF" panose="020B0600000101010101" pitchFamily="34" charset="-127"/>
+                </a:rPr>
+                <a:t>사용자 </a:t>
+              </a:r>
+              <a:r>
+                <a:rPr lang="en-US" altLang="ko-KR" sz="2000" dirty="0">
+                  <a:latin typeface="나눔스퀘어OTF" panose="020B0600000101010101" pitchFamily="34" charset="-127"/>
+                  <a:ea typeface="나눔스퀘어OTF" panose="020B0600000101010101" pitchFamily="34" charset="-127"/>
+                </a:rPr>
+                <a:t>(</a:t>
+              </a:r>
+              <a:r>
+                <a:rPr lang="ko-KR" altLang="en-US" sz="2000" dirty="0">
+                  <a:latin typeface="나눔스퀘어OTF" panose="020B0600000101010101" pitchFamily="34" charset="-127"/>
+                  <a:ea typeface="나눔스퀘어OTF" panose="020B0600000101010101" pitchFamily="34" charset="-127"/>
+                </a:rPr>
+                <a:t>클라이언트</a:t>
+              </a:r>
+              <a:r>
+                <a:rPr lang="en-US" altLang="ko-KR" sz="2000" dirty="0">
+                  <a:latin typeface="나눔스퀘어OTF" panose="020B0600000101010101" pitchFamily="34" charset="-127"/>
+                  <a:ea typeface="나눔스퀘어OTF" panose="020B0600000101010101" pitchFamily="34" charset="-127"/>
+                </a:rPr>
+                <a:t>)</a:t>
+              </a:r>
+              <a:endParaRPr lang="ko-KR" altLang="en-US" sz="2000" dirty="0">
+                <a:latin typeface="나눔스퀘어OTF" panose="020B0600000101010101" pitchFamily="34" charset="-127"/>
+                <a:ea typeface="나눔스퀘어OTF" panose="020B0600000101010101" pitchFamily="34" charset="-127"/>
+              </a:endParaRPr>
+            </a:p>
+          </p:txBody>
+        </p:sp>
+      </p:grpSp>
+      <p:cxnSp>
+        <p:nvCxnSpPr>
+          <p:cNvPr id="50" name="직선 화살표 연결선 49">
+            <a:extLst>
+              <a:ext uri="{FF2B5EF4-FFF2-40B4-BE49-F238E27FC236}">
+                <a16:creationId xmlns:a16="http://schemas.microsoft.com/office/drawing/2014/main" id="{FE9B32DE-451E-4200-99AE-53247DCD740B}"/>
+              </a:ext>
+            </a:extLst>
+          </p:cNvPr>
+          <p:cNvCxnSpPr>
+            <a:cxnSpLocks/>
+          </p:cNvCxnSpPr>
+          <p:nvPr/>
+        </p:nvCxnSpPr>
+        <p:spPr>
+          <a:xfrm>
+            <a:off x="2626035" y="3074167"/>
+            <a:ext cx="2438400" cy="0"/>
+          </a:xfrm>
+          <a:prstGeom prst="straightConnector1">
+            <a:avLst/>
+          </a:prstGeom>
+          <a:ln w="79375">
+            <a:solidFill>
+              <a:srgbClr val="001220"/>
+            </a:solidFill>
+            <a:tailEnd type="triangle"/>
+          </a:ln>
+        </p:spPr>
+        <p:style>
+          <a:lnRef idx="1">
+            <a:schemeClr val="accent1"/>
+          </a:lnRef>
+          <a:fillRef idx="0">
+            <a:schemeClr val="accent1"/>
+          </a:fillRef>
+          <a:effectRef idx="0">
+            <a:schemeClr val="accent1"/>
+          </a:effectRef>
+          <a:fontRef idx="minor">
+            <a:schemeClr val="tx1"/>
+          </a:fontRef>
+        </p:style>
+      </p:cxnSp>
+      <p:cxnSp>
+        <p:nvCxnSpPr>
+          <p:cNvPr id="53" name="직선 화살표 연결선 52">
+            <a:extLst>
+              <a:ext uri="{FF2B5EF4-FFF2-40B4-BE49-F238E27FC236}">
+                <a16:creationId xmlns:a16="http://schemas.microsoft.com/office/drawing/2014/main" id="{134F89CA-97D7-4D4C-861A-D9D10F8D1F36}"/>
+              </a:ext>
+            </a:extLst>
+          </p:cNvPr>
+          <p:cNvCxnSpPr>
+            <a:cxnSpLocks/>
+          </p:cNvCxnSpPr>
+          <p:nvPr/>
+        </p:nvCxnSpPr>
+        <p:spPr>
+          <a:xfrm flipH="1">
+            <a:off x="2626635" y="3439353"/>
+            <a:ext cx="2437200" cy="26160"/>
+          </a:xfrm>
+          <a:prstGeom prst="straightConnector1">
+            <a:avLst/>
+          </a:prstGeom>
+          <a:ln w="79375">
+            <a:solidFill>
+              <a:srgbClr val="001220"/>
+            </a:solidFill>
+            <a:tailEnd type="triangle"/>
+          </a:ln>
+        </p:spPr>
+        <p:style>
+          <a:lnRef idx="1">
+            <a:schemeClr val="accent1"/>
+          </a:lnRef>
+          <a:fillRef idx="0">
+            <a:schemeClr val="accent1"/>
+          </a:fillRef>
+          <a:effectRef idx="0">
+            <a:schemeClr val="accent1"/>
+          </a:effectRef>
+          <a:fontRef idx="minor">
+            <a:schemeClr val="tx1"/>
+          </a:fontRef>
+        </p:style>
+      </p:cxnSp>
+      <p:cxnSp>
+        <p:nvCxnSpPr>
+          <p:cNvPr id="56" name="직선 화살표 연결선 55">
+            <a:extLst>
+              <a:ext uri="{FF2B5EF4-FFF2-40B4-BE49-F238E27FC236}">
+                <a16:creationId xmlns:a16="http://schemas.microsoft.com/office/drawing/2014/main" id="{6209CA86-8A18-42A9-BCEC-6BCA84C92979}"/>
+              </a:ext>
+            </a:extLst>
+          </p:cNvPr>
+          <p:cNvCxnSpPr>
+            <a:cxnSpLocks/>
+          </p:cNvCxnSpPr>
+          <p:nvPr/>
+        </p:nvCxnSpPr>
+        <p:spPr>
+          <a:xfrm>
+            <a:off x="6972463" y="3465513"/>
+            <a:ext cx="2438400" cy="0"/>
+          </a:xfrm>
+          <a:prstGeom prst="straightConnector1">
+            <a:avLst/>
+          </a:prstGeom>
+          <a:ln w="79375">
+            <a:solidFill>
+              <a:srgbClr val="001220"/>
+            </a:solidFill>
+            <a:tailEnd type="triangle"/>
+          </a:ln>
+        </p:spPr>
+        <p:style>
+          <a:lnRef idx="1">
+            <a:schemeClr val="accent1"/>
+          </a:lnRef>
+          <a:fillRef idx="0">
+            <a:schemeClr val="accent1"/>
+          </a:fillRef>
+          <a:effectRef idx="0">
+            <a:schemeClr val="accent1"/>
+          </a:effectRef>
+          <a:fontRef idx="minor">
+            <a:schemeClr val="tx1"/>
+          </a:fontRef>
+        </p:style>
+      </p:cxnSp>
+      <p:cxnSp>
+        <p:nvCxnSpPr>
+          <p:cNvPr id="57" name="직선 화살표 연결선 56">
+            <a:extLst>
+              <a:ext uri="{FF2B5EF4-FFF2-40B4-BE49-F238E27FC236}">
+                <a16:creationId xmlns:a16="http://schemas.microsoft.com/office/drawing/2014/main" id="{87583B32-7F4D-4016-A273-0ADEC1809F75}"/>
+              </a:ext>
+            </a:extLst>
+          </p:cNvPr>
+          <p:cNvCxnSpPr>
+            <a:cxnSpLocks/>
+          </p:cNvCxnSpPr>
+          <p:nvPr/>
+        </p:nvCxnSpPr>
+        <p:spPr>
+          <a:xfrm flipH="1">
+            <a:off x="6958653" y="3074167"/>
+            <a:ext cx="2437200" cy="26160"/>
+          </a:xfrm>
+          <a:prstGeom prst="straightConnector1">
+            <a:avLst/>
+          </a:prstGeom>
+          <a:ln w="79375">
+            <a:solidFill>
+              <a:srgbClr val="001220"/>
+            </a:solidFill>
+            <a:tailEnd type="triangle"/>
+          </a:ln>
+        </p:spPr>
+        <p:style>
+          <a:lnRef idx="1">
+            <a:schemeClr val="accent1"/>
+          </a:lnRef>
+          <a:fillRef idx="0">
+            <a:schemeClr val="accent1"/>
+          </a:fillRef>
+          <a:effectRef idx="0">
+            <a:schemeClr val="accent1"/>
+          </a:effectRef>
+          <a:fontRef idx="minor">
+            <a:schemeClr val="tx1"/>
+          </a:fontRef>
+        </p:style>
+      </p:cxnSp>
+      <p:sp>
+        <p:nvSpPr>
+          <p:cNvPr id="63" name="나눔스퀘어_ac">
+            <a:extLst>
+              <a:ext uri="{FF2B5EF4-FFF2-40B4-BE49-F238E27FC236}">
+                <a16:creationId xmlns:a16="http://schemas.microsoft.com/office/drawing/2014/main" id="{42DC4B7C-484C-4FE9-907E-B935F13795CF}"/>
+              </a:ext>
+            </a:extLst>
+          </p:cNvPr>
+          <p:cNvSpPr txBox="1"/>
+          <p:nvPr/>
+        </p:nvSpPr>
+        <p:spPr>
+          <a:xfrm>
+            <a:off x="3349747" y="2465723"/>
+            <a:ext cx="990977" cy="523220"/>
+          </a:xfrm>
+          <a:prstGeom prst="rect">
+            <a:avLst/>
+          </a:prstGeom>
+          <a:noFill/>
+        </p:spPr>
+        <p:txBody>
+          <a:bodyPr wrap="none" rtlCol="0">
+            <a:spAutoFit/>
+          </a:bodyPr>
+          <a:lstStyle/>
+          <a:p>
+            <a:r>
+              <a:rPr lang="en-US" altLang="ko-KR" sz="2800" dirty="0">
+                <a:latin typeface="나눔스퀘어_ac" panose="020B0600000101010101" pitchFamily="50" charset="-127"/>
+                <a:ea typeface="나눔스퀘어_ac" panose="020B0600000101010101" pitchFamily="50" charset="-127"/>
+              </a:rPr>
+              <a:t>Hello</a:t>
+            </a:r>
+            <a:endParaRPr lang="ko-KR" altLang="en-US" sz="2800" dirty="0">
+              <a:latin typeface="나눔스퀘어_ac" panose="020B0600000101010101" pitchFamily="50" charset="-127"/>
+              <a:ea typeface="나눔스퀘어_ac" panose="020B0600000101010101" pitchFamily="50" charset="-127"/>
+            </a:endParaRPr>
+          </a:p>
+        </p:txBody>
+      </p:sp>
+      <p:sp>
+        <p:nvSpPr>
+          <p:cNvPr id="64" name="나눔스퀘어_ac">
+            <a:extLst>
+              <a:ext uri="{FF2B5EF4-FFF2-40B4-BE49-F238E27FC236}">
+                <a16:creationId xmlns:a16="http://schemas.microsoft.com/office/drawing/2014/main" id="{64450093-2C5D-487F-A9FB-C13E1EF8DA97}"/>
+              </a:ext>
+            </a:extLst>
+          </p:cNvPr>
+          <p:cNvSpPr txBox="1"/>
+          <p:nvPr/>
+        </p:nvSpPr>
+        <p:spPr>
+          <a:xfrm>
+            <a:off x="2935371" y="3484284"/>
+            <a:ext cx="1819729" cy="523220"/>
+          </a:xfrm>
+          <a:prstGeom prst="rect">
+            <a:avLst/>
+          </a:prstGeom>
+          <a:noFill/>
+        </p:spPr>
+        <p:txBody>
+          <a:bodyPr wrap="none" rtlCol="0">
+            <a:spAutoFit/>
+          </a:bodyPr>
+          <a:lstStyle/>
+          <a:p>
+            <a:r>
+              <a:rPr lang="ko-KR" altLang="en-US" sz="2800" dirty="0">
+                <a:latin typeface="나눔스퀘어_ac" panose="020B0600000101010101" pitchFamily="50" charset="-127"/>
+                <a:ea typeface="나눔스퀘어_ac" panose="020B0600000101010101" pitchFamily="50" charset="-127"/>
+              </a:rPr>
+              <a:t>안녕하세요</a:t>
+            </a:r>
+            <a:r>
+              <a:rPr lang="en-US" altLang="ko-KR" sz="2800" dirty="0">
+                <a:latin typeface="나눔스퀘어_ac" panose="020B0600000101010101" pitchFamily="50" charset="-127"/>
+                <a:ea typeface="나눔스퀘어_ac" panose="020B0600000101010101" pitchFamily="50" charset="-127"/>
+              </a:rPr>
+              <a:t>.</a:t>
+            </a:r>
+            <a:endParaRPr lang="ko-KR" altLang="en-US" sz="2800" dirty="0">
+              <a:latin typeface="나눔스퀘어_ac" panose="020B0600000101010101" pitchFamily="50" charset="-127"/>
+              <a:ea typeface="나눔스퀘어_ac" panose="020B0600000101010101" pitchFamily="50" charset="-127"/>
+            </a:endParaRPr>
+          </a:p>
+        </p:txBody>
+      </p:sp>
+      <p:sp>
+        <p:nvSpPr>
+          <p:cNvPr id="66" name="나눔스퀘어_ac">
+            <a:extLst>
+              <a:ext uri="{FF2B5EF4-FFF2-40B4-BE49-F238E27FC236}">
+                <a16:creationId xmlns:a16="http://schemas.microsoft.com/office/drawing/2014/main" id="{A39ACB42-DBE1-446D-AD97-DC305843EF1B}"/>
+              </a:ext>
+            </a:extLst>
+          </p:cNvPr>
+          <p:cNvSpPr txBox="1"/>
+          <p:nvPr/>
+        </p:nvSpPr>
+        <p:spPr>
+          <a:xfrm>
+            <a:off x="7552302" y="2633433"/>
+            <a:ext cx="1354858" cy="400110"/>
+          </a:xfrm>
+          <a:prstGeom prst="rect">
+            <a:avLst/>
+          </a:prstGeom>
+          <a:noFill/>
+        </p:spPr>
+        <p:txBody>
+          <a:bodyPr wrap="none" rtlCol="0">
+            <a:spAutoFit/>
+          </a:bodyPr>
+          <a:lstStyle/>
+          <a:p>
+            <a:r>
+              <a:rPr lang="ko-KR" altLang="en-US" sz="2000" dirty="0">
+                <a:latin typeface="나눔스퀘어_ac" panose="020B0600000101010101" pitchFamily="50" charset="-127"/>
+                <a:ea typeface="나눔스퀘어_ac" panose="020B0600000101010101" pitchFamily="50" charset="-127"/>
+              </a:rPr>
+              <a:t>오늘의 날씨</a:t>
+            </a:r>
+          </a:p>
+        </p:txBody>
+      </p:sp>
+      <p:sp>
+        <p:nvSpPr>
+          <p:cNvPr id="67" name="나눔스퀘어_ac">
+            <a:extLst>
+              <a:ext uri="{FF2B5EF4-FFF2-40B4-BE49-F238E27FC236}">
+                <a16:creationId xmlns:a16="http://schemas.microsoft.com/office/drawing/2014/main" id="{ED0EDB59-9AB2-44F3-B700-CD3F0A5B94FC}"/>
+              </a:ext>
+            </a:extLst>
+          </p:cNvPr>
+          <p:cNvSpPr txBox="1"/>
+          <p:nvPr/>
+        </p:nvSpPr>
+        <p:spPr>
+          <a:xfrm>
+            <a:off x="7051942" y="3520602"/>
+            <a:ext cx="2343911" cy="369332"/>
+          </a:xfrm>
+          <a:prstGeom prst="rect">
+            <a:avLst/>
+          </a:prstGeom>
+          <a:noFill/>
+        </p:spPr>
+        <p:txBody>
+          <a:bodyPr wrap="none" rtlCol="0">
+            <a:spAutoFit/>
+          </a:bodyPr>
+          <a:lstStyle/>
+          <a:p>
+            <a:r>
+              <a:rPr lang="ko-KR" altLang="en-US" dirty="0">
+                <a:latin typeface="나눔스퀘어_ac" panose="020B0600000101010101" pitchFamily="50" charset="-127"/>
+                <a:ea typeface="나눔스퀘어_ac" panose="020B0600000101010101" pitchFamily="50" charset="-127"/>
+              </a:rPr>
+              <a:t>오늘은 추운 날씨입니다</a:t>
+            </a:r>
+            <a:r>
+              <a:rPr lang="en-US" altLang="ko-KR" dirty="0">
+                <a:latin typeface="나눔스퀘어_ac" panose="020B0600000101010101" pitchFamily="50" charset="-127"/>
+                <a:ea typeface="나눔스퀘어_ac" panose="020B0600000101010101" pitchFamily="50" charset="-127"/>
+              </a:rPr>
+              <a:t>.</a:t>
+            </a:r>
+            <a:endParaRPr lang="ko-KR" altLang="en-US" dirty="0">
+              <a:latin typeface="나눔스퀘어_ac" panose="020B0600000101010101" pitchFamily="50" charset="-127"/>
+              <a:ea typeface="나눔스퀘어_ac" panose="020B0600000101010101" pitchFamily="50" charset="-127"/>
+            </a:endParaRPr>
+          </a:p>
+        </p:txBody>
+      </p:sp>
+    </p:spTree>
+    <p:extLst>
+      <p:ext uri="{BB962C8B-B14F-4D97-AF65-F5344CB8AC3E}">
+        <p14:creationId xmlns:p14="http://schemas.microsoft.com/office/powerpoint/2010/main" val="1761391892"/>
+      </p:ext>
+    </p:extLst>
+  </p:cSld>
+  <p:clrMapOvr>
+    <a:masterClrMapping/>
+  </p:clrMapOvr>
+</p:sld>
+</file>
+
+<file path=ppt/slides/slide4.xml><?xml version="1.0" encoding="utf-8"?>
+<p:sld xmlns:a="http://schemas.openxmlformats.org/drawingml/2006/main" xmlns:r="http://schemas.openxmlformats.org/officeDocument/2006/relationships" xmlns:p="http://schemas.openxmlformats.org/presentationml/2006/main">
+  <p:cSld>
+    <p:spTree>
+      <p:nvGrpSpPr>
+        <p:cNvPr id="1" name=""/>
+        <p:cNvGrpSpPr/>
+        <p:nvPr/>
+      </p:nvGrpSpPr>
+      <p:grpSpPr>
+        <a:xfrm>
+          <a:off x="0" y="0"/>
+          <a:ext cx="0" cy="0"/>
+          <a:chOff x="0" y="0"/>
+          <a:chExt cx="0" cy="0"/>
+        </a:xfrm>
+      </p:grpSpPr>
+      <p:sp>
+        <p:nvSpPr>
+          <p:cNvPr id="2" name="나눔스퀘어OTF ExtraBold">
+            <a:extLst>
+              <a:ext uri="{FF2B5EF4-FFF2-40B4-BE49-F238E27FC236}">
+                <a16:creationId xmlns:a16="http://schemas.microsoft.com/office/drawing/2014/main" id="{2906FC37-354C-4CE9-97D9-D6C5475FE3D7}"/>
+              </a:ext>
+            </a:extLst>
+          </p:cNvPr>
+          <p:cNvSpPr txBox="1"/>
+          <p:nvPr/>
+        </p:nvSpPr>
+        <p:spPr>
+          <a:xfrm>
+            <a:off x="-3566885" y="428542"/>
+            <a:ext cx="3111621" cy="400110"/>
+          </a:xfrm>
+          <a:prstGeom prst="rect">
+            <a:avLst/>
+          </a:prstGeom>
+          <a:noFill/>
+        </p:spPr>
+        <p:txBody>
+          <a:bodyPr wrap="none" rtlCol="0">
+            <a:spAutoFit/>
+          </a:bodyPr>
+          <a:lstStyle/>
+          <a:p>
+            <a:r>
+              <a:rPr lang="ko-KR" altLang="en-US" sz="2000" dirty="0">
+                <a:latin typeface="나눔스퀘어OTF ExtraBold" panose="020B0600000101010101" pitchFamily="34" charset="-127"/>
+                <a:ea typeface="나눔스퀘어OTF ExtraBold" panose="020B0600000101010101" pitchFamily="34" charset="-127"/>
+              </a:rPr>
+              <a:t>나눔스퀘어</a:t>
+            </a:r>
+            <a:r>
+              <a:rPr lang="en-US" altLang="ko-KR" sz="2000" dirty="0">
+                <a:latin typeface="나눔스퀘어OTF ExtraBold" panose="020B0600000101010101" pitchFamily="34" charset="-127"/>
+                <a:ea typeface="나눔스퀘어OTF ExtraBold" panose="020B0600000101010101" pitchFamily="34" charset="-127"/>
+              </a:rPr>
+              <a:t>OTF ExtraBold</a:t>
+            </a:r>
+            <a:endParaRPr lang="ko-KR" altLang="en-US" sz="2000" dirty="0">
+              <a:latin typeface="나눔스퀘어OTF ExtraBold" panose="020B0600000101010101" pitchFamily="34" charset="-127"/>
+              <a:ea typeface="나눔스퀘어OTF ExtraBold" panose="020B0600000101010101" pitchFamily="34" charset="-127"/>
+            </a:endParaRPr>
+          </a:p>
+        </p:txBody>
+      </p:sp>
+      <p:sp>
+        <p:nvSpPr>
+          <p:cNvPr id="3" name="나눔스퀘어OTF Bold">
+            <a:extLst>
+              <a:ext uri="{FF2B5EF4-FFF2-40B4-BE49-F238E27FC236}">
+                <a16:creationId xmlns:a16="http://schemas.microsoft.com/office/drawing/2014/main" id="{4B823813-B108-48C1-9C91-92A968F0C837}"/>
+              </a:ext>
+            </a:extLst>
+          </p:cNvPr>
+          <p:cNvSpPr txBox="1"/>
+          <p:nvPr/>
+        </p:nvSpPr>
+        <p:spPr>
+          <a:xfrm>
+            <a:off x="-3566884" y="851276"/>
+            <a:ext cx="2452914" cy="400110"/>
+          </a:xfrm>
+          <a:prstGeom prst="rect">
+            <a:avLst/>
+          </a:prstGeom>
+          <a:noFill/>
+        </p:spPr>
+        <p:txBody>
+          <a:bodyPr wrap="none" rtlCol="0">
+            <a:spAutoFit/>
+          </a:bodyPr>
+          <a:lstStyle/>
+          <a:p>
+            <a:r>
+              <a:rPr lang="ko-KR" altLang="en-US" sz="2000" dirty="0">
+                <a:latin typeface="나눔스퀘어OTF Bold" panose="020B0600000101010101" pitchFamily="34" charset="-127"/>
+                <a:ea typeface="나눔스퀘어OTF Bold" panose="020B0600000101010101" pitchFamily="34" charset="-127"/>
+              </a:rPr>
+              <a:t>나눔스퀘어</a:t>
+            </a:r>
+            <a:r>
+              <a:rPr lang="en-US" altLang="ko-KR" sz="2000" dirty="0">
+                <a:latin typeface="나눔스퀘어OTF Bold" panose="020B0600000101010101" pitchFamily="34" charset="-127"/>
+                <a:ea typeface="나눔스퀘어OTF Bold" panose="020B0600000101010101" pitchFamily="34" charset="-127"/>
+              </a:rPr>
+              <a:t>OTF Bold</a:t>
+            </a:r>
+            <a:endParaRPr lang="ko-KR" altLang="en-US" sz="2000" dirty="0">
+              <a:latin typeface="나눔스퀘어OTF Bold" panose="020B0600000101010101" pitchFamily="34" charset="-127"/>
+              <a:ea typeface="나눔스퀘어OTF Bold" panose="020B0600000101010101" pitchFamily="34" charset="-127"/>
+            </a:endParaRPr>
+          </a:p>
+        </p:txBody>
+      </p:sp>
+      <p:sp>
+        <p:nvSpPr>
+          <p:cNvPr id="4" name="나눔스퀘어_ac ExtraBold">
+            <a:extLst>
+              <a:ext uri="{FF2B5EF4-FFF2-40B4-BE49-F238E27FC236}">
+                <a16:creationId xmlns:a16="http://schemas.microsoft.com/office/drawing/2014/main" id="{6F568C0E-9C9E-47D1-B6F0-EC93EF14A55A}"/>
+              </a:ext>
+            </a:extLst>
+          </p:cNvPr>
+          <p:cNvSpPr txBox="1"/>
+          <p:nvPr/>
+        </p:nvSpPr>
+        <p:spPr>
+          <a:xfrm>
+            <a:off x="-3566885" y="2071004"/>
+            <a:ext cx="2985433" cy="400110"/>
+          </a:xfrm>
+          <a:prstGeom prst="rect">
+            <a:avLst/>
+          </a:prstGeom>
+          <a:noFill/>
+        </p:spPr>
+        <p:txBody>
+          <a:bodyPr wrap="none" rtlCol="0">
+            <a:spAutoFit/>
+          </a:bodyPr>
+          <a:lstStyle/>
+          <a:p>
+            <a:r>
+              <a:rPr lang="ko-KR" altLang="en-US" sz="2000" dirty="0">
+                <a:latin typeface="나눔스퀘어_ac ExtraBold" panose="020B0600000101010101" pitchFamily="50" charset="-127"/>
+                <a:ea typeface="나눔스퀘어_ac ExtraBold" panose="020B0600000101010101" pitchFamily="50" charset="-127"/>
+              </a:rPr>
+              <a:t>나눔스퀘어</a:t>
+            </a:r>
+            <a:r>
+              <a:rPr lang="en-US" altLang="ko-KR" sz="2000" dirty="0">
+                <a:latin typeface="나눔스퀘어_ac ExtraBold" panose="020B0600000101010101" pitchFamily="50" charset="-127"/>
+                <a:ea typeface="나눔스퀘어_ac ExtraBold" panose="020B0600000101010101" pitchFamily="50" charset="-127"/>
+              </a:rPr>
+              <a:t>_ac ExtraBold</a:t>
+            </a:r>
+            <a:endParaRPr lang="ko-KR" altLang="en-US" sz="2000" dirty="0">
+              <a:latin typeface="나눔스퀘어_ac ExtraBold" panose="020B0600000101010101" pitchFamily="50" charset="-127"/>
+              <a:ea typeface="나눔스퀘어_ac ExtraBold" panose="020B0600000101010101" pitchFamily="50" charset="-127"/>
+            </a:endParaRPr>
+          </a:p>
+        </p:txBody>
+      </p:sp>
+      <p:sp>
+        <p:nvSpPr>
+          <p:cNvPr id="5" name="나눔스퀘어_ac Bold">
+            <a:extLst>
+              <a:ext uri="{FF2B5EF4-FFF2-40B4-BE49-F238E27FC236}">
+                <a16:creationId xmlns:a16="http://schemas.microsoft.com/office/drawing/2014/main" id="{E3F5CA89-BF2D-466A-AA86-E694879F169D}"/>
+              </a:ext>
+            </a:extLst>
+          </p:cNvPr>
+          <p:cNvSpPr txBox="1"/>
+          <p:nvPr/>
+        </p:nvSpPr>
+        <p:spPr>
+          <a:xfrm>
+            <a:off x="-3566884" y="2608033"/>
+            <a:ext cx="2322284" cy="400110"/>
+          </a:xfrm>
+          <a:prstGeom prst="rect">
+            <a:avLst/>
+          </a:prstGeom>
+          <a:noFill/>
+        </p:spPr>
+        <p:txBody>
+          <a:bodyPr wrap="none" rtlCol="0">
+            <a:spAutoFit/>
+          </a:bodyPr>
+          <a:lstStyle/>
+          <a:p>
+            <a:r>
+              <a:rPr lang="ko-KR" altLang="en-US" sz="2000" dirty="0">
+                <a:latin typeface="나눔스퀘어_ac Bold" panose="020B0600000101010101" pitchFamily="50" charset="-127"/>
+                <a:ea typeface="나눔스퀘어_ac Bold" panose="020B0600000101010101" pitchFamily="50" charset="-127"/>
+              </a:rPr>
+              <a:t>나눔스퀘어</a:t>
+            </a:r>
+            <a:r>
+              <a:rPr lang="en-US" altLang="ko-KR" sz="2000" dirty="0">
+                <a:latin typeface="나눔스퀘어_ac Bold" panose="020B0600000101010101" pitchFamily="50" charset="-127"/>
+                <a:ea typeface="나눔스퀘어_ac Bold" panose="020B0600000101010101" pitchFamily="50" charset="-127"/>
+              </a:rPr>
+              <a:t>_ac Bold</a:t>
+            </a:r>
+            <a:endParaRPr lang="ko-KR" altLang="en-US" sz="2000" dirty="0">
+              <a:latin typeface="나눔스퀘어_ac Bold" panose="020B0600000101010101" pitchFamily="50" charset="-127"/>
+              <a:ea typeface="나눔스퀘어_ac Bold" panose="020B0600000101010101" pitchFamily="50" charset="-127"/>
+            </a:endParaRPr>
+          </a:p>
+        </p:txBody>
+      </p:sp>
+      <p:sp>
+        <p:nvSpPr>
+          <p:cNvPr id="6" name="나눔스퀘어_ac">
+            <a:extLst>
+              <a:ext uri="{FF2B5EF4-FFF2-40B4-BE49-F238E27FC236}">
+                <a16:creationId xmlns:a16="http://schemas.microsoft.com/office/drawing/2014/main" id="{DF8A1875-8751-4091-A91B-D82B26D7D57C}"/>
+              </a:ext>
+            </a:extLst>
+          </p:cNvPr>
+          <p:cNvSpPr txBox="1"/>
+          <p:nvPr/>
+        </p:nvSpPr>
+        <p:spPr>
+          <a:xfrm>
+            <a:off x="-3566884" y="3145062"/>
+            <a:ext cx="1677062" cy="400110"/>
+          </a:xfrm>
+          <a:prstGeom prst="rect">
+            <a:avLst/>
+          </a:prstGeom>
+          <a:noFill/>
+        </p:spPr>
+        <p:txBody>
+          <a:bodyPr wrap="none" rtlCol="0">
+            <a:spAutoFit/>
+          </a:bodyPr>
+          <a:lstStyle/>
+          <a:p>
+            <a:r>
+              <a:rPr lang="ko-KR" altLang="en-US" sz="2000" dirty="0">
+                <a:latin typeface="나눔스퀘어_ac" panose="020B0600000101010101" pitchFamily="50" charset="-127"/>
+                <a:ea typeface="나눔스퀘어_ac" panose="020B0600000101010101" pitchFamily="50" charset="-127"/>
+              </a:rPr>
+              <a:t>나눔스퀘어</a:t>
+            </a:r>
+            <a:r>
+              <a:rPr lang="en-US" altLang="ko-KR" sz="2000" dirty="0">
+                <a:latin typeface="나눔스퀘어_ac" panose="020B0600000101010101" pitchFamily="50" charset="-127"/>
+                <a:ea typeface="나눔스퀘어_ac" panose="020B0600000101010101" pitchFamily="50" charset="-127"/>
+              </a:rPr>
+              <a:t>_ac</a:t>
+            </a:r>
+            <a:endParaRPr lang="ko-KR" altLang="en-US" sz="2000" dirty="0">
+              <a:latin typeface="나눔스퀘어_ac" panose="020B0600000101010101" pitchFamily="50" charset="-127"/>
+              <a:ea typeface="나눔스퀘어_ac" panose="020B0600000101010101" pitchFamily="50" charset="-127"/>
+            </a:endParaRPr>
+          </a:p>
+        </p:txBody>
+      </p:sp>
+      <p:sp>
+        <p:nvSpPr>
+          <p:cNvPr id="7" name="나눔스퀘어 ExtraBold">
+            <a:extLst>
+              <a:ext uri="{FF2B5EF4-FFF2-40B4-BE49-F238E27FC236}">
+                <a16:creationId xmlns:a16="http://schemas.microsoft.com/office/drawing/2014/main" id="{E1606A48-C470-493D-ABE6-75D051BF23D5}"/>
+              </a:ext>
+            </a:extLst>
+          </p:cNvPr>
+          <p:cNvSpPr txBox="1"/>
+          <p:nvPr/>
+        </p:nvSpPr>
+        <p:spPr>
+          <a:xfrm>
+            <a:off x="-3566886" y="3767851"/>
+            <a:ext cx="2627085" cy="400110"/>
+          </a:xfrm>
+          <a:prstGeom prst="rect">
+            <a:avLst/>
+          </a:prstGeom>
+          <a:noFill/>
+        </p:spPr>
+        <p:txBody>
+          <a:bodyPr wrap="none" rtlCol="0">
+            <a:spAutoFit/>
+          </a:bodyPr>
+          <a:lstStyle/>
+          <a:p>
+            <a:r>
+              <a:rPr lang="ko-KR" altLang="en-US" sz="2000" dirty="0">
+                <a:latin typeface="나눔스퀘어_ac ExtraBold" panose="020B0600000101010101" pitchFamily="50" charset="-127"/>
+                <a:ea typeface="나눔스퀘어_ac ExtraBold" panose="020B0600000101010101" pitchFamily="50" charset="-127"/>
+              </a:rPr>
+              <a:t>나눔스퀘어</a:t>
+            </a:r>
+            <a:r>
+              <a:rPr lang="en-US" altLang="ko-KR" sz="2000" dirty="0">
+                <a:latin typeface="나눔스퀘어_ac ExtraBold" panose="020B0600000101010101" pitchFamily="50" charset="-127"/>
+                <a:ea typeface="나눔스퀘어_ac ExtraBold" panose="020B0600000101010101" pitchFamily="50" charset="-127"/>
+              </a:rPr>
+              <a:t> </a:t>
+            </a:r>
+            <a:r>
+              <a:rPr lang="en-US" altLang="ko-KR" sz="2000" dirty="0">
+                <a:latin typeface="나눔스퀘어 ExtraBold" panose="020B0600000101010101" pitchFamily="50" charset="-127"/>
+                <a:ea typeface="나눔스퀘어 ExtraBold" panose="020B0600000101010101" pitchFamily="50" charset="-127"/>
+              </a:rPr>
+              <a:t>ExtraBold</a:t>
+            </a:r>
+            <a:endParaRPr lang="ko-KR" altLang="en-US" sz="2000" dirty="0">
+              <a:latin typeface="나눔스퀘어 ExtraBold" panose="020B0600000101010101" pitchFamily="50" charset="-127"/>
+              <a:ea typeface="나눔스퀘어 ExtraBold" panose="020B0600000101010101" pitchFamily="50" charset="-127"/>
+            </a:endParaRPr>
+          </a:p>
+        </p:txBody>
+      </p:sp>
+      <p:sp>
+        <p:nvSpPr>
+          <p:cNvPr id="8" name="나눔스퀘어 Bold">
+            <a:extLst>
+              <a:ext uri="{FF2B5EF4-FFF2-40B4-BE49-F238E27FC236}">
+                <a16:creationId xmlns:a16="http://schemas.microsoft.com/office/drawing/2014/main" id="{4D51FFE8-A1EC-4D1E-9A48-233301D6C5F2}"/>
+              </a:ext>
+            </a:extLst>
+          </p:cNvPr>
+          <p:cNvSpPr txBox="1"/>
+          <p:nvPr/>
+        </p:nvSpPr>
+        <p:spPr>
+          <a:xfrm>
+            <a:off x="-3566885" y="4304880"/>
+            <a:ext cx="2017484" cy="400110"/>
+          </a:xfrm>
+          <a:prstGeom prst="rect">
+            <a:avLst/>
+          </a:prstGeom>
+          <a:noFill/>
+        </p:spPr>
+        <p:txBody>
+          <a:bodyPr wrap="none" rtlCol="0">
+            <a:spAutoFit/>
+          </a:bodyPr>
+          <a:lstStyle/>
+          <a:p>
+            <a:r>
+              <a:rPr lang="ko-KR" altLang="en-US" sz="2000" dirty="0">
+                <a:latin typeface="나눔스퀘어 Bold" panose="020B0600000101010101" pitchFamily="50" charset="-127"/>
+                <a:ea typeface="나눔스퀘어 Bold" panose="020B0600000101010101" pitchFamily="50" charset="-127"/>
+              </a:rPr>
+              <a:t>나눔스퀘어</a:t>
+            </a:r>
+            <a:r>
+              <a:rPr lang="en-US" altLang="ko-KR" sz="2000" dirty="0">
+                <a:latin typeface="나눔스퀘어 Bold" panose="020B0600000101010101" pitchFamily="50" charset="-127"/>
+                <a:ea typeface="나눔스퀘어 Bold" panose="020B0600000101010101" pitchFamily="50" charset="-127"/>
+              </a:rPr>
+              <a:t> Bold</a:t>
+            </a:r>
+            <a:endParaRPr lang="ko-KR" altLang="en-US" sz="2000" dirty="0">
+              <a:latin typeface="나눔스퀘어 Bold" panose="020B0600000101010101" pitchFamily="50" charset="-127"/>
+              <a:ea typeface="나눔스퀘어 Bold" panose="020B0600000101010101" pitchFamily="50" charset="-127"/>
+            </a:endParaRPr>
+          </a:p>
+        </p:txBody>
+      </p:sp>
+      <p:sp>
+        <p:nvSpPr>
+          <p:cNvPr id="9" name="나눔스퀘어">
+            <a:extLst>
+              <a:ext uri="{FF2B5EF4-FFF2-40B4-BE49-F238E27FC236}">
+                <a16:creationId xmlns:a16="http://schemas.microsoft.com/office/drawing/2014/main" id="{87D24177-A08E-48A7-9F4C-B93C7DB3C018}"/>
+              </a:ext>
+            </a:extLst>
+          </p:cNvPr>
+          <p:cNvSpPr txBox="1"/>
+          <p:nvPr/>
+        </p:nvSpPr>
+        <p:spPr>
+          <a:xfrm>
+            <a:off x="-3566885" y="4841909"/>
+            <a:ext cx="1393370" cy="400110"/>
+          </a:xfrm>
+          <a:prstGeom prst="rect">
+            <a:avLst/>
+          </a:prstGeom>
+          <a:noFill/>
+        </p:spPr>
+        <p:txBody>
+          <a:bodyPr wrap="none" rtlCol="0">
+            <a:spAutoFit/>
+          </a:bodyPr>
+          <a:lstStyle/>
+          <a:p>
+            <a:r>
+              <a:rPr lang="ko-KR" altLang="en-US" sz="2000" dirty="0">
+                <a:latin typeface="나눔스퀘어" panose="020B0600000101010101" pitchFamily="50" charset="-127"/>
+                <a:ea typeface="나눔스퀘어" panose="020B0600000101010101" pitchFamily="50" charset="-127"/>
+              </a:rPr>
+              <a:t>나눔스퀘어</a:t>
+            </a:r>
+          </a:p>
+        </p:txBody>
+      </p:sp>
+      <p:sp>
+        <p:nvSpPr>
+          <p:cNvPr id="10" name="나눔스퀘어 Light">
+            <a:extLst>
+              <a:ext uri="{FF2B5EF4-FFF2-40B4-BE49-F238E27FC236}">
+                <a16:creationId xmlns:a16="http://schemas.microsoft.com/office/drawing/2014/main" id="{7DA7939B-F3CB-4FD3-857D-4C90DFD6043F}"/>
+              </a:ext>
+            </a:extLst>
+          </p:cNvPr>
+          <p:cNvSpPr txBox="1"/>
+          <p:nvPr/>
+        </p:nvSpPr>
+        <p:spPr>
+          <a:xfrm>
+            <a:off x="-3566884" y="5652991"/>
+            <a:ext cx="1996059" cy="400110"/>
+          </a:xfrm>
+          <a:prstGeom prst="rect">
+            <a:avLst/>
+          </a:prstGeom>
+          <a:noFill/>
+        </p:spPr>
+        <p:txBody>
+          <a:bodyPr wrap="none" rtlCol="0">
+            <a:spAutoFit/>
+          </a:bodyPr>
+          <a:lstStyle/>
+          <a:p>
+            <a:r>
+              <a:rPr lang="ko-KR" altLang="en-US" sz="2000" dirty="0">
+                <a:latin typeface="나눔스퀘어 Light" panose="020B0600000101010101" pitchFamily="50" charset="-127"/>
+                <a:ea typeface="나눔스퀘어 Light" panose="020B0600000101010101" pitchFamily="50" charset="-127"/>
+              </a:rPr>
+              <a:t>나눔스퀘어 </a:t>
+            </a:r>
+            <a:r>
+              <a:rPr lang="en-US" altLang="ko-KR" sz="2000" dirty="0">
+                <a:latin typeface="나눔스퀘어 Light" panose="020B0600000101010101" pitchFamily="50" charset="-127"/>
+                <a:ea typeface="나눔스퀘어 Light" panose="020B0600000101010101" pitchFamily="50" charset="-127"/>
+              </a:rPr>
+              <a:t>Light</a:t>
+            </a:r>
+            <a:endParaRPr lang="ko-KR" altLang="en-US" sz="2000" dirty="0">
+              <a:latin typeface="나눔스퀘어 Light" panose="020B0600000101010101" pitchFamily="50" charset="-127"/>
+              <a:ea typeface="나눔스퀘어 Light" panose="020B0600000101010101" pitchFamily="50" charset="-127"/>
+            </a:endParaRPr>
+          </a:p>
+        </p:txBody>
+      </p:sp>
+      <p:sp>
+        <p:nvSpPr>
+          <p:cNvPr id="11" name="나눔스퀘어OTF">
+            <a:extLst>
+              <a:ext uri="{FF2B5EF4-FFF2-40B4-BE49-F238E27FC236}">
+                <a16:creationId xmlns:a16="http://schemas.microsoft.com/office/drawing/2014/main" id="{5B5D7877-451C-43A7-9219-1D7F862F6A0C}"/>
+              </a:ext>
+            </a:extLst>
+          </p:cNvPr>
+          <p:cNvSpPr txBox="1"/>
+          <p:nvPr/>
+        </p:nvSpPr>
+        <p:spPr>
+          <a:xfrm>
+            <a:off x="-3566886" y="1333920"/>
+            <a:ext cx="1818831" cy="400110"/>
+          </a:xfrm>
+          <a:prstGeom prst="rect">
+            <a:avLst/>
+          </a:prstGeom>
+          <a:noFill/>
+        </p:spPr>
+        <p:txBody>
+          <a:bodyPr wrap="none" rtlCol="0">
+            <a:spAutoFit/>
+          </a:bodyPr>
+          <a:lstStyle/>
+          <a:p>
+            <a:r>
+              <a:rPr lang="ko-KR" altLang="en-US" sz="2000" dirty="0">
+                <a:latin typeface="나눔스퀘어OTF" panose="020B0600000101010101" pitchFamily="34" charset="-127"/>
+                <a:ea typeface="나눔스퀘어OTF" panose="020B0600000101010101" pitchFamily="34" charset="-127"/>
+              </a:rPr>
+              <a:t>나눔스퀘어</a:t>
+            </a:r>
+            <a:r>
+              <a:rPr lang="en-US" altLang="ko-KR" sz="2000" dirty="0">
+                <a:latin typeface="나눔스퀘어OTF" panose="020B0600000101010101" pitchFamily="34" charset="-127"/>
+                <a:ea typeface="나눔스퀘어OTF" panose="020B0600000101010101" pitchFamily="34" charset="-127"/>
+              </a:rPr>
+              <a:t>OTF</a:t>
+            </a:r>
+            <a:endParaRPr lang="ko-KR" altLang="en-US" sz="2000" dirty="0">
+              <a:latin typeface="나눔스퀘어OTF" panose="020B0600000101010101" pitchFamily="34" charset="-127"/>
+              <a:ea typeface="나눔스퀘어OTF" panose="020B0600000101010101" pitchFamily="34" charset="-127"/>
+            </a:endParaRPr>
+          </a:p>
+        </p:txBody>
+      </p:sp>
+      <p:sp>
+        <p:nvSpPr>
+          <p:cNvPr id="12" name="나눔스퀘어OTF Bold">
+            <a:extLst>
+              <a:ext uri="{FF2B5EF4-FFF2-40B4-BE49-F238E27FC236}">
+                <a16:creationId xmlns:a16="http://schemas.microsoft.com/office/drawing/2014/main" id="{49C5ED60-54CC-4075-B763-ED40BBA3CC98}"/>
+              </a:ext>
+            </a:extLst>
+          </p:cNvPr>
+          <p:cNvSpPr txBox="1"/>
+          <p:nvPr/>
+        </p:nvSpPr>
+        <p:spPr>
+          <a:xfrm>
+            <a:off x="408216" y="274654"/>
+            <a:ext cx="2178802" cy="707886"/>
+          </a:xfrm>
+          <a:prstGeom prst="rect">
+            <a:avLst/>
+          </a:prstGeom>
+          <a:noFill/>
+        </p:spPr>
+        <p:txBody>
+          <a:bodyPr wrap="none" rtlCol="0">
+            <a:spAutoFit/>
+          </a:bodyPr>
+          <a:lstStyle/>
+          <a:p>
+            <a:r>
+              <a:rPr lang="ko-KR" altLang="en-US" sz="4000" dirty="0">
+                <a:latin typeface="나눔스퀘어OTF ExtraBold" panose="020B0600000101010101" pitchFamily="34" charset="-127"/>
+                <a:ea typeface="나눔스퀘어OTF ExtraBold" panose="020B0600000101010101" pitchFamily="34" charset="-127"/>
+              </a:rPr>
+              <a:t>실행 화면</a:t>
+            </a:r>
+          </a:p>
+        </p:txBody>
+      </p:sp>
+      <p:pic>
+        <p:nvPicPr>
+          <p:cNvPr id="24" name="그림 23">
+            <a:extLst>
+              <a:ext uri="{FF2B5EF4-FFF2-40B4-BE49-F238E27FC236}">
+                <a16:creationId xmlns:a16="http://schemas.microsoft.com/office/drawing/2014/main" id="{3292EEB0-3956-4366-A320-474C248AB406}"/>
+              </a:ext>
+            </a:extLst>
+          </p:cNvPr>
+          <p:cNvPicPr>
+            <a:picLocks noChangeAspect="1"/>
+          </p:cNvPicPr>
+          <p:nvPr/>
+        </p:nvPicPr>
+        <p:blipFill rotWithShape="1">
+          <a:blip r:embed="rId2"/>
+          <a:srcRect r="64669" b="29431"/>
+          <a:stretch/>
+        </p:blipFill>
+        <p:spPr>
+          <a:xfrm>
+            <a:off x="3739031" y="639447"/>
+            <a:ext cx="4713939" cy="4924125"/>
+          </a:xfrm>
+          <a:prstGeom prst="rect">
+            <a:avLst/>
+          </a:prstGeom>
+        </p:spPr>
+      </p:pic>
+      <p:sp>
+        <p:nvSpPr>
+          <p:cNvPr id="25" name="나눔스퀘어OTF">
+            <a:extLst>
+              <a:ext uri="{FF2B5EF4-FFF2-40B4-BE49-F238E27FC236}">
+                <a16:creationId xmlns:a16="http://schemas.microsoft.com/office/drawing/2014/main" id="{ABD2ABAC-1870-4805-8BAE-F56D8D96B5E0}"/>
+              </a:ext>
+            </a:extLst>
+          </p:cNvPr>
+          <p:cNvSpPr txBox="1"/>
+          <p:nvPr/>
+        </p:nvSpPr>
+        <p:spPr>
+          <a:xfrm>
+            <a:off x="5583681" y="5572222"/>
+            <a:ext cx="1024639" cy="646331"/>
+          </a:xfrm>
+          <a:prstGeom prst="rect">
+            <a:avLst/>
+          </a:prstGeom>
+          <a:noFill/>
+        </p:spPr>
+        <p:txBody>
+          <a:bodyPr wrap="none" rtlCol="0">
+            <a:spAutoFit/>
+          </a:bodyPr>
+          <a:lstStyle/>
+          <a:p>
+            <a:r>
+              <a:rPr lang="ko-KR" altLang="en-US" sz="3600" dirty="0">
+                <a:latin typeface="나눔스퀘어OTF" panose="020B0600000101010101" pitchFamily="34" charset="-127"/>
+                <a:ea typeface="나눔스퀘어OTF" panose="020B0600000101010101" pitchFamily="34" charset="-127"/>
+              </a:rPr>
+              <a:t>서버</a:t>
+            </a:r>
+          </a:p>
+        </p:txBody>
+      </p:sp>
+      <p:sp>
+        <p:nvSpPr>
+          <p:cNvPr id="27" name="직사각형 26">
+            <a:extLst>
+              <a:ext uri="{FF2B5EF4-FFF2-40B4-BE49-F238E27FC236}">
+                <a16:creationId xmlns:a16="http://schemas.microsoft.com/office/drawing/2014/main" id="{72C8CCBA-2290-4D35-B392-6311DEAB3C58}"/>
+              </a:ext>
+            </a:extLst>
+          </p:cNvPr>
+          <p:cNvSpPr/>
+          <p:nvPr/>
+        </p:nvSpPr>
+        <p:spPr>
+          <a:xfrm>
+            <a:off x="-3004342" y="-1339270"/>
+            <a:ext cx="1860346" cy="1411032"/>
+          </a:xfrm>
+          <a:prstGeom prst="rect">
+            <a:avLst/>
+          </a:prstGeom>
+          <a:noFill/>
+          <a:ln w="76200">
+            <a:solidFill>
+              <a:srgbClr val="FF0000"/>
+            </a:solidFill>
+          </a:ln>
+        </p:spPr>
+        <p:style>
+          <a:lnRef idx="2">
+            <a:schemeClr val="accent1">
+              <a:shade val="50000"/>
+            </a:schemeClr>
+          </a:lnRef>
+          <a:fillRef idx="1">
+            <a:schemeClr val="accent1"/>
+          </a:fillRef>
+          <a:effectRef idx="0">
+            <a:schemeClr val="accent1"/>
+          </a:effectRef>
+          <a:fontRef idx="minor">
+            <a:schemeClr val="lt1"/>
+          </a:fontRef>
+        </p:style>
+        <p:txBody>
+          <a:bodyPr rtlCol="0" anchor="ctr"/>
+          <a:lstStyle/>
+          <a:p>
+            <a:pPr algn="ctr"/>
+            <a:endParaRPr lang="ko-KR" altLang="en-US"/>
+          </a:p>
+        </p:txBody>
+      </p:sp>
+      <p:sp>
+        <p:nvSpPr>
+          <p:cNvPr id="28" name="직사각형 27">
+            <a:extLst>
+              <a:ext uri="{FF2B5EF4-FFF2-40B4-BE49-F238E27FC236}">
+                <a16:creationId xmlns:a16="http://schemas.microsoft.com/office/drawing/2014/main" id="{E5F0ED3A-3CA0-42FA-930D-973FE2387410}"/>
+              </a:ext>
+            </a:extLst>
+          </p:cNvPr>
+          <p:cNvSpPr/>
+          <p:nvPr/>
+        </p:nvSpPr>
+        <p:spPr>
+          <a:xfrm>
+            <a:off x="3608400" y="1298602"/>
+            <a:ext cx="4938699" cy="725504"/>
+          </a:xfrm>
+          <a:prstGeom prst="rect">
+            <a:avLst/>
+          </a:prstGeom>
+          <a:noFill/>
+          <a:ln w="38100">
+            <a:solidFill>
+              <a:srgbClr val="FF0000"/>
+            </a:solidFill>
+          </a:ln>
+        </p:spPr>
+        <p:style>
+          <a:lnRef idx="2">
+            <a:schemeClr val="accent1">
+              <a:shade val="50000"/>
+            </a:schemeClr>
+          </a:lnRef>
+          <a:fillRef idx="1">
+            <a:schemeClr val="accent1"/>
+          </a:fillRef>
+          <a:effectRef idx="0">
+            <a:schemeClr val="accent1"/>
+          </a:effectRef>
+          <a:fontRef idx="minor">
+            <a:schemeClr val="lt1"/>
+          </a:fontRef>
+        </p:style>
+        <p:txBody>
+          <a:bodyPr rtlCol="0" anchor="ctr"/>
+          <a:lstStyle/>
+          <a:p>
+            <a:pPr algn="ctr"/>
+            <a:endParaRPr lang="ko-KR" altLang="en-US"/>
+          </a:p>
+        </p:txBody>
+      </p:sp>
+      <p:sp>
+        <p:nvSpPr>
+          <p:cNvPr id="29" name="나눔스퀘어OTF">
+            <a:extLst>
+              <a:ext uri="{FF2B5EF4-FFF2-40B4-BE49-F238E27FC236}">
+                <a16:creationId xmlns:a16="http://schemas.microsoft.com/office/drawing/2014/main" id="{E598AAFD-BAC6-446C-B499-34466BF23CD4}"/>
+              </a:ext>
+            </a:extLst>
+          </p:cNvPr>
+          <p:cNvSpPr txBox="1"/>
+          <p:nvPr/>
+        </p:nvSpPr>
+        <p:spPr>
+          <a:xfrm>
+            <a:off x="8583601" y="1461299"/>
+            <a:ext cx="2653290" cy="400110"/>
+          </a:xfrm>
+          <a:prstGeom prst="rect">
+            <a:avLst/>
+          </a:prstGeom>
+          <a:noFill/>
+        </p:spPr>
+        <p:txBody>
+          <a:bodyPr wrap="none" rtlCol="0">
+            <a:spAutoFit/>
+          </a:bodyPr>
+          <a:lstStyle/>
+          <a:p>
+            <a:r>
+              <a:rPr lang="ko-KR" altLang="en-US" sz="2000" dirty="0">
+                <a:solidFill>
+                  <a:srgbClr val="FF0000"/>
+                </a:solidFill>
+                <a:latin typeface="나눔스퀘어OTF" panose="020B0600000101010101" pitchFamily="34" charset="-127"/>
+                <a:ea typeface="나눔스퀘어OTF" panose="020B0600000101010101" pitchFamily="34" charset="-127"/>
+              </a:rPr>
+              <a:t>클라이언트 접속 메시지</a:t>
+            </a:r>
+          </a:p>
+        </p:txBody>
+      </p:sp>
+      <p:sp>
+        <p:nvSpPr>
+          <p:cNvPr id="30" name="직사각형 29">
+            <a:extLst>
+              <a:ext uri="{FF2B5EF4-FFF2-40B4-BE49-F238E27FC236}">
+                <a16:creationId xmlns:a16="http://schemas.microsoft.com/office/drawing/2014/main" id="{8FB5CFCB-EDC1-477A-AD1B-D4067EE2A4FC}"/>
+              </a:ext>
+            </a:extLst>
+          </p:cNvPr>
+          <p:cNvSpPr/>
+          <p:nvPr/>
+        </p:nvSpPr>
+        <p:spPr>
+          <a:xfrm>
+            <a:off x="3608400" y="2095054"/>
+            <a:ext cx="4938699" cy="1050008"/>
+          </a:xfrm>
+          <a:prstGeom prst="rect">
+            <a:avLst/>
+          </a:prstGeom>
+          <a:noFill/>
+          <a:ln w="38100">
+            <a:solidFill>
+              <a:srgbClr val="FF0000"/>
+            </a:solidFill>
+          </a:ln>
+        </p:spPr>
+        <p:style>
+          <a:lnRef idx="2">
+            <a:schemeClr val="accent1">
+              <a:shade val="50000"/>
+            </a:schemeClr>
+          </a:lnRef>
+          <a:fillRef idx="1">
+            <a:schemeClr val="accent1"/>
+          </a:fillRef>
+          <a:effectRef idx="0">
+            <a:schemeClr val="accent1"/>
+          </a:effectRef>
+          <a:fontRef idx="minor">
+            <a:schemeClr val="lt1"/>
+          </a:fontRef>
+        </p:style>
+        <p:txBody>
+          <a:bodyPr rtlCol="0" anchor="ctr"/>
+          <a:lstStyle/>
+          <a:p>
+            <a:pPr algn="ctr"/>
+            <a:endParaRPr lang="ko-KR" altLang="en-US"/>
+          </a:p>
+        </p:txBody>
+      </p:sp>
+      <p:sp>
+        <p:nvSpPr>
+          <p:cNvPr id="31" name="나눔스퀘어OTF">
+            <a:extLst>
+              <a:ext uri="{FF2B5EF4-FFF2-40B4-BE49-F238E27FC236}">
+                <a16:creationId xmlns:a16="http://schemas.microsoft.com/office/drawing/2014/main" id="{91A4D26A-3D92-4696-9DC3-137573F27197}"/>
+              </a:ext>
+            </a:extLst>
+          </p:cNvPr>
+          <p:cNvSpPr txBox="1"/>
+          <p:nvPr/>
+        </p:nvSpPr>
+        <p:spPr>
+          <a:xfrm>
+            <a:off x="8583601" y="2420003"/>
+            <a:ext cx="2887329" cy="400110"/>
+          </a:xfrm>
+          <a:prstGeom prst="rect">
+            <a:avLst/>
+          </a:prstGeom>
+          <a:noFill/>
+        </p:spPr>
+        <p:txBody>
+          <a:bodyPr wrap="none" rtlCol="0">
+            <a:spAutoFit/>
+          </a:bodyPr>
+          <a:lstStyle/>
+          <a:p>
+            <a:r>
+              <a:rPr lang="ko-KR" altLang="en-US" sz="2000" dirty="0">
+                <a:solidFill>
+                  <a:srgbClr val="FF0000"/>
+                </a:solidFill>
+                <a:latin typeface="나눔스퀘어OTF" panose="020B0600000101010101" pitchFamily="34" charset="-127"/>
+                <a:ea typeface="나눔스퀘어OTF" panose="020B0600000101010101" pitchFamily="34" charset="-127"/>
+              </a:rPr>
+              <a:t>클라이언트가 보낸 메시지</a:t>
+            </a:r>
+          </a:p>
+        </p:txBody>
+      </p:sp>
+      <p:sp>
+        <p:nvSpPr>
+          <p:cNvPr id="32" name="나눔스퀘어OTF">
+            <a:extLst>
+              <a:ext uri="{FF2B5EF4-FFF2-40B4-BE49-F238E27FC236}">
+                <a16:creationId xmlns:a16="http://schemas.microsoft.com/office/drawing/2014/main" id="{BEF6E136-21B0-4982-A357-912E978C4955}"/>
+              </a:ext>
+            </a:extLst>
+          </p:cNvPr>
+          <p:cNvSpPr txBox="1"/>
+          <p:nvPr/>
+        </p:nvSpPr>
+        <p:spPr>
+          <a:xfrm>
+            <a:off x="-918429" y="-946687"/>
+            <a:ext cx="2653290" cy="400110"/>
+          </a:xfrm>
+          <a:prstGeom prst="rect">
+            <a:avLst/>
+          </a:prstGeom>
+          <a:noFill/>
+        </p:spPr>
+        <p:txBody>
+          <a:bodyPr wrap="none" rtlCol="0">
+            <a:spAutoFit/>
+          </a:bodyPr>
+          <a:lstStyle/>
+          <a:p>
+            <a:r>
+              <a:rPr lang="ko-KR" altLang="en-US" sz="2000" dirty="0">
+                <a:solidFill>
+                  <a:srgbClr val="FF0000"/>
+                </a:solidFill>
+                <a:latin typeface="나눔스퀘어OTF" panose="020B0600000101010101" pitchFamily="34" charset="-127"/>
+                <a:ea typeface="나눔스퀘어OTF" panose="020B0600000101010101" pitchFamily="34" charset="-127"/>
+              </a:rPr>
+              <a:t>클라이언트 접속 메시지</a:t>
+            </a:r>
+          </a:p>
+        </p:txBody>
+      </p:sp>
+    </p:spTree>
+    <p:extLst>
+      <p:ext uri="{BB962C8B-B14F-4D97-AF65-F5344CB8AC3E}">
+        <p14:creationId xmlns:p14="http://schemas.microsoft.com/office/powerpoint/2010/main" val="2519024751"/>
+      </p:ext>
+    </p:extLst>
+  </p:cSld>
+  <p:clrMapOvr>
+    <a:masterClrMapping/>
+  </p:clrMapOvr>
+</p:sld>
+</file>
+
+<file path=ppt/slides/slide5.xml><?xml version="1.0" encoding="utf-8"?>
+<p:sld xmlns:a="http://schemas.openxmlformats.org/drawingml/2006/main" xmlns:r="http://schemas.openxmlformats.org/officeDocument/2006/relationships" xmlns:p="http://schemas.openxmlformats.org/presentationml/2006/main">
+  <p:cSld>
+    <p:spTree>
+      <p:nvGrpSpPr>
+        <p:cNvPr id="1" name=""/>
+        <p:cNvGrpSpPr/>
+        <p:nvPr/>
+      </p:nvGrpSpPr>
+      <p:grpSpPr>
+        <a:xfrm>
+          <a:off x="0" y="0"/>
+          <a:ext cx="0" cy="0"/>
+          <a:chOff x="0" y="0"/>
+          <a:chExt cx="0" cy="0"/>
+        </a:xfrm>
+      </p:grpSpPr>
+      <p:sp>
+        <p:nvSpPr>
+          <p:cNvPr id="2" name="나눔스퀘어OTF ExtraBold">
+            <a:extLst>
+              <a:ext uri="{FF2B5EF4-FFF2-40B4-BE49-F238E27FC236}">
+                <a16:creationId xmlns:a16="http://schemas.microsoft.com/office/drawing/2014/main" id="{2906FC37-354C-4CE9-97D9-D6C5475FE3D7}"/>
+              </a:ext>
+            </a:extLst>
+          </p:cNvPr>
+          <p:cNvSpPr txBox="1"/>
+          <p:nvPr/>
+        </p:nvSpPr>
+        <p:spPr>
+          <a:xfrm>
+            <a:off x="-3566885" y="428542"/>
+            <a:ext cx="3111621" cy="400110"/>
+          </a:xfrm>
+          <a:prstGeom prst="rect">
+            <a:avLst/>
+          </a:prstGeom>
+          <a:noFill/>
+        </p:spPr>
+        <p:txBody>
+          <a:bodyPr wrap="none" rtlCol="0">
+            <a:spAutoFit/>
+          </a:bodyPr>
+          <a:lstStyle/>
+          <a:p>
+            <a:r>
+              <a:rPr lang="ko-KR" altLang="en-US" sz="2000" dirty="0">
+                <a:latin typeface="나눔스퀘어OTF ExtraBold" panose="020B0600000101010101" pitchFamily="34" charset="-127"/>
+                <a:ea typeface="나눔스퀘어OTF ExtraBold" panose="020B0600000101010101" pitchFamily="34" charset="-127"/>
+              </a:rPr>
+              <a:t>나눔스퀘어</a:t>
+            </a:r>
+            <a:r>
+              <a:rPr lang="en-US" altLang="ko-KR" sz="2000" dirty="0">
+                <a:latin typeface="나눔스퀘어OTF ExtraBold" panose="020B0600000101010101" pitchFamily="34" charset="-127"/>
+                <a:ea typeface="나눔스퀘어OTF ExtraBold" panose="020B0600000101010101" pitchFamily="34" charset="-127"/>
+              </a:rPr>
+              <a:t>OTF ExtraBold</a:t>
+            </a:r>
+            <a:endParaRPr lang="ko-KR" altLang="en-US" sz="2000" dirty="0">
+              <a:latin typeface="나눔스퀘어OTF ExtraBold" panose="020B0600000101010101" pitchFamily="34" charset="-127"/>
+              <a:ea typeface="나눔스퀘어OTF ExtraBold" panose="020B0600000101010101" pitchFamily="34" charset="-127"/>
+            </a:endParaRPr>
+          </a:p>
+        </p:txBody>
+      </p:sp>
+      <p:sp>
+        <p:nvSpPr>
+          <p:cNvPr id="3" name="나눔스퀘어OTF Bold">
+            <a:extLst>
+              <a:ext uri="{FF2B5EF4-FFF2-40B4-BE49-F238E27FC236}">
+                <a16:creationId xmlns:a16="http://schemas.microsoft.com/office/drawing/2014/main" id="{4B823813-B108-48C1-9C91-92A968F0C837}"/>
+              </a:ext>
+            </a:extLst>
+          </p:cNvPr>
+          <p:cNvSpPr txBox="1"/>
+          <p:nvPr/>
+        </p:nvSpPr>
+        <p:spPr>
+          <a:xfrm>
+            <a:off x="-3566884" y="851276"/>
+            <a:ext cx="2452914" cy="400110"/>
+          </a:xfrm>
+          <a:prstGeom prst="rect">
+            <a:avLst/>
+          </a:prstGeom>
+          <a:noFill/>
+        </p:spPr>
+        <p:txBody>
+          <a:bodyPr wrap="none" rtlCol="0">
+            <a:spAutoFit/>
+          </a:bodyPr>
+          <a:lstStyle/>
+          <a:p>
+            <a:r>
+              <a:rPr lang="ko-KR" altLang="en-US" sz="2000" dirty="0">
+                <a:latin typeface="나눔스퀘어OTF Bold" panose="020B0600000101010101" pitchFamily="34" charset="-127"/>
+                <a:ea typeface="나눔스퀘어OTF Bold" panose="020B0600000101010101" pitchFamily="34" charset="-127"/>
+              </a:rPr>
+              <a:t>나눔스퀘어</a:t>
+            </a:r>
+            <a:r>
+              <a:rPr lang="en-US" altLang="ko-KR" sz="2000" dirty="0">
+                <a:latin typeface="나눔스퀘어OTF Bold" panose="020B0600000101010101" pitchFamily="34" charset="-127"/>
+                <a:ea typeface="나눔스퀘어OTF Bold" panose="020B0600000101010101" pitchFamily="34" charset="-127"/>
+              </a:rPr>
+              <a:t>OTF Bold</a:t>
+            </a:r>
+            <a:endParaRPr lang="ko-KR" altLang="en-US" sz="2000" dirty="0">
+              <a:latin typeface="나눔스퀘어OTF Bold" panose="020B0600000101010101" pitchFamily="34" charset="-127"/>
+              <a:ea typeface="나눔스퀘어OTF Bold" panose="020B0600000101010101" pitchFamily="34" charset="-127"/>
+            </a:endParaRPr>
+          </a:p>
+        </p:txBody>
+      </p:sp>
+      <p:sp>
+        <p:nvSpPr>
+          <p:cNvPr id="4" name="나눔스퀘어_ac ExtraBold">
+            <a:extLst>
+              <a:ext uri="{FF2B5EF4-FFF2-40B4-BE49-F238E27FC236}">
+                <a16:creationId xmlns:a16="http://schemas.microsoft.com/office/drawing/2014/main" id="{6F568C0E-9C9E-47D1-B6F0-EC93EF14A55A}"/>
+              </a:ext>
+            </a:extLst>
+          </p:cNvPr>
+          <p:cNvSpPr txBox="1"/>
+          <p:nvPr/>
+        </p:nvSpPr>
+        <p:spPr>
+          <a:xfrm>
+            <a:off x="-3566885" y="2071004"/>
+            <a:ext cx="2985433" cy="400110"/>
+          </a:xfrm>
+          <a:prstGeom prst="rect">
+            <a:avLst/>
+          </a:prstGeom>
+          <a:noFill/>
+        </p:spPr>
+        <p:txBody>
+          <a:bodyPr wrap="none" rtlCol="0">
+            <a:spAutoFit/>
+          </a:bodyPr>
+          <a:lstStyle/>
+          <a:p>
+            <a:r>
+              <a:rPr lang="ko-KR" altLang="en-US" sz="2000" dirty="0">
+                <a:latin typeface="나눔스퀘어_ac ExtraBold" panose="020B0600000101010101" pitchFamily="50" charset="-127"/>
+                <a:ea typeface="나눔스퀘어_ac ExtraBold" panose="020B0600000101010101" pitchFamily="50" charset="-127"/>
+              </a:rPr>
+              <a:t>나눔스퀘어</a:t>
+            </a:r>
+            <a:r>
+              <a:rPr lang="en-US" altLang="ko-KR" sz="2000" dirty="0">
+                <a:latin typeface="나눔스퀘어_ac ExtraBold" panose="020B0600000101010101" pitchFamily="50" charset="-127"/>
+                <a:ea typeface="나눔스퀘어_ac ExtraBold" panose="020B0600000101010101" pitchFamily="50" charset="-127"/>
+              </a:rPr>
+              <a:t>_ac ExtraBold</a:t>
+            </a:r>
+            <a:endParaRPr lang="ko-KR" altLang="en-US" sz="2000" dirty="0">
+              <a:latin typeface="나눔스퀘어_ac ExtraBold" panose="020B0600000101010101" pitchFamily="50" charset="-127"/>
+              <a:ea typeface="나눔스퀘어_ac ExtraBold" panose="020B0600000101010101" pitchFamily="50" charset="-127"/>
+            </a:endParaRPr>
+          </a:p>
+        </p:txBody>
+      </p:sp>
+      <p:sp>
+        <p:nvSpPr>
+          <p:cNvPr id="5" name="나눔스퀘어_ac Bold">
+            <a:extLst>
+              <a:ext uri="{FF2B5EF4-FFF2-40B4-BE49-F238E27FC236}">
+                <a16:creationId xmlns:a16="http://schemas.microsoft.com/office/drawing/2014/main" id="{E3F5CA89-BF2D-466A-AA86-E694879F169D}"/>
+              </a:ext>
+            </a:extLst>
+          </p:cNvPr>
+          <p:cNvSpPr txBox="1"/>
+          <p:nvPr/>
+        </p:nvSpPr>
+        <p:spPr>
+          <a:xfrm>
+            <a:off x="-3566884" y="2608033"/>
+            <a:ext cx="2322284" cy="400110"/>
+          </a:xfrm>
+          <a:prstGeom prst="rect">
+            <a:avLst/>
+          </a:prstGeom>
+          <a:noFill/>
+        </p:spPr>
+        <p:txBody>
+          <a:bodyPr wrap="none" rtlCol="0">
+            <a:spAutoFit/>
+          </a:bodyPr>
+          <a:lstStyle/>
+          <a:p>
+            <a:r>
+              <a:rPr lang="ko-KR" altLang="en-US" sz="2000" dirty="0">
+                <a:latin typeface="나눔스퀘어_ac Bold" panose="020B0600000101010101" pitchFamily="50" charset="-127"/>
+                <a:ea typeface="나눔스퀘어_ac Bold" panose="020B0600000101010101" pitchFamily="50" charset="-127"/>
+              </a:rPr>
+              <a:t>나눔스퀘어</a:t>
+            </a:r>
+            <a:r>
+              <a:rPr lang="en-US" altLang="ko-KR" sz="2000" dirty="0">
+                <a:latin typeface="나눔스퀘어_ac Bold" panose="020B0600000101010101" pitchFamily="50" charset="-127"/>
+                <a:ea typeface="나눔스퀘어_ac Bold" panose="020B0600000101010101" pitchFamily="50" charset="-127"/>
+              </a:rPr>
+              <a:t>_ac Bold</a:t>
+            </a:r>
+            <a:endParaRPr lang="ko-KR" altLang="en-US" sz="2000" dirty="0">
+              <a:latin typeface="나눔스퀘어_ac Bold" panose="020B0600000101010101" pitchFamily="50" charset="-127"/>
+              <a:ea typeface="나눔스퀘어_ac Bold" panose="020B0600000101010101" pitchFamily="50" charset="-127"/>
+            </a:endParaRPr>
+          </a:p>
+        </p:txBody>
+      </p:sp>
+      <p:sp>
+        <p:nvSpPr>
+          <p:cNvPr id="6" name="나눔스퀘어_ac">
+            <a:extLst>
+              <a:ext uri="{FF2B5EF4-FFF2-40B4-BE49-F238E27FC236}">
+                <a16:creationId xmlns:a16="http://schemas.microsoft.com/office/drawing/2014/main" id="{DF8A1875-8751-4091-A91B-D82B26D7D57C}"/>
+              </a:ext>
+            </a:extLst>
+          </p:cNvPr>
+          <p:cNvSpPr txBox="1"/>
+          <p:nvPr/>
+        </p:nvSpPr>
+        <p:spPr>
+          <a:xfrm>
+            <a:off x="-3566884" y="3145062"/>
+            <a:ext cx="1677062" cy="400110"/>
+          </a:xfrm>
+          <a:prstGeom prst="rect">
+            <a:avLst/>
+          </a:prstGeom>
+          <a:noFill/>
+        </p:spPr>
+        <p:txBody>
+          <a:bodyPr wrap="none" rtlCol="0">
+            <a:spAutoFit/>
+          </a:bodyPr>
+          <a:lstStyle/>
+          <a:p>
+            <a:r>
+              <a:rPr lang="ko-KR" altLang="en-US" sz="2000" dirty="0">
+                <a:latin typeface="나눔스퀘어_ac" panose="020B0600000101010101" pitchFamily="50" charset="-127"/>
+                <a:ea typeface="나눔스퀘어_ac" panose="020B0600000101010101" pitchFamily="50" charset="-127"/>
+              </a:rPr>
+              <a:t>나눔스퀘어</a:t>
+            </a:r>
+            <a:r>
+              <a:rPr lang="en-US" altLang="ko-KR" sz="2000" dirty="0">
+                <a:latin typeface="나눔스퀘어_ac" panose="020B0600000101010101" pitchFamily="50" charset="-127"/>
+                <a:ea typeface="나눔스퀘어_ac" panose="020B0600000101010101" pitchFamily="50" charset="-127"/>
+              </a:rPr>
+              <a:t>_ac</a:t>
+            </a:r>
+            <a:endParaRPr lang="ko-KR" altLang="en-US" sz="2000" dirty="0">
+              <a:latin typeface="나눔스퀘어_ac" panose="020B0600000101010101" pitchFamily="50" charset="-127"/>
+              <a:ea typeface="나눔스퀘어_ac" panose="020B0600000101010101" pitchFamily="50" charset="-127"/>
+            </a:endParaRPr>
+          </a:p>
+        </p:txBody>
+      </p:sp>
+      <p:sp>
+        <p:nvSpPr>
+          <p:cNvPr id="7" name="나눔스퀘어 ExtraBold">
+            <a:extLst>
+              <a:ext uri="{FF2B5EF4-FFF2-40B4-BE49-F238E27FC236}">
+                <a16:creationId xmlns:a16="http://schemas.microsoft.com/office/drawing/2014/main" id="{E1606A48-C470-493D-ABE6-75D051BF23D5}"/>
+              </a:ext>
+            </a:extLst>
+          </p:cNvPr>
+          <p:cNvSpPr txBox="1"/>
+          <p:nvPr/>
+        </p:nvSpPr>
+        <p:spPr>
+          <a:xfrm>
+            <a:off x="-3566886" y="3767851"/>
+            <a:ext cx="2627085" cy="400110"/>
+          </a:xfrm>
+          <a:prstGeom prst="rect">
+            <a:avLst/>
+          </a:prstGeom>
+          <a:noFill/>
+        </p:spPr>
+        <p:txBody>
+          <a:bodyPr wrap="none" rtlCol="0">
+            <a:spAutoFit/>
+          </a:bodyPr>
+          <a:lstStyle/>
+          <a:p>
+            <a:r>
+              <a:rPr lang="ko-KR" altLang="en-US" sz="2000" dirty="0">
+                <a:latin typeface="나눔스퀘어_ac ExtraBold" panose="020B0600000101010101" pitchFamily="50" charset="-127"/>
+                <a:ea typeface="나눔스퀘어_ac ExtraBold" panose="020B0600000101010101" pitchFamily="50" charset="-127"/>
+              </a:rPr>
+              <a:t>나눔스퀘어</a:t>
+            </a:r>
+            <a:r>
+              <a:rPr lang="en-US" altLang="ko-KR" sz="2000" dirty="0">
+                <a:latin typeface="나눔스퀘어_ac ExtraBold" panose="020B0600000101010101" pitchFamily="50" charset="-127"/>
+                <a:ea typeface="나눔스퀘어_ac ExtraBold" panose="020B0600000101010101" pitchFamily="50" charset="-127"/>
+              </a:rPr>
+              <a:t> </a:t>
+            </a:r>
+            <a:r>
+              <a:rPr lang="en-US" altLang="ko-KR" sz="2000" dirty="0">
+                <a:latin typeface="나눔스퀘어 ExtraBold" panose="020B0600000101010101" pitchFamily="50" charset="-127"/>
+                <a:ea typeface="나눔스퀘어 ExtraBold" panose="020B0600000101010101" pitchFamily="50" charset="-127"/>
+              </a:rPr>
+              <a:t>ExtraBold</a:t>
+            </a:r>
+            <a:endParaRPr lang="ko-KR" altLang="en-US" sz="2000" dirty="0">
+              <a:latin typeface="나눔스퀘어 ExtraBold" panose="020B0600000101010101" pitchFamily="50" charset="-127"/>
+              <a:ea typeface="나눔스퀘어 ExtraBold" panose="020B0600000101010101" pitchFamily="50" charset="-127"/>
+            </a:endParaRPr>
+          </a:p>
+        </p:txBody>
+      </p:sp>
+      <p:sp>
+        <p:nvSpPr>
+          <p:cNvPr id="8" name="나눔스퀘어 Bold">
+            <a:extLst>
+              <a:ext uri="{FF2B5EF4-FFF2-40B4-BE49-F238E27FC236}">
+                <a16:creationId xmlns:a16="http://schemas.microsoft.com/office/drawing/2014/main" id="{4D51FFE8-A1EC-4D1E-9A48-233301D6C5F2}"/>
+              </a:ext>
+            </a:extLst>
+          </p:cNvPr>
+          <p:cNvSpPr txBox="1"/>
+          <p:nvPr/>
+        </p:nvSpPr>
+        <p:spPr>
+          <a:xfrm>
+            <a:off x="-3566885" y="4304880"/>
+            <a:ext cx="2017484" cy="400110"/>
+          </a:xfrm>
+          <a:prstGeom prst="rect">
+            <a:avLst/>
+          </a:prstGeom>
+          <a:noFill/>
+        </p:spPr>
+        <p:txBody>
+          <a:bodyPr wrap="none" rtlCol="0">
+            <a:spAutoFit/>
+          </a:bodyPr>
+          <a:lstStyle/>
+          <a:p>
+            <a:r>
+              <a:rPr lang="ko-KR" altLang="en-US" sz="2000" dirty="0">
+                <a:latin typeface="나눔스퀘어 Bold" panose="020B0600000101010101" pitchFamily="50" charset="-127"/>
+                <a:ea typeface="나눔스퀘어 Bold" panose="020B0600000101010101" pitchFamily="50" charset="-127"/>
+              </a:rPr>
+              <a:t>나눔스퀘어</a:t>
+            </a:r>
+            <a:r>
+              <a:rPr lang="en-US" altLang="ko-KR" sz="2000" dirty="0">
+                <a:latin typeface="나눔스퀘어 Bold" panose="020B0600000101010101" pitchFamily="50" charset="-127"/>
+                <a:ea typeface="나눔스퀘어 Bold" panose="020B0600000101010101" pitchFamily="50" charset="-127"/>
+              </a:rPr>
+              <a:t> Bold</a:t>
+            </a:r>
+            <a:endParaRPr lang="ko-KR" altLang="en-US" sz="2000" dirty="0">
+              <a:latin typeface="나눔스퀘어 Bold" panose="020B0600000101010101" pitchFamily="50" charset="-127"/>
+              <a:ea typeface="나눔스퀘어 Bold" panose="020B0600000101010101" pitchFamily="50" charset="-127"/>
+            </a:endParaRPr>
+          </a:p>
+        </p:txBody>
+      </p:sp>
+      <p:sp>
+        <p:nvSpPr>
+          <p:cNvPr id="9" name="나눔스퀘어">
+            <a:extLst>
+              <a:ext uri="{FF2B5EF4-FFF2-40B4-BE49-F238E27FC236}">
+                <a16:creationId xmlns:a16="http://schemas.microsoft.com/office/drawing/2014/main" id="{87D24177-A08E-48A7-9F4C-B93C7DB3C018}"/>
+              </a:ext>
+            </a:extLst>
+          </p:cNvPr>
+          <p:cNvSpPr txBox="1"/>
+          <p:nvPr/>
+        </p:nvSpPr>
+        <p:spPr>
+          <a:xfrm>
+            <a:off x="-3566885" y="4841909"/>
+            <a:ext cx="1393370" cy="400110"/>
+          </a:xfrm>
+          <a:prstGeom prst="rect">
+            <a:avLst/>
+          </a:prstGeom>
+          <a:noFill/>
+        </p:spPr>
+        <p:txBody>
+          <a:bodyPr wrap="none" rtlCol="0">
+            <a:spAutoFit/>
+          </a:bodyPr>
+          <a:lstStyle/>
+          <a:p>
+            <a:r>
+              <a:rPr lang="ko-KR" altLang="en-US" sz="2000" dirty="0">
+                <a:latin typeface="나눔스퀘어" panose="020B0600000101010101" pitchFamily="50" charset="-127"/>
+                <a:ea typeface="나눔스퀘어" panose="020B0600000101010101" pitchFamily="50" charset="-127"/>
+              </a:rPr>
+              <a:t>나눔스퀘어</a:t>
+            </a:r>
+          </a:p>
+        </p:txBody>
+      </p:sp>
+      <p:sp>
+        <p:nvSpPr>
+          <p:cNvPr id="10" name="나눔스퀘어 Light">
+            <a:extLst>
+              <a:ext uri="{FF2B5EF4-FFF2-40B4-BE49-F238E27FC236}">
+                <a16:creationId xmlns:a16="http://schemas.microsoft.com/office/drawing/2014/main" id="{7DA7939B-F3CB-4FD3-857D-4C90DFD6043F}"/>
+              </a:ext>
+            </a:extLst>
+          </p:cNvPr>
+          <p:cNvSpPr txBox="1"/>
+          <p:nvPr/>
+        </p:nvSpPr>
+        <p:spPr>
+          <a:xfrm>
+            <a:off x="-3566884" y="5652991"/>
+            <a:ext cx="1996059" cy="400110"/>
+          </a:xfrm>
+          <a:prstGeom prst="rect">
+            <a:avLst/>
+          </a:prstGeom>
+          <a:noFill/>
+        </p:spPr>
+        <p:txBody>
+          <a:bodyPr wrap="none" rtlCol="0">
+            <a:spAutoFit/>
+          </a:bodyPr>
+          <a:lstStyle/>
+          <a:p>
+            <a:r>
+              <a:rPr lang="ko-KR" altLang="en-US" sz="2000" dirty="0">
+                <a:latin typeface="나눔스퀘어 Light" panose="020B0600000101010101" pitchFamily="50" charset="-127"/>
+                <a:ea typeface="나눔스퀘어 Light" panose="020B0600000101010101" pitchFamily="50" charset="-127"/>
+              </a:rPr>
+              <a:t>나눔스퀘어 </a:t>
+            </a:r>
+            <a:r>
+              <a:rPr lang="en-US" altLang="ko-KR" sz="2000" dirty="0">
+                <a:latin typeface="나눔스퀘어 Light" panose="020B0600000101010101" pitchFamily="50" charset="-127"/>
+                <a:ea typeface="나눔스퀘어 Light" panose="020B0600000101010101" pitchFamily="50" charset="-127"/>
+              </a:rPr>
+              <a:t>Light</a:t>
+            </a:r>
+            <a:endParaRPr lang="ko-KR" altLang="en-US" sz="2000" dirty="0">
+              <a:latin typeface="나눔스퀘어 Light" panose="020B0600000101010101" pitchFamily="50" charset="-127"/>
+              <a:ea typeface="나눔스퀘어 Light" panose="020B0600000101010101" pitchFamily="50" charset="-127"/>
+            </a:endParaRPr>
+          </a:p>
+        </p:txBody>
+      </p:sp>
+      <p:sp>
+        <p:nvSpPr>
+          <p:cNvPr id="11" name="나눔스퀘어OTF">
+            <a:extLst>
+              <a:ext uri="{FF2B5EF4-FFF2-40B4-BE49-F238E27FC236}">
+                <a16:creationId xmlns:a16="http://schemas.microsoft.com/office/drawing/2014/main" id="{5B5D7877-451C-43A7-9219-1D7F862F6A0C}"/>
+              </a:ext>
+            </a:extLst>
+          </p:cNvPr>
+          <p:cNvSpPr txBox="1"/>
+          <p:nvPr/>
+        </p:nvSpPr>
+        <p:spPr>
+          <a:xfrm>
+            <a:off x="-3566886" y="1333920"/>
+            <a:ext cx="1818831" cy="400110"/>
+          </a:xfrm>
+          <a:prstGeom prst="rect">
+            <a:avLst/>
+          </a:prstGeom>
+          <a:noFill/>
+        </p:spPr>
+        <p:txBody>
+          <a:bodyPr wrap="none" rtlCol="0">
+            <a:spAutoFit/>
+          </a:bodyPr>
+          <a:lstStyle/>
+          <a:p>
+            <a:r>
+              <a:rPr lang="ko-KR" altLang="en-US" sz="2000" dirty="0">
+                <a:latin typeface="나눔스퀘어OTF" panose="020B0600000101010101" pitchFamily="34" charset="-127"/>
+                <a:ea typeface="나눔스퀘어OTF" panose="020B0600000101010101" pitchFamily="34" charset="-127"/>
+              </a:rPr>
+              <a:t>나눔스퀘어</a:t>
+            </a:r>
+            <a:r>
+              <a:rPr lang="en-US" altLang="ko-KR" sz="2000" dirty="0">
+                <a:latin typeface="나눔스퀘어OTF" panose="020B0600000101010101" pitchFamily="34" charset="-127"/>
+                <a:ea typeface="나눔스퀘어OTF" panose="020B0600000101010101" pitchFamily="34" charset="-127"/>
+              </a:rPr>
+              <a:t>OTF</a:t>
+            </a:r>
+            <a:endParaRPr lang="ko-KR" altLang="en-US" sz="2000" dirty="0">
+              <a:latin typeface="나눔스퀘어OTF" panose="020B0600000101010101" pitchFamily="34" charset="-127"/>
+              <a:ea typeface="나눔스퀘어OTF" panose="020B0600000101010101" pitchFamily="34" charset="-127"/>
+            </a:endParaRPr>
+          </a:p>
+        </p:txBody>
+      </p:sp>
+      <p:sp>
+        <p:nvSpPr>
+          <p:cNvPr id="12" name="나눔스퀘어OTF Bold">
+            <a:extLst>
+              <a:ext uri="{FF2B5EF4-FFF2-40B4-BE49-F238E27FC236}">
+                <a16:creationId xmlns:a16="http://schemas.microsoft.com/office/drawing/2014/main" id="{49C5ED60-54CC-4075-B763-ED40BBA3CC98}"/>
+              </a:ext>
+            </a:extLst>
+          </p:cNvPr>
+          <p:cNvSpPr txBox="1"/>
+          <p:nvPr/>
+        </p:nvSpPr>
+        <p:spPr>
+          <a:xfrm>
+            <a:off x="408216" y="274654"/>
+            <a:ext cx="2178802" cy="707886"/>
+          </a:xfrm>
+          <a:prstGeom prst="rect">
+            <a:avLst/>
+          </a:prstGeom>
+          <a:noFill/>
+        </p:spPr>
+        <p:txBody>
+          <a:bodyPr wrap="none" rtlCol="0">
+            <a:spAutoFit/>
+          </a:bodyPr>
+          <a:lstStyle/>
+          <a:p>
+            <a:r>
+              <a:rPr lang="ko-KR" altLang="en-US" sz="4000" dirty="0">
+                <a:latin typeface="나눔스퀘어OTF ExtraBold" panose="020B0600000101010101" pitchFamily="34" charset="-127"/>
+                <a:ea typeface="나눔스퀘어OTF ExtraBold" panose="020B0600000101010101" pitchFamily="34" charset="-127"/>
+              </a:rPr>
+              <a:t>실행 화면</a:t>
+            </a:r>
+          </a:p>
+        </p:txBody>
+      </p:sp>
+      <p:sp>
+        <p:nvSpPr>
+          <p:cNvPr id="25" name="나눔스퀘어OTF">
+            <a:extLst>
+              <a:ext uri="{FF2B5EF4-FFF2-40B4-BE49-F238E27FC236}">
+                <a16:creationId xmlns:a16="http://schemas.microsoft.com/office/drawing/2014/main" id="{ABD2ABAC-1870-4805-8BAE-F56D8D96B5E0}"/>
+              </a:ext>
+            </a:extLst>
+          </p:cNvPr>
+          <p:cNvSpPr txBox="1"/>
+          <p:nvPr/>
+        </p:nvSpPr>
+        <p:spPr>
+          <a:xfrm>
+            <a:off x="4757332" y="5572222"/>
+            <a:ext cx="2677336" cy="646331"/>
+          </a:xfrm>
+          <a:prstGeom prst="rect">
+            <a:avLst/>
+          </a:prstGeom>
+          <a:noFill/>
+        </p:spPr>
+        <p:txBody>
+          <a:bodyPr wrap="none" rtlCol="0">
+            <a:spAutoFit/>
+          </a:bodyPr>
+          <a:lstStyle/>
+          <a:p>
+            <a:r>
+              <a:rPr lang="ko-KR" altLang="en-US" sz="3600" dirty="0">
+                <a:latin typeface="나눔스퀘어OTF" panose="020B0600000101010101" pitchFamily="34" charset="-127"/>
+                <a:ea typeface="나눔스퀘어OTF" panose="020B0600000101010101" pitchFamily="34" charset="-127"/>
+              </a:rPr>
+              <a:t>클라이언트 </a:t>
+            </a:r>
+            <a:r>
+              <a:rPr lang="en-US" altLang="ko-KR" sz="3600" dirty="0">
+                <a:latin typeface="나눔스퀘어OTF" panose="020B0600000101010101" pitchFamily="34" charset="-127"/>
+                <a:ea typeface="나눔스퀘어OTF" panose="020B0600000101010101" pitchFamily="34" charset="-127"/>
+              </a:rPr>
+              <a:t>1</a:t>
+            </a:r>
+            <a:endParaRPr lang="ko-KR" altLang="en-US" sz="3600" dirty="0">
+              <a:latin typeface="나눔스퀘어OTF" panose="020B0600000101010101" pitchFamily="34" charset="-127"/>
+              <a:ea typeface="나눔스퀘어OTF" panose="020B0600000101010101" pitchFamily="34" charset="-127"/>
+            </a:endParaRPr>
+          </a:p>
+        </p:txBody>
+      </p:sp>
+      <p:pic>
+        <p:nvPicPr>
+          <p:cNvPr id="14" name="그림 13">
+            <a:extLst>
+              <a:ext uri="{FF2B5EF4-FFF2-40B4-BE49-F238E27FC236}">
+                <a16:creationId xmlns:a16="http://schemas.microsoft.com/office/drawing/2014/main" id="{42FEF376-FE27-46E1-BF7B-242B9ACA44C8}"/>
+              </a:ext>
+            </a:extLst>
+          </p:cNvPr>
+          <p:cNvPicPr>
+            <a:picLocks noChangeAspect="1"/>
+          </p:cNvPicPr>
+          <p:nvPr/>
+        </p:nvPicPr>
+        <p:blipFill rotWithShape="1">
+          <a:blip r:embed="rId2"/>
+          <a:srcRect r="67763" b="38849"/>
+          <a:stretch/>
+        </p:blipFill>
+        <p:spPr>
+          <a:xfrm>
+            <a:off x="3739031" y="628597"/>
+            <a:ext cx="4713938" cy="4676483"/>
+          </a:xfrm>
+          <a:prstGeom prst="rect">
+            <a:avLst/>
+          </a:prstGeom>
+        </p:spPr>
+      </p:pic>
+      <p:sp>
+        <p:nvSpPr>
+          <p:cNvPr id="17" name="직사각형 16">
+            <a:extLst>
+              <a:ext uri="{FF2B5EF4-FFF2-40B4-BE49-F238E27FC236}">
+                <a16:creationId xmlns:a16="http://schemas.microsoft.com/office/drawing/2014/main" id="{573FAE8E-22F9-4606-8172-CE31F23FB98F}"/>
+              </a:ext>
+            </a:extLst>
+          </p:cNvPr>
+          <p:cNvSpPr/>
+          <p:nvPr/>
+        </p:nvSpPr>
+        <p:spPr>
+          <a:xfrm>
+            <a:off x="-3004342" y="-1339270"/>
+            <a:ext cx="1860346" cy="1411032"/>
+          </a:xfrm>
+          <a:prstGeom prst="rect">
+            <a:avLst/>
+          </a:prstGeom>
+          <a:noFill/>
+          <a:ln w="38100">
+            <a:solidFill>
+              <a:srgbClr val="FF0000"/>
+            </a:solidFill>
+          </a:ln>
+        </p:spPr>
+        <p:style>
+          <a:lnRef idx="2">
+            <a:schemeClr val="accent1">
+              <a:shade val="50000"/>
+            </a:schemeClr>
+          </a:lnRef>
+          <a:fillRef idx="1">
+            <a:schemeClr val="accent1"/>
+          </a:fillRef>
+          <a:effectRef idx="0">
+            <a:schemeClr val="accent1"/>
+          </a:effectRef>
+          <a:fontRef idx="minor">
+            <a:schemeClr val="lt1"/>
+          </a:fontRef>
+        </p:style>
+        <p:txBody>
+          <a:bodyPr rtlCol="0" anchor="ctr"/>
+          <a:lstStyle/>
+          <a:p>
+            <a:pPr algn="ctr"/>
+            <a:endParaRPr lang="ko-KR" altLang="en-US"/>
+          </a:p>
+        </p:txBody>
+      </p:sp>
+      <p:sp>
+        <p:nvSpPr>
+          <p:cNvPr id="18" name="나눔스퀘어OTF">
+            <a:extLst>
+              <a:ext uri="{FF2B5EF4-FFF2-40B4-BE49-F238E27FC236}">
+                <a16:creationId xmlns:a16="http://schemas.microsoft.com/office/drawing/2014/main" id="{0BB4BC1A-2088-47D5-BE6B-700A41BD709D}"/>
+              </a:ext>
+            </a:extLst>
+          </p:cNvPr>
+          <p:cNvSpPr txBox="1"/>
+          <p:nvPr/>
+        </p:nvSpPr>
+        <p:spPr>
+          <a:xfrm>
+            <a:off x="-918429" y="-946687"/>
+            <a:ext cx="2653290" cy="400110"/>
+          </a:xfrm>
+          <a:prstGeom prst="rect">
+            <a:avLst/>
+          </a:prstGeom>
+          <a:noFill/>
+        </p:spPr>
+        <p:txBody>
+          <a:bodyPr wrap="none" rtlCol="0">
+            <a:spAutoFit/>
+          </a:bodyPr>
+          <a:lstStyle/>
+          <a:p>
+            <a:r>
+              <a:rPr lang="ko-KR" altLang="en-US" sz="2000" dirty="0">
+                <a:solidFill>
+                  <a:srgbClr val="FF0000"/>
+                </a:solidFill>
+                <a:latin typeface="나눔스퀘어OTF" panose="020B0600000101010101" pitchFamily="34" charset="-127"/>
+                <a:ea typeface="나눔스퀘어OTF" panose="020B0600000101010101" pitchFamily="34" charset="-127"/>
+              </a:rPr>
+              <a:t>클라이언트 접속 메시지</a:t>
+            </a:r>
+          </a:p>
+        </p:txBody>
+      </p:sp>
+      <p:sp>
+        <p:nvSpPr>
+          <p:cNvPr id="20" name="직사각형 19">
+            <a:extLst>
+              <a:ext uri="{FF2B5EF4-FFF2-40B4-BE49-F238E27FC236}">
+                <a16:creationId xmlns:a16="http://schemas.microsoft.com/office/drawing/2014/main" id="{DD05165C-3DC1-428E-B43B-75A8D8B140C3}"/>
+              </a:ext>
+            </a:extLst>
+          </p:cNvPr>
+          <p:cNvSpPr/>
+          <p:nvPr/>
+        </p:nvSpPr>
+        <p:spPr>
+          <a:xfrm>
+            <a:off x="3647515" y="1155701"/>
+            <a:ext cx="4896969" cy="762000"/>
+          </a:xfrm>
+          <a:prstGeom prst="rect">
+            <a:avLst/>
+          </a:prstGeom>
+          <a:noFill/>
+          <a:ln w="38100">
+            <a:solidFill>
+              <a:srgbClr val="FF0000"/>
+            </a:solidFill>
+          </a:ln>
+        </p:spPr>
+        <p:style>
+          <a:lnRef idx="2">
+            <a:schemeClr val="accent1">
+              <a:shade val="50000"/>
+            </a:schemeClr>
+          </a:lnRef>
+          <a:fillRef idx="1">
+            <a:schemeClr val="accent1"/>
+          </a:fillRef>
+          <a:effectRef idx="0">
+            <a:schemeClr val="accent1"/>
+          </a:effectRef>
+          <a:fontRef idx="minor">
+            <a:schemeClr val="lt1"/>
+          </a:fontRef>
+        </p:style>
+        <p:txBody>
+          <a:bodyPr rtlCol="0" anchor="ctr"/>
+          <a:lstStyle/>
+          <a:p>
+            <a:pPr algn="ctr"/>
+            <a:endParaRPr lang="ko-KR" altLang="en-US"/>
+          </a:p>
+        </p:txBody>
+      </p:sp>
+      <p:sp>
+        <p:nvSpPr>
+          <p:cNvPr id="21" name="나눔스퀘어OTF">
+            <a:extLst>
+              <a:ext uri="{FF2B5EF4-FFF2-40B4-BE49-F238E27FC236}">
+                <a16:creationId xmlns:a16="http://schemas.microsoft.com/office/drawing/2014/main" id="{6A71FC01-5135-4B73-9375-441D26631680}"/>
+              </a:ext>
+            </a:extLst>
+          </p:cNvPr>
+          <p:cNvSpPr txBox="1"/>
+          <p:nvPr/>
+        </p:nvSpPr>
+        <p:spPr>
+          <a:xfrm>
+            <a:off x="8636000" y="1336646"/>
+            <a:ext cx="1887055" cy="400110"/>
+          </a:xfrm>
+          <a:prstGeom prst="rect">
+            <a:avLst/>
+          </a:prstGeom>
+          <a:noFill/>
+        </p:spPr>
+        <p:txBody>
+          <a:bodyPr wrap="none" rtlCol="0">
+            <a:spAutoFit/>
+          </a:bodyPr>
+          <a:lstStyle/>
+          <a:p>
+            <a:r>
+              <a:rPr lang="ko-KR" altLang="en-US" sz="2000">
+                <a:solidFill>
+                  <a:srgbClr val="FF0000"/>
+                </a:solidFill>
+                <a:latin typeface="나눔스퀘어OTF" panose="020B0600000101010101" pitchFamily="34" charset="-127"/>
+                <a:ea typeface="나눔스퀘어OTF" panose="020B0600000101010101" pitchFamily="34" charset="-127"/>
+              </a:rPr>
+              <a:t>클라이언트 정보</a:t>
+            </a:r>
+            <a:endParaRPr lang="ko-KR" altLang="en-US" sz="2000" dirty="0">
+              <a:solidFill>
+                <a:srgbClr val="FF0000"/>
+              </a:solidFill>
+              <a:latin typeface="나눔스퀘어OTF" panose="020B0600000101010101" pitchFamily="34" charset="-127"/>
+              <a:ea typeface="나눔스퀘어OTF" panose="020B0600000101010101" pitchFamily="34" charset="-127"/>
+            </a:endParaRPr>
+          </a:p>
+        </p:txBody>
+      </p:sp>
+      <p:sp>
+        <p:nvSpPr>
+          <p:cNvPr id="26" name="직사각형 25">
+            <a:extLst>
+              <a:ext uri="{FF2B5EF4-FFF2-40B4-BE49-F238E27FC236}">
+                <a16:creationId xmlns:a16="http://schemas.microsoft.com/office/drawing/2014/main" id="{5DE9296C-5A94-4DDC-BB4F-95D874E81491}"/>
+              </a:ext>
+            </a:extLst>
+          </p:cNvPr>
+          <p:cNvSpPr/>
+          <p:nvPr/>
+        </p:nvSpPr>
+        <p:spPr>
+          <a:xfrm>
+            <a:off x="3644900" y="1917701"/>
+            <a:ext cx="4896969" cy="508329"/>
+          </a:xfrm>
+          <a:prstGeom prst="rect">
+            <a:avLst/>
+          </a:prstGeom>
+          <a:noFill/>
+          <a:ln w="38100">
+            <a:solidFill>
+              <a:srgbClr val="FF0000"/>
+            </a:solidFill>
+          </a:ln>
+        </p:spPr>
+        <p:style>
+          <a:lnRef idx="2">
+            <a:schemeClr val="accent1">
+              <a:shade val="50000"/>
+            </a:schemeClr>
+          </a:lnRef>
+          <a:fillRef idx="1">
+            <a:schemeClr val="accent1"/>
+          </a:fillRef>
+          <a:effectRef idx="0">
+            <a:schemeClr val="accent1"/>
+          </a:effectRef>
+          <a:fontRef idx="minor">
+            <a:schemeClr val="lt1"/>
+          </a:fontRef>
+        </p:style>
+        <p:txBody>
+          <a:bodyPr rtlCol="0" anchor="ctr"/>
+          <a:lstStyle/>
+          <a:p>
+            <a:pPr algn="ctr"/>
+            <a:endParaRPr lang="ko-KR" altLang="en-US">
+              <a:solidFill>
+                <a:srgbClr val="00B050"/>
+              </a:solidFill>
+            </a:endParaRPr>
+          </a:p>
+        </p:txBody>
+      </p:sp>
+      <p:sp>
+        <p:nvSpPr>
+          <p:cNvPr id="27" name="나눔스퀘어OTF">
+            <a:extLst>
+              <a:ext uri="{FF2B5EF4-FFF2-40B4-BE49-F238E27FC236}">
+                <a16:creationId xmlns:a16="http://schemas.microsoft.com/office/drawing/2014/main" id="{D4D38BE5-7C17-4685-AC33-F160E5D5CDEC}"/>
+              </a:ext>
+            </a:extLst>
+          </p:cNvPr>
+          <p:cNvSpPr txBox="1"/>
+          <p:nvPr/>
+        </p:nvSpPr>
+        <p:spPr>
+          <a:xfrm>
+            <a:off x="8630770" y="2025920"/>
+            <a:ext cx="886781" cy="400110"/>
+          </a:xfrm>
+          <a:prstGeom prst="rect">
+            <a:avLst/>
+          </a:prstGeom>
+          <a:noFill/>
+        </p:spPr>
+        <p:txBody>
+          <a:bodyPr wrap="none" rtlCol="0">
+            <a:spAutoFit/>
+          </a:bodyPr>
+          <a:lstStyle/>
+          <a:p>
+            <a:r>
+              <a:rPr lang="ko-KR" altLang="en-US" sz="2000" dirty="0" err="1">
+                <a:solidFill>
+                  <a:srgbClr val="FF0000"/>
+                </a:solidFill>
+                <a:latin typeface="나눔스퀘어OTF" panose="020B0600000101010101" pitchFamily="34" charset="-127"/>
+                <a:ea typeface="나눔스퀘어OTF" panose="020B0600000101010101" pitchFamily="34" charset="-127"/>
+              </a:rPr>
+              <a:t>입력창</a:t>
+            </a:r>
+            <a:endParaRPr lang="ko-KR" altLang="en-US" sz="2000" dirty="0">
+              <a:solidFill>
+                <a:srgbClr val="FF0000"/>
+              </a:solidFill>
+              <a:latin typeface="나눔스퀘어OTF" panose="020B0600000101010101" pitchFamily="34" charset="-127"/>
+              <a:ea typeface="나눔스퀘어OTF" panose="020B0600000101010101" pitchFamily="34" charset="-127"/>
+            </a:endParaRPr>
+          </a:p>
+        </p:txBody>
+      </p:sp>
+      <p:sp>
+        <p:nvSpPr>
+          <p:cNvPr id="31" name="직사각형 30">
+            <a:extLst>
+              <a:ext uri="{FF2B5EF4-FFF2-40B4-BE49-F238E27FC236}">
+                <a16:creationId xmlns:a16="http://schemas.microsoft.com/office/drawing/2014/main" id="{6F8E8457-A91B-44C5-898B-4BFD70CAFE8C}"/>
+              </a:ext>
+            </a:extLst>
+          </p:cNvPr>
+          <p:cNvSpPr/>
+          <p:nvPr/>
+        </p:nvSpPr>
+        <p:spPr>
+          <a:xfrm>
+            <a:off x="3644900" y="2438510"/>
+            <a:ext cx="4896969" cy="2654190"/>
+          </a:xfrm>
+          <a:prstGeom prst="rect">
+            <a:avLst/>
+          </a:prstGeom>
+          <a:noFill/>
+          <a:ln w="38100">
+            <a:solidFill>
+              <a:srgbClr val="FF0000"/>
+            </a:solidFill>
+          </a:ln>
+        </p:spPr>
+        <p:style>
+          <a:lnRef idx="2">
+            <a:schemeClr val="accent1">
+              <a:shade val="50000"/>
+            </a:schemeClr>
+          </a:lnRef>
+          <a:fillRef idx="1">
+            <a:schemeClr val="accent1"/>
+          </a:fillRef>
+          <a:effectRef idx="0">
+            <a:schemeClr val="accent1"/>
+          </a:effectRef>
+          <a:fontRef idx="minor">
+            <a:schemeClr val="lt1"/>
+          </a:fontRef>
+        </p:style>
+        <p:txBody>
+          <a:bodyPr rtlCol="0" anchor="ctr"/>
+          <a:lstStyle/>
+          <a:p>
+            <a:pPr algn="ctr"/>
+            <a:endParaRPr lang="ko-KR" altLang="en-US">
+              <a:solidFill>
+                <a:srgbClr val="00B050"/>
+              </a:solidFill>
+            </a:endParaRPr>
+          </a:p>
+        </p:txBody>
+      </p:sp>
+      <p:sp>
+        <p:nvSpPr>
+          <p:cNvPr id="32" name="나눔스퀘어OTF">
+            <a:extLst>
+              <a:ext uri="{FF2B5EF4-FFF2-40B4-BE49-F238E27FC236}">
+                <a16:creationId xmlns:a16="http://schemas.microsoft.com/office/drawing/2014/main" id="{975E1CBD-848E-483D-965C-AB2593BE5F9A}"/>
+              </a:ext>
+            </a:extLst>
+          </p:cNvPr>
+          <p:cNvSpPr txBox="1"/>
+          <p:nvPr/>
+        </p:nvSpPr>
+        <p:spPr>
+          <a:xfrm>
+            <a:off x="8630770" y="3503995"/>
+            <a:ext cx="1582484" cy="523220"/>
+          </a:xfrm>
+          <a:prstGeom prst="rect">
+            <a:avLst/>
+          </a:prstGeom>
+          <a:noFill/>
+        </p:spPr>
+        <p:txBody>
+          <a:bodyPr wrap="none" rtlCol="0">
+            <a:spAutoFit/>
+          </a:bodyPr>
+          <a:lstStyle/>
+          <a:p>
+            <a:r>
+              <a:rPr lang="ko-KR" altLang="en-US" sz="2800">
+                <a:solidFill>
+                  <a:srgbClr val="FF0000"/>
+                </a:solidFill>
+                <a:latin typeface="나눔스퀘어OTF" panose="020B0600000101010101" pitchFamily="34" charset="-127"/>
+                <a:ea typeface="나눔스퀘어OTF" panose="020B0600000101010101" pitchFamily="34" charset="-127"/>
+              </a:rPr>
+              <a:t>채팅 목록</a:t>
+            </a:r>
+            <a:endParaRPr lang="ko-KR" altLang="en-US" sz="2800" dirty="0">
+              <a:solidFill>
+                <a:srgbClr val="FF0000"/>
+              </a:solidFill>
+              <a:latin typeface="나눔스퀘어OTF" panose="020B0600000101010101" pitchFamily="34" charset="-127"/>
+              <a:ea typeface="나눔스퀘어OTF" panose="020B0600000101010101" pitchFamily="34" charset="-127"/>
+            </a:endParaRPr>
+          </a:p>
+        </p:txBody>
+      </p:sp>
+    </p:spTree>
+    <p:extLst>
+      <p:ext uri="{BB962C8B-B14F-4D97-AF65-F5344CB8AC3E}">
+        <p14:creationId xmlns:p14="http://schemas.microsoft.com/office/powerpoint/2010/main" val="1606134428"/>
+      </p:ext>
+    </p:extLst>
+  </p:cSld>
+  <p:clrMapOvr>
+    <a:masterClrMapping/>
+  </p:clrMapOvr>
+</p:sld>
+</file>
+
+<file path=ppt/slides/slide6.xml><?xml version="1.0" encoding="utf-8"?>
+<p:sld xmlns:a="http://schemas.openxmlformats.org/drawingml/2006/main" xmlns:r="http://schemas.openxmlformats.org/officeDocument/2006/relationships" xmlns:p="http://schemas.openxmlformats.org/presentationml/2006/main">
+  <p:cSld>
+    <p:spTree>
+      <p:nvGrpSpPr>
+        <p:cNvPr id="1" name=""/>
+        <p:cNvGrpSpPr/>
+        <p:nvPr/>
+      </p:nvGrpSpPr>
+      <p:grpSpPr>
+        <a:xfrm>
+          <a:off x="0" y="0"/>
+          <a:ext cx="0" cy="0"/>
+          <a:chOff x="0" y="0"/>
+          <a:chExt cx="0" cy="0"/>
+        </a:xfrm>
+      </p:grpSpPr>
+      <p:sp>
+        <p:nvSpPr>
+          <p:cNvPr id="2" name="나눔스퀘어OTF ExtraBold">
+            <a:extLst>
+              <a:ext uri="{FF2B5EF4-FFF2-40B4-BE49-F238E27FC236}">
+                <a16:creationId xmlns:a16="http://schemas.microsoft.com/office/drawing/2014/main" id="{2906FC37-354C-4CE9-97D9-D6C5475FE3D7}"/>
+              </a:ext>
+            </a:extLst>
+          </p:cNvPr>
+          <p:cNvSpPr txBox="1"/>
+          <p:nvPr/>
+        </p:nvSpPr>
+        <p:spPr>
+          <a:xfrm>
+            <a:off x="-3566885" y="428542"/>
+            <a:ext cx="3111621" cy="400110"/>
+          </a:xfrm>
+          <a:prstGeom prst="rect">
+            <a:avLst/>
+          </a:prstGeom>
+          <a:noFill/>
+        </p:spPr>
+        <p:txBody>
+          <a:bodyPr wrap="none" rtlCol="0">
+            <a:spAutoFit/>
+          </a:bodyPr>
+          <a:lstStyle/>
+          <a:p>
+            <a:r>
+              <a:rPr lang="ko-KR" altLang="en-US" sz="2000" dirty="0">
+                <a:latin typeface="나눔스퀘어OTF ExtraBold" panose="020B0600000101010101" pitchFamily="34" charset="-127"/>
+                <a:ea typeface="나눔스퀘어OTF ExtraBold" panose="020B0600000101010101" pitchFamily="34" charset="-127"/>
+              </a:rPr>
+              <a:t>나눔스퀘어</a:t>
+            </a:r>
+            <a:r>
+              <a:rPr lang="en-US" altLang="ko-KR" sz="2000" dirty="0">
+                <a:latin typeface="나눔스퀘어OTF ExtraBold" panose="020B0600000101010101" pitchFamily="34" charset="-127"/>
+                <a:ea typeface="나눔스퀘어OTF ExtraBold" panose="020B0600000101010101" pitchFamily="34" charset="-127"/>
+              </a:rPr>
+              <a:t>OTF ExtraBold</a:t>
+            </a:r>
+            <a:endParaRPr lang="ko-KR" altLang="en-US" sz="2000" dirty="0">
+              <a:latin typeface="나눔스퀘어OTF ExtraBold" panose="020B0600000101010101" pitchFamily="34" charset="-127"/>
+              <a:ea typeface="나눔스퀘어OTF ExtraBold" panose="020B0600000101010101" pitchFamily="34" charset="-127"/>
+            </a:endParaRPr>
+          </a:p>
+        </p:txBody>
+      </p:sp>
+      <p:sp>
+        <p:nvSpPr>
+          <p:cNvPr id="3" name="나눔스퀘어OTF Bold">
+            <a:extLst>
+              <a:ext uri="{FF2B5EF4-FFF2-40B4-BE49-F238E27FC236}">
+                <a16:creationId xmlns:a16="http://schemas.microsoft.com/office/drawing/2014/main" id="{4B823813-B108-48C1-9C91-92A968F0C837}"/>
+              </a:ext>
+            </a:extLst>
+          </p:cNvPr>
+          <p:cNvSpPr txBox="1"/>
+          <p:nvPr/>
+        </p:nvSpPr>
+        <p:spPr>
+          <a:xfrm>
+            <a:off x="-3566884" y="851276"/>
+            <a:ext cx="2452914" cy="400110"/>
+          </a:xfrm>
+          <a:prstGeom prst="rect">
+            <a:avLst/>
+          </a:prstGeom>
+          <a:noFill/>
+        </p:spPr>
+        <p:txBody>
+          <a:bodyPr wrap="none" rtlCol="0">
+            <a:spAutoFit/>
+          </a:bodyPr>
+          <a:lstStyle/>
+          <a:p>
+            <a:r>
+              <a:rPr lang="ko-KR" altLang="en-US" sz="2000" dirty="0">
+                <a:latin typeface="나눔스퀘어OTF Bold" panose="020B0600000101010101" pitchFamily="34" charset="-127"/>
+                <a:ea typeface="나눔스퀘어OTF Bold" panose="020B0600000101010101" pitchFamily="34" charset="-127"/>
+              </a:rPr>
+              <a:t>나눔스퀘어</a:t>
+            </a:r>
+            <a:r>
+              <a:rPr lang="en-US" altLang="ko-KR" sz="2000" dirty="0">
+                <a:latin typeface="나눔스퀘어OTF Bold" panose="020B0600000101010101" pitchFamily="34" charset="-127"/>
+                <a:ea typeface="나눔스퀘어OTF Bold" panose="020B0600000101010101" pitchFamily="34" charset="-127"/>
+              </a:rPr>
+              <a:t>OTF Bold</a:t>
+            </a:r>
+            <a:endParaRPr lang="ko-KR" altLang="en-US" sz="2000" dirty="0">
+              <a:latin typeface="나눔스퀘어OTF Bold" panose="020B0600000101010101" pitchFamily="34" charset="-127"/>
+              <a:ea typeface="나눔스퀘어OTF Bold" panose="020B0600000101010101" pitchFamily="34" charset="-127"/>
+            </a:endParaRPr>
+          </a:p>
+        </p:txBody>
+      </p:sp>
+      <p:sp>
+        <p:nvSpPr>
+          <p:cNvPr id="4" name="나눔스퀘어_ac ExtraBold">
+            <a:extLst>
+              <a:ext uri="{FF2B5EF4-FFF2-40B4-BE49-F238E27FC236}">
+                <a16:creationId xmlns:a16="http://schemas.microsoft.com/office/drawing/2014/main" id="{6F568C0E-9C9E-47D1-B6F0-EC93EF14A55A}"/>
+              </a:ext>
+            </a:extLst>
+          </p:cNvPr>
+          <p:cNvSpPr txBox="1"/>
+          <p:nvPr/>
+        </p:nvSpPr>
+        <p:spPr>
+          <a:xfrm>
+            <a:off x="-3566885" y="2071004"/>
+            <a:ext cx="2985433" cy="400110"/>
+          </a:xfrm>
+          <a:prstGeom prst="rect">
+            <a:avLst/>
+          </a:prstGeom>
+          <a:noFill/>
+        </p:spPr>
+        <p:txBody>
+          <a:bodyPr wrap="none" rtlCol="0">
+            <a:spAutoFit/>
+          </a:bodyPr>
+          <a:lstStyle/>
+          <a:p>
+            <a:r>
+              <a:rPr lang="ko-KR" altLang="en-US" sz="2000" dirty="0">
+                <a:latin typeface="나눔스퀘어_ac ExtraBold" panose="020B0600000101010101" pitchFamily="50" charset="-127"/>
+                <a:ea typeface="나눔스퀘어_ac ExtraBold" panose="020B0600000101010101" pitchFamily="50" charset="-127"/>
+              </a:rPr>
+              <a:t>나눔스퀘어</a:t>
+            </a:r>
+            <a:r>
+              <a:rPr lang="en-US" altLang="ko-KR" sz="2000" dirty="0">
+                <a:latin typeface="나눔스퀘어_ac ExtraBold" panose="020B0600000101010101" pitchFamily="50" charset="-127"/>
+                <a:ea typeface="나눔스퀘어_ac ExtraBold" panose="020B0600000101010101" pitchFamily="50" charset="-127"/>
+              </a:rPr>
+              <a:t>_ac ExtraBold</a:t>
+            </a:r>
+            <a:endParaRPr lang="ko-KR" altLang="en-US" sz="2000" dirty="0">
+              <a:latin typeface="나눔스퀘어_ac ExtraBold" panose="020B0600000101010101" pitchFamily="50" charset="-127"/>
+              <a:ea typeface="나눔스퀘어_ac ExtraBold" panose="020B0600000101010101" pitchFamily="50" charset="-127"/>
+            </a:endParaRPr>
+          </a:p>
+        </p:txBody>
+      </p:sp>
+      <p:sp>
+        <p:nvSpPr>
+          <p:cNvPr id="5" name="나눔스퀘어_ac Bold">
+            <a:extLst>
+              <a:ext uri="{FF2B5EF4-FFF2-40B4-BE49-F238E27FC236}">
+                <a16:creationId xmlns:a16="http://schemas.microsoft.com/office/drawing/2014/main" id="{E3F5CA89-BF2D-466A-AA86-E694879F169D}"/>
+              </a:ext>
+            </a:extLst>
+          </p:cNvPr>
+          <p:cNvSpPr txBox="1"/>
+          <p:nvPr/>
+        </p:nvSpPr>
+        <p:spPr>
+          <a:xfrm>
+            <a:off x="-3566884" y="2608033"/>
+            <a:ext cx="2322284" cy="400110"/>
+          </a:xfrm>
+          <a:prstGeom prst="rect">
+            <a:avLst/>
+          </a:prstGeom>
+          <a:noFill/>
+        </p:spPr>
+        <p:txBody>
+          <a:bodyPr wrap="none" rtlCol="0">
+            <a:spAutoFit/>
+          </a:bodyPr>
+          <a:lstStyle/>
+          <a:p>
+            <a:r>
+              <a:rPr lang="ko-KR" altLang="en-US" sz="2000" dirty="0">
+                <a:latin typeface="나눔스퀘어_ac Bold" panose="020B0600000101010101" pitchFamily="50" charset="-127"/>
+                <a:ea typeface="나눔스퀘어_ac Bold" panose="020B0600000101010101" pitchFamily="50" charset="-127"/>
+              </a:rPr>
+              <a:t>나눔스퀘어</a:t>
+            </a:r>
+            <a:r>
+              <a:rPr lang="en-US" altLang="ko-KR" sz="2000" dirty="0">
+                <a:latin typeface="나눔스퀘어_ac Bold" panose="020B0600000101010101" pitchFamily="50" charset="-127"/>
+                <a:ea typeface="나눔스퀘어_ac Bold" panose="020B0600000101010101" pitchFamily="50" charset="-127"/>
+              </a:rPr>
+              <a:t>_ac Bold</a:t>
+            </a:r>
+            <a:endParaRPr lang="ko-KR" altLang="en-US" sz="2000" dirty="0">
+              <a:latin typeface="나눔스퀘어_ac Bold" panose="020B0600000101010101" pitchFamily="50" charset="-127"/>
+              <a:ea typeface="나눔스퀘어_ac Bold" panose="020B0600000101010101" pitchFamily="50" charset="-127"/>
+            </a:endParaRPr>
+          </a:p>
+        </p:txBody>
+      </p:sp>
+      <p:sp>
+        <p:nvSpPr>
+          <p:cNvPr id="6" name="나눔스퀘어_ac">
+            <a:extLst>
+              <a:ext uri="{FF2B5EF4-FFF2-40B4-BE49-F238E27FC236}">
+                <a16:creationId xmlns:a16="http://schemas.microsoft.com/office/drawing/2014/main" id="{DF8A1875-8751-4091-A91B-D82B26D7D57C}"/>
+              </a:ext>
+            </a:extLst>
+          </p:cNvPr>
+          <p:cNvSpPr txBox="1"/>
+          <p:nvPr/>
+        </p:nvSpPr>
+        <p:spPr>
+          <a:xfrm>
+            <a:off x="-3566884" y="3145062"/>
+            <a:ext cx="1677062" cy="400110"/>
+          </a:xfrm>
+          <a:prstGeom prst="rect">
+            <a:avLst/>
+          </a:prstGeom>
+          <a:noFill/>
+        </p:spPr>
+        <p:txBody>
+          <a:bodyPr wrap="none" rtlCol="0">
+            <a:spAutoFit/>
+          </a:bodyPr>
+          <a:lstStyle/>
+          <a:p>
+            <a:r>
+              <a:rPr lang="ko-KR" altLang="en-US" sz="2000" dirty="0">
+                <a:latin typeface="나눔스퀘어_ac" panose="020B0600000101010101" pitchFamily="50" charset="-127"/>
+                <a:ea typeface="나눔스퀘어_ac" panose="020B0600000101010101" pitchFamily="50" charset="-127"/>
+              </a:rPr>
+              <a:t>나눔스퀘어</a:t>
+            </a:r>
+            <a:r>
+              <a:rPr lang="en-US" altLang="ko-KR" sz="2000" dirty="0">
+                <a:latin typeface="나눔스퀘어_ac" panose="020B0600000101010101" pitchFamily="50" charset="-127"/>
+                <a:ea typeface="나눔스퀘어_ac" panose="020B0600000101010101" pitchFamily="50" charset="-127"/>
+              </a:rPr>
+              <a:t>_ac</a:t>
+            </a:r>
+            <a:endParaRPr lang="ko-KR" altLang="en-US" sz="2000" dirty="0">
+              <a:latin typeface="나눔스퀘어_ac" panose="020B0600000101010101" pitchFamily="50" charset="-127"/>
+              <a:ea typeface="나눔스퀘어_ac" panose="020B0600000101010101" pitchFamily="50" charset="-127"/>
+            </a:endParaRPr>
+          </a:p>
+        </p:txBody>
+      </p:sp>
+      <p:sp>
+        <p:nvSpPr>
+          <p:cNvPr id="7" name="나눔스퀘어 ExtraBold">
+            <a:extLst>
+              <a:ext uri="{FF2B5EF4-FFF2-40B4-BE49-F238E27FC236}">
+                <a16:creationId xmlns:a16="http://schemas.microsoft.com/office/drawing/2014/main" id="{E1606A48-C470-493D-ABE6-75D051BF23D5}"/>
+              </a:ext>
+            </a:extLst>
+          </p:cNvPr>
+          <p:cNvSpPr txBox="1"/>
+          <p:nvPr/>
+        </p:nvSpPr>
+        <p:spPr>
+          <a:xfrm>
+            <a:off x="-3566886" y="3767851"/>
+            <a:ext cx="2627085" cy="400110"/>
+          </a:xfrm>
+          <a:prstGeom prst="rect">
+            <a:avLst/>
+          </a:prstGeom>
+          <a:noFill/>
+        </p:spPr>
+        <p:txBody>
+          <a:bodyPr wrap="none" rtlCol="0">
+            <a:spAutoFit/>
+          </a:bodyPr>
+          <a:lstStyle/>
+          <a:p>
+            <a:r>
+              <a:rPr lang="ko-KR" altLang="en-US" sz="2000" dirty="0">
+                <a:latin typeface="나눔스퀘어_ac ExtraBold" panose="020B0600000101010101" pitchFamily="50" charset="-127"/>
+                <a:ea typeface="나눔스퀘어_ac ExtraBold" panose="020B0600000101010101" pitchFamily="50" charset="-127"/>
+              </a:rPr>
+              <a:t>나눔스퀘어</a:t>
+            </a:r>
+            <a:r>
+              <a:rPr lang="en-US" altLang="ko-KR" sz="2000" dirty="0">
+                <a:latin typeface="나눔스퀘어_ac ExtraBold" panose="020B0600000101010101" pitchFamily="50" charset="-127"/>
+                <a:ea typeface="나눔스퀘어_ac ExtraBold" panose="020B0600000101010101" pitchFamily="50" charset="-127"/>
+              </a:rPr>
+              <a:t> </a:t>
+            </a:r>
+            <a:r>
+              <a:rPr lang="en-US" altLang="ko-KR" sz="2000" dirty="0">
+                <a:latin typeface="나눔스퀘어 ExtraBold" panose="020B0600000101010101" pitchFamily="50" charset="-127"/>
+                <a:ea typeface="나눔스퀘어 ExtraBold" panose="020B0600000101010101" pitchFamily="50" charset="-127"/>
+              </a:rPr>
+              <a:t>ExtraBold</a:t>
+            </a:r>
+            <a:endParaRPr lang="ko-KR" altLang="en-US" sz="2000" dirty="0">
+              <a:latin typeface="나눔스퀘어 ExtraBold" panose="020B0600000101010101" pitchFamily="50" charset="-127"/>
+              <a:ea typeface="나눔스퀘어 ExtraBold" panose="020B0600000101010101" pitchFamily="50" charset="-127"/>
+            </a:endParaRPr>
+          </a:p>
+        </p:txBody>
+      </p:sp>
+      <p:sp>
+        <p:nvSpPr>
+          <p:cNvPr id="8" name="나눔스퀘어 Bold">
+            <a:extLst>
+              <a:ext uri="{FF2B5EF4-FFF2-40B4-BE49-F238E27FC236}">
+                <a16:creationId xmlns:a16="http://schemas.microsoft.com/office/drawing/2014/main" id="{4D51FFE8-A1EC-4D1E-9A48-233301D6C5F2}"/>
+              </a:ext>
+            </a:extLst>
+          </p:cNvPr>
+          <p:cNvSpPr txBox="1"/>
+          <p:nvPr/>
+        </p:nvSpPr>
+        <p:spPr>
+          <a:xfrm>
+            <a:off x="-3566885" y="4304880"/>
+            <a:ext cx="2017484" cy="400110"/>
+          </a:xfrm>
+          <a:prstGeom prst="rect">
+            <a:avLst/>
+          </a:prstGeom>
+          <a:noFill/>
+        </p:spPr>
+        <p:txBody>
+          <a:bodyPr wrap="none" rtlCol="0">
+            <a:spAutoFit/>
+          </a:bodyPr>
+          <a:lstStyle/>
+          <a:p>
+            <a:r>
+              <a:rPr lang="ko-KR" altLang="en-US" sz="2000" dirty="0">
+                <a:latin typeface="나눔스퀘어 Bold" panose="020B0600000101010101" pitchFamily="50" charset="-127"/>
+                <a:ea typeface="나눔스퀘어 Bold" panose="020B0600000101010101" pitchFamily="50" charset="-127"/>
+              </a:rPr>
+              <a:t>나눔스퀘어</a:t>
+            </a:r>
+            <a:r>
+              <a:rPr lang="en-US" altLang="ko-KR" sz="2000" dirty="0">
+                <a:latin typeface="나눔스퀘어 Bold" panose="020B0600000101010101" pitchFamily="50" charset="-127"/>
+                <a:ea typeface="나눔스퀘어 Bold" panose="020B0600000101010101" pitchFamily="50" charset="-127"/>
+              </a:rPr>
+              <a:t> Bold</a:t>
+            </a:r>
+            <a:endParaRPr lang="ko-KR" altLang="en-US" sz="2000" dirty="0">
+              <a:latin typeface="나눔스퀘어 Bold" panose="020B0600000101010101" pitchFamily="50" charset="-127"/>
+              <a:ea typeface="나눔스퀘어 Bold" panose="020B0600000101010101" pitchFamily="50" charset="-127"/>
+            </a:endParaRPr>
+          </a:p>
+        </p:txBody>
+      </p:sp>
+      <p:sp>
+        <p:nvSpPr>
+          <p:cNvPr id="9" name="나눔스퀘어">
+            <a:extLst>
+              <a:ext uri="{FF2B5EF4-FFF2-40B4-BE49-F238E27FC236}">
+                <a16:creationId xmlns:a16="http://schemas.microsoft.com/office/drawing/2014/main" id="{87D24177-A08E-48A7-9F4C-B93C7DB3C018}"/>
+              </a:ext>
+            </a:extLst>
+          </p:cNvPr>
+          <p:cNvSpPr txBox="1"/>
+          <p:nvPr/>
+        </p:nvSpPr>
+        <p:spPr>
+          <a:xfrm>
+            <a:off x="-3566885" y="4841909"/>
+            <a:ext cx="1393370" cy="400110"/>
+          </a:xfrm>
+          <a:prstGeom prst="rect">
+            <a:avLst/>
+          </a:prstGeom>
+          <a:noFill/>
+        </p:spPr>
+        <p:txBody>
+          <a:bodyPr wrap="none" rtlCol="0">
+            <a:spAutoFit/>
+          </a:bodyPr>
+          <a:lstStyle/>
+          <a:p>
+            <a:r>
+              <a:rPr lang="ko-KR" altLang="en-US" sz="2000" dirty="0">
+                <a:latin typeface="나눔스퀘어" panose="020B0600000101010101" pitchFamily="50" charset="-127"/>
+                <a:ea typeface="나눔스퀘어" panose="020B0600000101010101" pitchFamily="50" charset="-127"/>
+              </a:rPr>
+              <a:t>나눔스퀘어</a:t>
+            </a:r>
+          </a:p>
+        </p:txBody>
+      </p:sp>
+      <p:sp>
+        <p:nvSpPr>
+          <p:cNvPr id="10" name="나눔스퀘어 Light">
+            <a:extLst>
+              <a:ext uri="{FF2B5EF4-FFF2-40B4-BE49-F238E27FC236}">
+                <a16:creationId xmlns:a16="http://schemas.microsoft.com/office/drawing/2014/main" id="{7DA7939B-F3CB-4FD3-857D-4C90DFD6043F}"/>
+              </a:ext>
+            </a:extLst>
+          </p:cNvPr>
+          <p:cNvSpPr txBox="1"/>
+          <p:nvPr/>
+        </p:nvSpPr>
+        <p:spPr>
+          <a:xfrm>
+            <a:off x="-3566884" y="5652991"/>
+            <a:ext cx="1996059" cy="400110"/>
+          </a:xfrm>
+          <a:prstGeom prst="rect">
+            <a:avLst/>
+          </a:prstGeom>
+          <a:noFill/>
+        </p:spPr>
+        <p:txBody>
+          <a:bodyPr wrap="none" rtlCol="0">
+            <a:spAutoFit/>
+          </a:bodyPr>
+          <a:lstStyle/>
+          <a:p>
+            <a:r>
+              <a:rPr lang="ko-KR" altLang="en-US" sz="2000" dirty="0">
+                <a:latin typeface="나눔스퀘어 Light" panose="020B0600000101010101" pitchFamily="50" charset="-127"/>
+                <a:ea typeface="나눔스퀘어 Light" panose="020B0600000101010101" pitchFamily="50" charset="-127"/>
+              </a:rPr>
+              <a:t>나눔스퀘어 </a:t>
+            </a:r>
+            <a:r>
+              <a:rPr lang="en-US" altLang="ko-KR" sz="2000" dirty="0">
+                <a:latin typeface="나눔스퀘어 Light" panose="020B0600000101010101" pitchFamily="50" charset="-127"/>
+                <a:ea typeface="나눔스퀘어 Light" panose="020B0600000101010101" pitchFamily="50" charset="-127"/>
+              </a:rPr>
+              <a:t>Light</a:t>
+            </a:r>
+            <a:endParaRPr lang="ko-KR" altLang="en-US" sz="2000" dirty="0">
+              <a:latin typeface="나눔스퀘어 Light" panose="020B0600000101010101" pitchFamily="50" charset="-127"/>
+              <a:ea typeface="나눔스퀘어 Light" panose="020B0600000101010101" pitchFamily="50" charset="-127"/>
+            </a:endParaRPr>
+          </a:p>
+        </p:txBody>
+      </p:sp>
+      <p:sp>
+        <p:nvSpPr>
+          <p:cNvPr id="11" name="나눔스퀘어OTF">
+            <a:extLst>
+              <a:ext uri="{FF2B5EF4-FFF2-40B4-BE49-F238E27FC236}">
+                <a16:creationId xmlns:a16="http://schemas.microsoft.com/office/drawing/2014/main" id="{5B5D7877-451C-43A7-9219-1D7F862F6A0C}"/>
+              </a:ext>
+            </a:extLst>
+          </p:cNvPr>
+          <p:cNvSpPr txBox="1"/>
+          <p:nvPr/>
+        </p:nvSpPr>
+        <p:spPr>
+          <a:xfrm>
+            <a:off x="-3566886" y="1333920"/>
+            <a:ext cx="1818831" cy="400110"/>
+          </a:xfrm>
+          <a:prstGeom prst="rect">
+            <a:avLst/>
+          </a:prstGeom>
+          <a:noFill/>
+        </p:spPr>
+        <p:txBody>
+          <a:bodyPr wrap="none" rtlCol="0">
+            <a:spAutoFit/>
+          </a:bodyPr>
+          <a:lstStyle/>
+          <a:p>
+            <a:r>
+              <a:rPr lang="ko-KR" altLang="en-US" sz="2000" dirty="0">
+                <a:latin typeface="나눔스퀘어OTF" panose="020B0600000101010101" pitchFamily="34" charset="-127"/>
+                <a:ea typeface="나눔스퀘어OTF" panose="020B0600000101010101" pitchFamily="34" charset="-127"/>
+              </a:rPr>
+              <a:t>나눔스퀘어</a:t>
+            </a:r>
+            <a:r>
+              <a:rPr lang="en-US" altLang="ko-KR" sz="2000" dirty="0">
+                <a:latin typeface="나눔스퀘어OTF" panose="020B0600000101010101" pitchFamily="34" charset="-127"/>
+                <a:ea typeface="나눔스퀘어OTF" panose="020B0600000101010101" pitchFamily="34" charset="-127"/>
+              </a:rPr>
+              <a:t>OTF</a:t>
+            </a:r>
+            <a:endParaRPr lang="ko-KR" altLang="en-US" sz="2000" dirty="0">
+              <a:latin typeface="나눔스퀘어OTF" panose="020B0600000101010101" pitchFamily="34" charset="-127"/>
+              <a:ea typeface="나눔스퀘어OTF" panose="020B0600000101010101" pitchFamily="34" charset="-127"/>
+            </a:endParaRPr>
+          </a:p>
+        </p:txBody>
+      </p:sp>
+      <p:sp>
+        <p:nvSpPr>
+          <p:cNvPr id="12" name="나눔스퀘어OTF Bold">
+            <a:extLst>
+              <a:ext uri="{FF2B5EF4-FFF2-40B4-BE49-F238E27FC236}">
+                <a16:creationId xmlns:a16="http://schemas.microsoft.com/office/drawing/2014/main" id="{49C5ED60-54CC-4075-B763-ED40BBA3CC98}"/>
+              </a:ext>
+            </a:extLst>
+          </p:cNvPr>
+          <p:cNvSpPr txBox="1"/>
+          <p:nvPr/>
+        </p:nvSpPr>
+        <p:spPr>
+          <a:xfrm>
+            <a:off x="408216" y="274654"/>
+            <a:ext cx="2178802" cy="707886"/>
+          </a:xfrm>
+          <a:prstGeom prst="rect">
+            <a:avLst/>
+          </a:prstGeom>
+          <a:noFill/>
+        </p:spPr>
+        <p:txBody>
+          <a:bodyPr wrap="none" rtlCol="0">
+            <a:spAutoFit/>
+          </a:bodyPr>
+          <a:lstStyle/>
+          <a:p>
+            <a:r>
+              <a:rPr lang="ko-KR" altLang="en-US" sz="4000" dirty="0">
+                <a:latin typeface="나눔스퀘어OTF ExtraBold" panose="020B0600000101010101" pitchFamily="34" charset="-127"/>
+                <a:ea typeface="나눔스퀘어OTF ExtraBold" panose="020B0600000101010101" pitchFamily="34" charset="-127"/>
+              </a:rPr>
+              <a:t>실행 화면</a:t>
+            </a:r>
+          </a:p>
+        </p:txBody>
+      </p:sp>
+      <p:sp>
+        <p:nvSpPr>
+          <p:cNvPr id="25" name="나눔스퀘어OTF">
+            <a:extLst>
+              <a:ext uri="{FF2B5EF4-FFF2-40B4-BE49-F238E27FC236}">
+                <a16:creationId xmlns:a16="http://schemas.microsoft.com/office/drawing/2014/main" id="{ABD2ABAC-1870-4805-8BAE-F56D8D96B5E0}"/>
+              </a:ext>
+            </a:extLst>
+          </p:cNvPr>
+          <p:cNvSpPr txBox="1"/>
+          <p:nvPr/>
+        </p:nvSpPr>
+        <p:spPr>
+          <a:xfrm>
+            <a:off x="4757332" y="5572222"/>
+            <a:ext cx="2677336" cy="646331"/>
+          </a:xfrm>
+          <a:prstGeom prst="rect">
+            <a:avLst/>
+          </a:prstGeom>
+          <a:noFill/>
+        </p:spPr>
+        <p:txBody>
+          <a:bodyPr wrap="none" rtlCol="0">
+            <a:spAutoFit/>
+          </a:bodyPr>
+          <a:lstStyle/>
+          <a:p>
+            <a:r>
+              <a:rPr lang="ko-KR" altLang="en-US" sz="3600" dirty="0">
+                <a:latin typeface="나눔스퀘어OTF" panose="020B0600000101010101" pitchFamily="34" charset="-127"/>
+                <a:ea typeface="나눔스퀘어OTF" panose="020B0600000101010101" pitchFamily="34" charset="-127"/>
+              </a:rPr>
+              <a:t>클라이언트 </a:t>
+            </a:r>
+            <a:r>
+              <a:rPr lang="en-US" altLang="ko-KR" sz="3600" dirty="0">
+                <a:latin typeface="나눔스퀘어OTF" panose="020B0600000101010101" pitchFamily="34" charset="-127"/>
+                <a:ea typeface="나눔스퀘어OTF" panose="020B0600000101010101" pitchFamily="34" charset="-127"/>
+              </a:rPr>
+              <a:t>2</a:t>
+            </a:r>
+            <a:endParaRPr lang="ko-KR" altLang="en-US" sz="3600" dirty="0">
+              <a:latin typeface="나눔스퀘어OTF" panose="020B0600000101010101" pitchFamily="34" charset="-127"/>
+              <a:ea typeface="나눔스퀘어OTF" panose="020B0600000101010101" pitchFamily="34" charset="-127"/>
+            </a:endParaRPr>
+          </a:p>
+        </p:txBody>
+      </p:sp>
+      <p:pic>
+        <p:nvPicPr>
+          <p:cNvPr id="15" name="그림 14">
+            <a:extLst>
+              <a:ext uri="{FF2B5EF4-FFF2-40B4-BE49-F238E27FC236}">
+                <a16:creationId xmlns:a16="http://schemas.microsoft.com/office/drawing/2014/main" id="{165F91DA-BB3B-4F47-B0AD-EAD864F37D42}"/>
+              </a:ext>
+            </a:extLst>
+          </p:cNvPr>
+          <p:cNvPicPr>
+            <a:picLocks noChangeAspect="1"/>
+          </p:cNvPicPr>
+          <p:nvPr/>
+        </p:nvPicPr>
+        <p:blipFill rotWithShape="1">
+          <a:blip r:embed="rId2"/>
+          <a:srcRect r="33523" b="51154"/>
+          <a:stretch/>
+        </p:blipFill>
+        <p:spPr>
+          <a:xfrm>
+            <a:off x="506252" y="1232320"/>
+            <a:ext cx="9679299" cy="3719500"/>
+          </a:xfrm>
+          <a:prstGeom prst="rect">
+            <a:avLst/>
+          </a:prstGeom>
+        </p:spPr>
+      </p:pic>
+      <p:sp>
+        <p:nvSpPr>
+          <p:cNvPr id="18" name="직사각형 17">
+            <a:extLst>
+              <a:ext uri="{FF2B5EF4-FFF2-40B4-BE49-F238E27FC236}">
+                <a16:creationId xmlns:a16="http://schemas.microsoft.com/office/drawing/2014/main" id="{C63F9D0C-DE7D-49AD-A4BC-C32392DC0DBC}"/>
+              </a:ext>
+            </a:extLst>
+          </p:cNvPr>
+          <p:cNvSpPr/>
+          <p:nvPr/>
+        </p:nvSpPr>
+        <p:spPr>
+          <a:xfrm>
+            <a:off x="410831" y="1723509"/>
+            <a:ext cx="9862669" cy="762000"/>
+          </a:xfrm>
+          <a:prstGeom prst="rect">
+            <a:avLst/>
+          </a:prstGeom>
+          <a:noFill/>
+          <a:ln w="38100">
+            <a:solidFill>
+              <a:srgbClr val="FF0000"/>
+            </a:solidFill>
+          </a:ln>
+        </p:spPr>
+        <p:style>
+          <a:lnRef idx="2">
+            <a:schemeClr val="accent1">
+              <a:shade val="50000"/>
+            </a:schemeClr>
+          </a:lnRef>
+          <a:fillRef idx="1">
+            <a:schemeClr val="accent1"/>
+          </a:fillRef>
+          <a:effectRef idx="0">
+            <a:schemeClr val="accent1"/>
+          </a:effectRef>
+          <a:fontRef idx="minor">
+            <a:schemeClr val="lt1"/>
+          </a:fontRef>
+        </p:style>
+        <p:txBody>
+          <a:bodyPr rtlCol="0" anchor="ctr"/>
+          <a:lstStyle/>
+          <a:p>
+            <a:pPr algn="ctr"/>
+            <a:endParaRPr lang="ko-KR" altLang="en-US"/>
+          </a:p>
+        </p:txBody>
+      </p:sp>
+      <p:sp>
+        <p:nvSpPr>
+          <p:cNvPr id="19" name="나눔스퀘어OTF">
+            <a:extLst>
+              <a:ext uri="{FF2B5EF4-FFF2-40B4-BE49-F238E27FC236}">
+                <a16:creationId xmlns:a16="http://schemas.microsoft.com/office/drawing/2014/main" id="{FFFF9A32-7745-4B3C-813B-887BB47E38C6}"/>
+              </a:ext>
+            </a:extLst>
+          </p:cNvPr>
+          <p:cNvSpPr txBox="1"/>
+          <p:nvPr/>
+        </p:nvSpPr>
+        <p:spPr>
+          <a:xfrm>
+            <a:off x="10275928" y="1904454"/>
+            <a:ext cx="1887055" cy="400110"/>
+          </a:xfrm>
+          <a:prstGeom prst="rect">
+            <a:avLst/>
+          </a:prstGeom>
+          <a:noFill/>
+        </p:spPr>
+        <p:txBody>
+          <a:bodyPr wrap="none" rtlCol="0">
+            <a:spAutoFit/>
+          </a:bodyPr>
+          <a:lstStyle/>
+          <a:p>
+            <a:r>
+              <a:rPr lang="ko-KR" altLang="en-US" sz="2000" dirty="0">
+                <a:solidFill>
+                  <a:srgbClr val="FF0000"/>
+                </a:solidFill>
+                <a:latin typeface="나눔스퀘어OTF" panose="020B0600000101010101" pitchFamily="34" charset="-127"/>
+                <a:ea typeface="나눔스퀘어OTF" panose="020B0600000101010101" pitchFamily="34" charset="-127"/>
+              </a:rPr>
+              <a:t>클라이언트 정보</a:t>
+            </a:r>
+          </a:p>
+        </p:txBody>
+      </p:sp>
+      <p:sp>
+        <p:nvSpPr>
+          <p:cNvPr id="20" name="직사각형 19">
+            <a:extLst>
+              <a:ext uri="{FF2B5EF4-FFF2-40B4-BE49-F238E27FC236}">
+                <a16:creationId xmlns:a16="http://schemas.microsoft.com/office/drawing/2014/main" id="{ED144012-BCC9-4068-95FF-2F38ACF8718D}"/>
+              </a:ext>
+            </a:extLst>
+          </p:cNvPr>
+          <p:cNvSpPr/>
+          <p:nvPr/>
+        </p:nvSpPr>
+        <p:spPr>
+          <a:xfrm>
+            <a:off x="408216" y="2492311"/>
+            <a:ext cx="9862669" cy="508329"/>
+          </a:xfrm>
+          <a:prstGeom prst="rect">
+            <a:avLst/>
+          </a:prstGeom>
+          <a:noFill/>
+          <a:ln w="38100">
+            <a:solidFill>
+              <a:srgbClr val="FF0000"/>
+            </a:solidFill>
+          </a:ln>
+        </p:spPr>
+        <p:style>
+          <a:lnRef idx="2">
+            <a:schemeClr val="accent1">
+              <a:shade val="50000"/>
+            </a:schemeClr>
+          </a:lnRef>
+          <a:fillRef idx="1">
+            <a:schemeClr val="accent1"/>
+          </a:fillRef>
+          <a:effectRef idx="0">
+            <a:schemeClr val="accent1"/>
+          </a:effectRef>
+          <a:fontRef idx="minor">
+            <a:schemeClr val="lt1"/>
+          </a:fontRef>
+        </p:style>
+        <p:txBody>
+          <a:bodyPr rtlCol="0" anchor="ctr"/>
+          <a:lstStyle/>
+          <a:p>
+            <a:pPr algn="ctr"/>
+            <a:endParaRPr lang="ko-KR" altLang="en-US">
+              <a:solidFill>
+                <a:srgbClr val="00B050"/>
+              </a:solidFill>
+            </a:endParaRPr>
+          </a:p>
+        </p:txBody>
+      </p:sp>
+      <p:sp>
+        <p:nvSpPr>
+          <p:cNvPr id="21" name="나눔스퀘어OTF">
+            <a:extLst>
+              <a:ext uri="{FF2B5EF4-FFF2-40B4-BE49-F238E27FC236}">
+                <a16:creationId xmlns:a16="http://schemas.microsoft.com/office/drawing/2014/main" id="{40AB4F7F-A4FD-46E4-8596-45D2FAC536E9}"/>
+              </a:ext>
+            </a:extLst>
+          </p:cNvPr>
+          <p:cNvSpPr txBox="1"/>
+          <p:nvPr/>
+        </p:nvSpPr>
+        <p:spPr>
+          <a:xfrm>
+            <a:off x="10275928" y="2546420"/>
+            <a:ext cx="886781" cy="400110"/>
+          </a:xfrm>
+          <a:prstGeom prst="rect">
+            <a:avLst/>
+          </a:prstGeom>
+          <a:noFill/>
+        </p:spPr>
+        <p:txBody>
+          <a:bodyPr wrap="none" rtlCol="0">
+            <a:spAutoFit/>
+          </a:bodyPr>
+          <a:lstStyle/>
+          <a:p>
+            <a:r>
+              <a:rPr lang="ko-KR" altLang="en-US" sz="2000" dirty="0" err="1">
+                <a:solidFill>
+                  <a:srgbClr val="FF0000"/>
+                </a:solidFill>
+                <a:latin typeface="나눔스퀘어OTF" panose="020B0600000101010101" pitchFamily="34" charset="-127"/>
+                <a:ea typeface="나눔스퀘어OTF" panose="020B0600000101010101" pitchFamily="34" charset="-127"/>
+              </a:rPr>
+              <a:t>입력창</a:t>
+            </a:r>
+            <a:endParaRPr lang="ko-KR" altLang="en-US" sz="2000" dirty="0">
+              <a:solidFill>
+                <a:srgbClr val="FF0000"/>
+              </a:solidFill>
+              <a:latin typeface="나눔스퀘어OTF" panose="020B0600000101010101" pitchFamily="34" charset="-127"/>
+              <a:ea typeface="나눔스퀘어OTF" panose="020B0600000101010101" pitchFamily="34" charset="-127"/>
+            </a:endParaRPr>
+          </a:p>
+        </p:txBody>
+      </p:sp>
+      <p:sp>
+        <p:nvSpPr>
+          <p:cNvPr id="22" name="직사각형 21">
+            <a:extLst>
+              <a:ext uri="{FF2B5EF4-FFF2-40B4-BE49-F238E27FC236}">
+                <a16:creationId xmlns:a16="http://schemas.microsoft.com/office/drawing/2014/main" id="{028002D6-6911-47F5-97D7-1004B64C5046}"/>
+              </a:ext>
+            </a:extLst>
+          </p:cNvPr>
+          <p:cNvSpPr/>
+          <p:nvPr/>
+        </p:nvSpPr>
+        <p:spPr>
+          <a:xfrm>
+            <a:off x="408216" y="3006318"/>
+            <a:ext cx="9862669" cy="1864124"/>
+          </a:xfrm>
+          <a:prstGeom prst="rect">
+            <a:avLst/>
+          </a:prstGeom>
+          <a:noFill/>
+          <a:ln w="38100">
+            <a:solidFill>
+              <a:srgbClr val="FF0000"/>
+            </a:solidFill>
+          </a:ln>
+        </p:spPr>
+        <p:style>
+          <a:lnRef idx="2">
+            <a:schemeClr val="accent1">
+              <a:shade val="50000"/>
+            </a:schemeClr>
+          </a:lnRef>
+          <a:fillRef idx="1">
+            <a:schemeClr val="accent1"/>
+          </a:fillRef>
+          <a:effectRef idx="0">
+            <a:schemeClr val="accent1"/>
+          </a:effectRef>
+          <a:fontRef idx="minor">
+            <a:schemeClr val="lt1"/>
+          </a:fontRef>
+        </p:style>
+        <p:txBody>
+          <a:bodyPr rtlCol="0" anchor="ctr"/>
+          <a:lstStyle/>
+          <a:p>
+            <a:pPr algn="ctr"/>
+            <a:endParaRPr lang="ko-KR" altLang="en-US">
+              <a:solidFill>
+                <a:srgbClr val="00B050"/>
+              </a:solidFill>
+            </a:endParaRPr>
+          </a:p>
+        </p:txBody>
+      </p:sp>
+      <p:sp>
+        <p:nvSpPr>
+          <p:cNvPr id="23" name="나눔스퀘어OTF">
+            <a:extLst>
+              <a:ext uri="{FF2B5EF4-FFF2-40B4-BE49-F238E27FC236}">
+                <a16:creationId xmlns:a16="http://schemas.microsoft.com/office/drawing/2014/main" id="{0321ECFE-D7AE-4AF5-8DB8-27333312CC2F}"/>
+              </a:ext>
+            </a:extLst>
+          </p:cNvPr>
+          <p:cNvSpPr txBox="1"/>
+          <p:nvPr/>
+        </p:nvSpPr>
+        <p:spPr>
+          <a:xfrm>
+            <a:off x="10275928" y="3676770"/>
+            <a:ext cx="1582484" cy="523220"/>
+          </a:xfrm>
+          <a:prstGeom prst="rect">
+            <a:avLst/>
+          </a:prstGeom>
+          <a:noFill/>
+        </p:spPr>
+        <p:txBody>
+          <a:bodyPr wrap="none" rtlCol="0">
+            <a:spAutoFit/>
+          </a:bodyPr>
+          <a:lstStyle/>
+          <a:p>
+            <a:r>
+              <a:rPr lang="ko-KR" altLang="en-US" sz="2800" dirty="0">
+                <a:solidFill>
+                  <a:srgbClr val="FF0000"/>
+                </a:solidFill>
+                <a:latin typeface="나눔스퀘어OTF" panose="020B0600000101010101" pitchFamily="34" charset="-127"/>
+                <a:ea typeface="나눔스퀘어OTF" panose="020B0600000101010101" pitchFamily="34" charset="-127"/>
+              </a:rPr>
+              <a:t>채팅 목록</a:t>
+            </a:r>
+          </a:p>
+        </p:txBody>
+      </p:sp>
+    </p:spTree>
+    <p:extLst>
+      <p:ext uri="{BB962C8B-B14F-4D97-AF65-F5344CB8AC3E}">
+        <p14:creationId xmlns:p14="http://schemas.microsoft.com/office/powerpoint/2010/main" val="2823986216"/>
+      </p:ext>
+    </p:extLst>
+  </p:cSld>
+  <p:clrMapOvr>
+    <a:masterClrMapping/>
+  </p:clrMapOvr>
+</p:sld>
+</file>
+
+<file path=ppt/slides/slide7.xml><?xml version="1.0" encoding="utf-8"?>
+<p:sld xmlns:a="http://schemas.openxmlformats.org/drawingml/2006/main" xmlns:r="http://schemas.openxmlformats.org/officeDocument/2006/relationships" xmlns:p="http://schemas.openxmlformats.org/presentationml/2006/main">
+  <p:cSld>
+    <p:spTree>
+      <p:nvGrpSpPr>
+        <p:cNvPr id="1" name=""/>
+        <p:cNvGrpSpPr/>
+        <p:nvPr/>
+      </p:nvGrpSpPr>
+      <p:grpSpPr>
+        <a:xfrm>
+          <a:off x="0" y="0"/>
+          <a:ext cx="0" cy="0"/>
+          <a:chOff x="0" y="0"/>
+          <a:chExt cx="0" cy="0"/>
+        </a:xfrm>
+      </p:grpSpPr>
+      <p:sp>
+        <p:nvSpPr>
+          <p:cNvPr id="2" name="나눔스퀘어OTF ExtraBold">
+            <a:extLst>
+              <a:ext uri="{FF2B5EF4-FFF2-40B4-BE49-F238E27FC236}">
+                <a16:creationId xmlns:a16="http://schemas.microsoft.com/office/drawing/2014/main" id="{2906FC37-354C-4CE9-97D9-D6C5475FE3D7}"/>
+              </a:ext>
+            </a:extLst>
+          </p:cNvPr>
+          <p:cNvSpPr txBox="1"/>
+          <p:nvPr/>
+        </p:nvSpPr>
+        <p:spPr>
+          <a:xfrm>
+            <a:off x="-3566885" y="428542"/>
+            <a:ext cx="3111621" cy="400110"/>
+          </a:xfrm>
+          <a:prstGeom prst="rect">
+            <a:avLst/>
+          </a:prstGeom>
+          <a:noFill/>
+        </p:spPr>
+        <p:txBody>
+          <a:bodyPr wrap="none" rtlCol="0">
+            <a:spAutoFit/>
+          </a:bodyPr>
+          <a:lstStyle/>
+          <a:p>
+            <a:r>
+              <a:rPr lang="ko-KR" altLang="en-US" sz="2000" dirty="0">
+                <a:latin typeface="나눔스퀘어OTF ExtraBold" panose="020B0600000101010101" pitchFamily="34" charset="-127"/>
+                <a:ea typeface="나눔스퀘어OTF ExtraBold" panose="020B0600000101010101" pitchFamily="34" charset="-127"/>
+              </a:rPr>
+              <a:t>나눔스퀘어</a:t>
+            </a:r>
+            <a:r>
+              <a:rPr lang="en-US" altLang="ko-KR" sz="2000" dirty="0">
+                <a:latin typeface="나눔스퀘어OTF ExtraBold" panose="020B0600000101010101" pitchFamily="34" charset="-127"/>
+                <a:ea typeface="나눔스퀘어OTF ExtraBold" panose="020B0600000101010101" pitchFamily="34" charset="-127"/>
+              </a:rPr>
+              <a:t>OTF ExtraBold</a:t>
+            </a:r>
+            <a:endParaRPr lang="ko-KR" altLang="en-US" sz="2000" dirty="0">
+              <a:latin typeface="나눔스퀘어OTF ExtraBold" panose="020B0600000101010101" pitchFamily="34" charset="-127"/>
+              <a:ea typeface="나눔스퀘어OTF ExtraBold" panose="020B0600000101010101" pitchFamily="34" charset="-127"/>
+            </a:endParaRPr>
+          </a:p>
+        </p:txBody>
+      </p:sp>
+      <p:sp>
+        <p:nvSpPr>
+          <p:cNvPr id="3" name="나눔스퀘어OTF Bold">
+            <a:extLst>
+              <a:ext uri="{FF2B5EF4-FFF2-40B4-BE49-F238E27FC236}">
+                <a16:creationId xmlns:a16="http://schemas.microsoft.com/office/drawing/2014/main" id="{4B823813-B108-48C1-9C91-92A968F0C837}"/>
+              </a:ext>
+            </a:extLst>
+          </p:cNvPr>
+          <p:cNvSpPr txBox="1"/>
+          <p:nvPr/>
+        </p:nvSpPr>
+        <p:spPr>
+          <a:xfrm>
+            <a:off x="-3566884" y="851276"/>
+            <a:ext cx="2452914" cy="400110"/>
+          </a:xfrm>
+          <a:prstGeom prst="rect">
+            <a:avLst/>
+          </a:prstGeom>
+          <a:noFill/>
+        </p:spPr>
+        <p:txBody>
+          <a:bodyPr wrap="none" rtlCol="0">
+            <a:spAutoFit/>
+          </a:bodyPr>
+          <a:lstStyle/>
+          <a:p>
+            <a:r>
+              <a:rPr lang="ko-KR" altLang="en-US" sz="2000" dirty="0">
+                <a:latin typeface="나눔스퀘어OTF Bold" panose="020B0600000101010101" pitchFamily="34" charset="-127"/>
+                <a:ea typeface="나눔스퀘어OTF Bold" panose="020B0600000101010101" pitchFamily="34" charset="-127"/>
+              </a:rPr>
+              <a:t>나눔스퀘어</a:t>
+            </a:r>
+            <a:r>
+              <a:rPr lang="en-US" altLang="ko-KR" sz="2000" dirty="0">
+                <a:latin typeface="나눔스퀘어OTF Bold" panose="020B0600000101010101" pitchFamily="34" charset="-127"/>
+                <a:ea typeface="나눔스퀘어OTF Bold" panose="020B0600000101010101" pitchFamily="34" charset="-127"/>
+              </a:rPr>
+              <a:t>OTF Bold</a:t>
+            </a:r>
+            <a:endParaRPr lang="ko-KR" altLang="en-US" sz="2000" dirty="0">
+              <a:latin typeface="나눔스퀘어OTF Bold" panose="020B0600000101010101" pitchFamily="34" charset="-127"/>
+              <a:ea typeface="나눔스퀘어OTF Bold" panose="020B0600000101010101" pitchFamily="34" charset="-127"/>
+            </a:endParaRPr>
+          </a:p>
+        </p:txBody>
+      </p:sp>
+      <p:sp>
+        <p:nvSpPr>
+          <p:cNvPr id="4" name="나눔스퀘어_ac ExtraBold">
+            <a:extLst>
+              <a:ext uri="{FF2B5EF4-FFF2-40B4-BE49-F238E27FC236}">
+                <a16:creationId xmlns:a16="http://schemas.microsoft.com/office/drawing/2014/main" id="{6F568C0E-9C9E-47D1-B6F0-EC93EF14A55A}"/>
+              </a:ext>
+            </a:extLst>
+          </p:cNvPr>
+          <p:cNvSpPr txBox="1"/>
+          <p:nvPr/>
+        </p:nvSpPr>
+        <p:spPr>
+          <a:xfrm>
+            <a:off x="-3566885" y="2071004"/>
+            <a:ext cx="2985433" cy="400110"/>
+          </a:xfrm>
+          <a:prstGeom prst="rect">
+            <a:avLst/>
+          </a:prstGeom>
+          <a:noFill/>
+        </p:spPr>
+        <p:txBody>
+          <a:bodyPr wrap="none" rtlCol="0">
+            <a:spAutoFit/>
+          </a:bodyPr>
+          <a:lstStyle/>
+          <a:p>
+            <a:r>
+              <a:rPr lang="ko-KR" altLang="en-US" sz="2000" dirty="0">
+                <a:latin typeface="나눔스퀘어_ac ExtraBold" panose="020B0600000101010101" pitchFamily="50" charset="-127"/>
+                <a:ea typeface="나눔스퀘어_ac ExtraBold" panose="020B0600000101010101" pitchFamily="50" charset="-127"/>
+              </a:rPr>
+              <a:t>나눔스퀘어</a:t>
+            </a:r>
+            <a:r>
+              <a:rPr lang="en-US" altLang="ko-KR" sz="2000" dirty="0">
+                <a:latin typeface="나눔스퀘어_ac ExtraBold" panose="020B0600000101010101" pitchFamily="50" charset="-127"/>
+                <a:ea typeface="나눔스퀘어_ac ExtraBold" panose="020B0600000101010101" pitchFamily="50" charset="-127"/>
+              </a:rPr>
+              <a:t>_ac ExtraBold</a:t>
+            </a:r>
+            <a:endParaRPr lang="ko-KR" altLang="en-US" sz="2000" dirty="0">
+              <a:latin typeface="나눔스퀘어_ac ExtraBold" panose="020B0600000101010101" pitchFamily="50" charset="-127"/>
+              <a:ea typeface="나눔스퀘어_ac ExtraBold" panose="020B0600000101010101" pitchFamily="50" charset="-127"/>
+            </a:endParaRPr>
+          </a:p>
+        </p:txBody>
+      </p:sp>
+      <p:sp>
+        <p:nvSpPr>
+          <p:cNvPr id="5" name="나눔스퀘어_ac Bold">
+            <a:extLst>
+              <a:ext uri="{FF2B5EF4-FFF2-40B4-BE49-F238E27FC236}">
+                <a16:creationId xmlns:a16="http://schemas.microsoft.com/office/drawing/2014/main" id="{E3F5CA89-BF2D-466A-AA86-E694879F169D}"/>
+              </a:ext>
+            </a:extLst>
+          </p:cNvPr>
+          <p:cNvSpPr txBox="1"/>
+          <p:nvPr/>
+        </p:nvSpPr>
+        <p:spPr>
+          <a:xfrm>
+            <a:off x="-3566884" y="2608033"/>
+            <a:ext cx="2322284" cy="400110"/>
+          </a:xfrm>
+          <a:prstGeom prst="rect">
+            <a:avLst/>
+          </a:prstGeom>
+          <a:noFill/>
+        </p:spPr>
+        <p:txBody>
+          <a:bodyPr wrap="none" rtlCol="0">
+            <a:spAutoFit/>
+          </a:bodyPr>
+          <a:lstStyle/>
+          <a:p>
+            <a:r>
+              <a:rPr lang="ko-KR" altLang="en-US" sz="2000" dirty="0">
+                <a:latin typeface="나눔스퀘어_ac Bold" panose="020B0600000101010101" pitchFamily="50" charset="-127"/>
+                <a:ea typeface="나눔스퀘어_ac Bold" panose="020B0600000101010101" pitchFamily="50" charset="-127"/>
+              </a:rPr>
+              <a:t>나눔스퀘어</a:t>
+            </a:r>
+            <a:r>
+              <a:rPr lang="en-US" altLang="ko-KR" sz="2000" dirty="0">
+                <a:latin typeface="나눔스퀘어_ac Bold" panose="020B0600000101010101" pitchFamily="50" charset="-127"/>
+                <a:ea typeface="나눔스퀘어_ac Bold" panose="020B0600000101010101" pitchFamily="50" charset="-127"/>
+              </a:rPr>
+              <a:t>_ac Bold</a:t>
+            </a:r>
+            <a:endParaRPr lang="ko-KR" altLang="en-US" sz="2000" dirty="0">
+              <a:latin typeface="나눔스퀘어_ac Bold" panose="020B0600000101010101" pitchFamily="50" charset="-127"/>
+              <a:ea typeface="나눔스퀘어_ac Bold" panose="020B0600000101010101" pitchFamily="50" charset="-127"/>
+            </a:endParaRPr>
+          </a:p>
+        </p:txBody>
+      </p:sp>
+      <p:sp>
+        <p:nvSpPr>
+          <p:cNvPr id="6" name="나눔스퀘어_ac">
+            <a:extLst>
+              <a:ext uri="{FF2B5EF4-FFF2-40B4-BE49-F238E27FC236}">
+                <a16:creationId xmlns:a16="http://schemas.microsoft.com/office/drawing/2014/main" id="{DF8A1875-8751-4091-A91B-D82B26D7D57C}"/>
+              </a:ext>
+            </a:extLst>
+          </p:cNvPr>
+          <p:cNvSpPr txBox="1"/>
+          <p:nvPr/>
+        </p:nvSpPr>
+        <p:spPr>
+          <a:xfrm>
+            <a:off x="-3566884" y="3145062"/>
+            <a:ext cx="1677062" cy="400110"/>
+          </a:xfrm>
+          <a:prstGeom prst="rect">
+            <a:avLst/>
+          </a:prstGeom>
+          <a:noFill/>
+        </p:spPr>
+        <p:txBody>
+          <a:bodyPr wrap="none" rtlCol="0">
+            <a:spAutoFit/>
+          </a:bodyPr>
+          <a:lstStyle/>
+          <a:p>
+            <a:r>
+              <a:rPr lang="ko-KR" altLang="en-US" sz="2000" dirty="0">
+                <a:latin typeface="나눔스퀘어_ac" panose="020B0600000101010101" pitchFamily="50" charset="-127"/>
+                <a:ea typeface="나눔스퀘어_ac" panose="020B0600000101010101" pitchFamily="50" charset="-127"/>
+              </a:rPr>
+              <a:t>나눔스퀘어</a:t>
+            </a:r>
+            <a:r>
+              <a:rPr lang="en-US" altLang="ko-KR" sz="2000" dirty="0">
+                <a:latin typeface="나눔스퀘어_ac" panose="020B0600000101010101" pitchFamily="50" charset="-127"/>
+                <a:ea typeface="나눔스퀘어_ac" panose="020B0600000101010101" pitchFamily="50" charset="-127"/>
+              </a:rPr>
+              <a:t>_ac</a:t>
+            </a:r>
+            <a:endParaRPr lang="ko-KR" altLang="en-US" sz="2000" dirty="0">
+              <a:latin typeface="나눔스퀘어_ac" panose="020B0600000101010101" pitchFamily="50" charset="-127"/>
+              <a:ea typeface="나눔스퀘어_ac" panose="020B0600000101010101" pitchFamily="50" charset="-127"/>
+            </a:endParaRPr>
+          </a:p>
+        </p:txBody>
+      </p:sp>
+      <p:sp>
+        <p:nvSpPr>
+          <p:cNvPr id="7" name="나눔스퀘어 ExtraBold">
+            <a:extLst>
+              <a:ext uri="{FF2B5EF4-FFF2-40B4-BE49-F238E27FC236}">
+                <a16:creationId xmlns:a16="http://schemas.microsoft.com/office/drawing/2014/main" id="{E1606A48-C470-493D-ABE6-75D051BF23D5}"/>
+              </a:ext>
+            </a:extLst>
+          </p:cNvPr>
+          <p:cNvSpPr txBox="1"/>
+          <p:nvPr/>
+        </p:nvSpPr>
+        <p:spPr>
+          <a:xfrm>
+            <a:off x="-3566886" y="3767851"/>
+            <a:ext cx="2627085" cy="400110"/>
+          </a:xfrm>
+          <a:prstGeom prst="rect">
+            <a:avLst/>
+          </a:prstGeom>
+          <a:noFill/>
+        </p:spPr>
+        <p:txBody>
+          <a:bodyPr wrap="none" rtlCol="0">
+            <a:spAutoFit/>
+          </a:bodyPr>
+          <a:lstStyle/>
+          <a:p>
+            <a:r>
+              <a:rPr lang="ko-KR" altLang="en-US" sz="2000" dirty="0">
+                <a:latin typeface="나눔스퀘어_ac ExtraBold" panose="020B0600000101010101" pitchFamily="50" charset="-127"/>
+                <a:ea typeface="나눔스퀘어_ac ExtraBold" panose="020B0600000101010101" pitchFamily="50" charset="-127"/>
+              </a:rPr>
+              <a:t>나눔스퀘어</a:t>
+            </a:r>
+            <a:r>
+              <a:rPr lang="en-US" altLang="ko-KR" sz="2000" dirty="0">
+                <a:latin typeface="나눔스퀘어_ac ExtraBold" panose="020B0600000101010101" pitchFamily="50" charset="-127"/>
+                <a:ea typeface="나눔스퀘어_ac ExtraBold" panose="020B0600000101010101" pitchFamily="50" charset="-127"/>
+              </a:rPr>
+              <a:t> </a:t>
+            </a:r>
+            <a:r>
+              <a:rPr lang="en-US" altLang="ko-KR" sz="2000" dirty="0">
+                <a:latin typeface="나눔스퀘어 ExtraBold" panose="020B0600000101010101" pitchFamily="50" charset="-127"/>
+                <a:ea typeface="나눔스퀘어 ExtraBold" panose="020B0600000101010101" pitchFamily="50" charset="-127"/>
+              </a:rPr>
+              <a:t>ExtraBold</a:t>
+            </a:r>
+            <a:endParaRPr lang="ko-KR" altLang="en-US" sz="2000" dirty="0">
+              <a:latin typeface="나눔스퀘어 ExtraBold" panose="020B0600000101010101" pitchFamily="50" charset="-127"/>
+              <a:ea typeface="나눔스퀘어 ExtraBold" panose="020B0600000101010101" pitchFamily="50" charset="-127"/>
+            </a:endParaRPr>
+          </a:p>
+        </p:txBody>
+      </p:sp>
+      <p:sp>
+        <p:nvSpPr>
+          <p:cNvPr id="8" name="나눔스퀘어 Bold">
+            <a:extLst>
+              <a:ext uri="{FF2B5EF4-FFF2-40B4-BE49-F238E27FC236}">
+                <a16:creationId xmlns:a16="http://schemas.microsoft.com/office/drawing/2014/main" id="{4D51FFE8-A1EC-4D1E-9A48-233301D6C5F2}"/>
+              </a:ext>
+            </a:extLst>
+          </p:cNvPr>
+          <p:cNvSpPr txBox="1"/>
+          <p:nvPr/>
+        </p:nvSpPr>
+        <p:spPr>
+          <a:xfrm>
+            <a:off x="-3566885" y="4304880"/>
+            <a:ext cx="2017484" cy="400110"/>
+          </a:xfrm>
+          <a:prstGeom prst="rect">
+            <a:avLst/>
+          </a:prstGeom>
+          <a:noFill/>
+        </p:spPr>
+        <p:txBody>
+          <a:bodyPr wrap="none" rtlCol="0">
+            <a:spAutoFit/>
+          </a:bodyPr>
+          <a:lstStyle/>
+          <a:p>
+            <a:r>
+              <a:rPr lang="ko-KR" altLang="en-US" sz="2000" dirty="0">
+                <a:latin typeface="나눔스퀘어 Bold" panose="020B0600000101010101" pitchFamily="50" charset="-127"/>
+                <a:ea typeface="나눔스퀘어 Bold" panose="020B0600000101010101" pitchFamily="50" charset="-127"/>
+              </a:rPr>
+              <a:t>나눔스퀘어</a:t>
+            </a:r>
+            <a:r>
+              <a:rPr lang="en-US" altLang="ko-KR" sz="2000" dirty="0">
+                <a:latin typeface="나눔스퀘어 Bold" panose="020B0600000101010101" pitchFamily="50" charset="-127"/>
+                <a:ea typeface="나눔스퀘어 Bold" panose="020B0600000101010101" pitchFamily="50" charset="-127"/>
+              </a:rPr>
+              <a:t> Bold</a:t>
+            </a:r>
+            <a:endParaRPr lang="ko-KR" altLang="en-US" sz="2000" dirty="0">
+              <a:latin typeface="나눔스퀘어 Bold" panose="020B0600000101010101" pitchFamily="50" charset="-127"/>
+              <a:ea typeface="나눔스퀘어 Bold" panose="020B0600000101010101" pitchFamily="50" charset="-127"/>
+            </a:endParaRPr>
+          </a:p>
+        </p:txBody>
+      </p:sp>
+      <p:sp>
+        <p:nvSpPr>
+          <p:cNvPr id="9" name="나눔스퀘어">
+            <a:extLst>
+              <a:ext uri="{FF2B5EF4-FFF2-40B4-BE49-F238E27FC236}">
+                <a16:creationId xmlns:a16="http://schemas.microsoft.com/office/drawing/2014/main" id="{87D24177-A08E-48A7-9F4C-B93C7DB3C018}"/>
+              </a:ext>
+            </a:extLst>
+          </p:cNvPr>
+          <p:cNvSpPr txBox="1"/>
+          <p:nvPr/>
+        </p:nvSpPr>
+        <p:spPr>
+          <a:xfrm>
+            <a:off x="-3566885" y="4841909"/>
+            <a:ext cx="1393370" cy="400110"/>
+          </a:xfrm>
+          <a:prstGeom prst="rect">
+            <a:avLst/>
+          </a:prstGeom>
+          <a:noFill/>
+        </p:spPr>
+        <p:txBody>
+          <a:bodyPr wrap="none" rtlCol="0">
+            <a:spAutoFit/>
+          </a:bodyPr>
+          <a:lstStyle/>
+          <a:p>
+            <a:r>
+              <a:rPr lang="ko-KR" altLang="en-US" sz="2000" dirty="0">
+                <a:latin typeface="나눔스퀘어" panose="020B0600000101010101" pitchFamily="50" charset="-127"/>
+                <a:ea typeface="나눔스퀘어" panose="020B0600000101010101" pitchFamily="50" charset="-127"/>
+              </a:rPr>
+              <a:t>나눔스퀘어</a:t>
+            </a:r>
+          </a:p>
+        </p:txBody>
+      </p:sp>
+      <p:sp>
+        <p:nvSpPr>
+          <p:cNvPr id="10" name="나눔스퀘어 Light">
+            <a:extLst>
+              <a:ext uri="{FF2B5EF4-FFF2-40B4-BE49-F238E27FC236}">
+                <a16:creationId xmlns:a16="http://schemas.microsoft.com/office/drawing/2014/main" id="{7DA7939B-F3CB-4FD3-857D-4C90DFD6043F}"/>
+              </a:ext>
+            </a:extLst>
+          </p:cNvPr>
+          <p:cNvSpPr txBox="1"/>
+          <p:nvPr/>
+        </p:nvSpPr>
+        <p:spPr>
+          <a:xfrm>
+            <a:off x="-3566884" y="5652991"/>
+            <a:ext cx="1996059" cy="400110"/>
+          </a:xfrm>
+          <a:prstGeom prst="rect">
+            <a:avLst/>
+          </a:prstGeom>
+          <a:noFill/>
+        </p:spPr>
+        <p:txBody>
+          <a:bodyPr wrap="none" rtlCol="0">
+            <a:spAutoFit/>
+          </a:bodyPr>
+          <a:lstStyle/>
+          <a:p>
+            <a:r>
+              <a:rPr lang="ko-KR" altLang="en-US" sz="2000" dirty="0">
+                <a:latin typeface="나눔스퀘어 Light" panose="020B0600000101010101" pitchFamily="50" charset="-127"/>
+                <a:ea typeface="나눔스퀘어 Light" panose="020B0600000101010101" pitchFamily="50" charset="-127"/>
+              </a:rPr>
+              <a:t>나눔스퀘어 </a:t>
+            </a:r>
+            <a:r>
+              <a:rPr lang="en-US" altLang="ko-KR" sz="2000" dirty="0">
+                <a:latin typeface="나눔스퀘어 Light" panose="020B0600000101010101" pitchFamily="50" charset="-127"/>
+                <a:ea typeface="나눔스퀘어 Light" panose="020B0600000101010101" pitchFamily="50" charset="-127"/>
+              </a:rPr>
+              <a:t>Light</a:t>
+            </a:r>
+            <a:endParaRPr lang="ko-KR" altLang="en-US" sz="2000" dirty="0">
+              <a:latin typeface="나눔스퀘어 Light" panose="020B0600000101010101" pitchFamily="50" charset="-127"/>
+              <a:ea typeface="나눔스퀘어 Light" panose="020B0600000101010101" pitchFamily="50" charset="-127"/>
+            </a:endParaRPr>
+          </a:p>
+        </p:txBody>
+      </p:sp>
+      <p:sp>
+        <p:nvSpPr>
+          <p:cNvPr id="11" name="나눔스퀘어OTF">
+            <a:extLst>
+              <a:ext uri="{FF2B5EF4-FFF2-40B4-BE49-F238E27FC236}">
+                <a16:creationId xmlns:a16="http://schemas.microsoft.com/office/drawing/2014/main" id="{5B5D7877-451C-43A7-9219-1D7F862F6A0C}"/>
+              </a:ext>
+            </a:extLst>
+          </p:cNvPr>
+          <p:cNvSpPr txBox="1"/>
+          <p:nvPr/>
+        </p:nvSpPr>
+        <p:spPr>
+          <a:xfrm>
+            <a:off x="-3566886" y="1333920"/>
+            <a:ext cx="1818831" cy="400110"/>
+          </a:xfrm>
+          <a:prstGeom prst="rect">
+            <a:avLst/>
+          </a:prstGeom>
+          <a:noFill/>
+        </p:spPr>
+        <p:txBody>
+          <a:bodyPr wrap="none" rtlCol="0">
+            <a:spAutoFit/>
+          </a:bodyPr>
+          <a:lstStyle/>
+          <a:p>
+            <a:r>
+              <a:rPr lang="ko-KR" altLang="en-US" sz="2000" dirty="0">
+                <a:latin typeface="나눔스퀘어OTF" panose="020B0600000101010101" pitchFamily="34" charset="-127"/>
+                <a:ea typeface="나눔스퀘어OTF" panose="020B0600000101010101" pitchFamily="34" charset="-127"/>
+              </a:rPr>
+              <a:t>나눔스퀘어</a:t>
+            </a:r>
+            <a:r>
+              <a:rPr lang="en-US" altLang="ko-KR" sz="2000" dirty="0">
+                <a:latin typeface="나눔스퀘어OTF" panose="020B0600000101010101" pitchFamily="34" charset="-127"/>
+                <a:ea typeface="나눔스퀘어OTF" panose="020B0600000101010101" pitchFamily="34" charset="-127"/>
+              </a:rPr>
+              <a:t>OTF</a:t>
+            </a:r>
+            <a:endParaRPr lang="ko-KR" altLang="en-US" sz="2000" dirty="0">
+              <a:latin typeface="나눔스퀘어OTF" panose="020B0600000101010101" pitchFamily="34" charset="-127"/>
+              <a:ea typeface="나눔스퀘어OTF" panose="020B0600000101010101" pitchFamily="34" charset="-127"/>
+            </a:endParaRPr>
+          </a:p>
+        </p:txBody>
+      </p:sp>
+      <p:sp>
+        <p:nvSpPr>
+          <p:cNvPr id="12" name="나눔스퀘어OTF Bold">
+            <a:extLst>
+              <a:ext uri="{FF2B5EF4-FFF2-40B4-BE49-F238E27FC236}">
+                <a16:creationId xmlns:a16="http://schemas.microsoft.com/office/drawing/2014/main" id="{49C5ED60-54CC-4075-B763-ED40BBA3CC98}"/>
+              </a:ext>
+            </a:extLst>
+          </p:cNvPr>
+          <p:cNvSpPr txBox="1"/>
+          <p:nvPr/>
+        </p:nvSpPr>
+        <p:spPr>
+          <a:xfrm>
+            <a:off x="408216" y="274654"/>
+            <a:ext cx="2178802" cy="707886"/>
+          </a:xfrm>
+          <a:prstGeom prst="rect">
+            <a:avLst/>
+          </a:prstGeom>
+          <a:noFill/>
+        </p:spPr>
+        <p:txBody>
+          <a:bodyPr wrap="none" rtlCol="0">
+            <a:spAutoFit/>
+          </a:bodyPr>
+          <a:lstStyle/>
+          <a:p>
+            <a:r>
+              <a:rPr lang="ko-KR" altLang="en-US" sz="4000">
+                <a:latin typeface="나눔스퀘어OTF ExtraBold" panose="020B0600000101010101" pitchFamily="34" charset="-127"/>
+                <a:ea typeface="나눔스퀘어OTF ExtraBold" panose="020B0600000101010101" pitchFamily="34" charset="-127"/>
+              </a:rPr>
+              <a:t>코드 설명</a:t>
+            </a:r>
+            <a:endParaRPr lang="ko-KR" altLang="en-US" sz="4000" dirty="0">
+              <a:latin typeface="나눔스퀘어OTF ExtraBold" panose="020B0600000101010101" pitchFamily="34" charset="-127"/>
+              <a:ea typeface="나눔스퀘어OTF ExtraBold" panose="020B0600000101010101" pitchFamily="34" charset="-127"/>
+            </a:endParaRPr>
+          </a:p>
+        </p:txBody>
+      </p:sp>
+      <p:sp>
+        <p:nvSpPr>
+          <p:cNvPr id="19" name="나눔스퀘어OTF">
+            <a:extLst>
+              <a:ext uri="{FF2B5EF4-FFF2-40B4-BE49-F238E27FC236}">
+                <a16:creationId xmlns:a16="http://schemas.microsoft.com/office/drawing/2014/main" id="{FFFF9A32-7745-4B3C-813B-887BB47E38C6}"/>
+              </a:ext>
+            </a:extLst>
+          </p:cNvPr>
+          <p:cNvSpPr txBox="1"/>
+          <p:nvPr/>
+        </p:nvSpPr>
+        <p:spPr>
+          <a:xfrm>
+            <a:off x="-3566886" y="6264018"/>
+            <a:ext cx="1887055" cy="400110"/>
+          </a:xfrm>
+          <a:prstGeom prst="rect">
+            <a:avLst/>
+          </a:prstGeom>
+          <a:noFill/>
+        </p:spPr>
+        <p:txBody>
+          <a:bodyPr wrap="none" rtlCol="0">
+            <a:spAutoFit/>
+          </a:bodyPr>
+          <a:lstStyle/>
+          <a:p>
+            <a:r>
+              <a:rPr lang="ko-KR" altLang="en-US" sz="2000" dirty="0">
+                <a:solidFill>
+                  <a:srgbClr val="FF0000"/>
+                </a:solidFill>
+                <a:latin typeface="나눔스퀘어OTF" panose="020B0600000101010101" pitchFamily="34" charset="-127"/>
+                <a:ea typeface="나눔스퀘어OTF" panose="020B0600000101010101" pitchFamily="34" charset="-127"/>
+              </a:rPr>
+              <a:t>클라이언트 정보</a:t>
+            </a:r>
+          </a:p>
+        </p:txBody>
+      </p:sp>
+      <p:sp>
+        <p:nvSpPr>
+          <p:cNvPr id="22" name="직사각형 21">
+            <a:extLst>
+              <a:ext uri="{FF2B5EF4-FFF2-40B4-BE49-F238E27FC236}">
+                <a16:creationId xmlns:a16="http://schemas.microsoft.com/office/drawing/2014/main" id="{028002D6-6911-47F5-97D7-1004B64C5046}"/>
+              </a:ext>
+            </a:extLst>
+          </p:cNvPr>
+          <p:cNvSpPr/>
+          <p:nvPr/>
+        </p:nvSpPr>
+        <p:spPr>
+          <a:xfrm>
+            <a:off x="-3073342" y="-1104514"/>
+            <a:ext cx="1465829" cy="1109394"/>
+          </a:xfrm>
+          <a:prstGeom prst="rect">
+            <a:avLst/>
+          </a:prstGeom>
+          <a:noFill/>
+          <a:ln w="38100">
+            <a:solidFill>
+              <a:srgbClr val="FF0000"/>
+            </a:solidFill>
+          </a:ln>
+        </p:spPr>
+        <p:style>
+          <a:lnRef idx="2">
+            <a:schemeClr val="accent1">
+              <a:shade val="50000"/>
+            </a:schemeClr>
+          </a:lnRef>
+          <a:fillRef idx="1">
+            <a:schemeClr val="accent1"/>
+          </a:fillRef>
+          <a:effectRef idx="0">
+            <a:schemeClr val="accent1"/>
+          </a:effectRef>
+          <a:fontRef idx="minor">
+            <a:schemeClr val="lt1"/>
+          </a:fontRef>
+        </p:style>
+        <p:txBody>
+          <a:bodyPr rtlCol="0" anchor="ctr"/>
+          <a:lstStyle/>
+          <a:p>
+            <a:pPr algn="ctr"/>
+            <a:endParaRPr lang="ko-KR" altLang="en-US">
+              <a:solidFill>
+                <a:srgbClr val="00B050"/>
+              </a:solidFill>
+            </a:endParaRPr>
+          </a:p>
+        </p:txBody>
+      </p:sp>
+      <p:pic>
+        <p:nvPicPr>
+          <p:cNvPr id="24" name="그래픽 23">
+            <a:extLst>
+              <a:ext uri="{FF2B5EF4-FFF2-40B4-BE49-F238E27FC236}">
+                <a16:creationId xmlns:a16="http://schemas.microsoft.com/office/drawing/2014/main" id="{D97081E3-5B48-478C-AB87-2E2951FD7EFA}"/>
+              </a:ext>
+            </a:extLst>
+          </p:cNvPr>
+          <p:cNvPicPr>
+            <a:picLocks noChangeAspect="1"/>
+          </p:cNvPicPr>
+          <p:nvPr/>
+        </p:nvPicPr>
+        <p:blipFill>
+          <a:blip r:embed="rId2">
+            <a:extLst>
+              <a:ext uri="{28A0092B-C50C-407E-A947-70E740481C1C}">
+                <a14:useLocalDpi xmlns:a14="http://schemas.microsoft.com/office/drawing/2010/main" val="0"/>
+              </a:ext>
+              <a:ext uri="{96DAC541-7B7A-43D3-8B79-37D633B846F1}">
+                <asvg:svgBlip xmlns:asvg="http://schemas.microsoft.com/office/drawing/2016/SVG/main" r:embed="rId3"/>
+              </a:ext>
+            </a:extLst>
+          </a:blip>
+          <a:stretch>
+            <a:fillRect/>
+          </a:stretch>
+        </p:blipFill>
+        <p:spPr>
+          <a:xfrm>
+            <a:off x="-1821316" y="-3501174"/>
+            <a:ext cx="3318933" cy="1866900"/>
+          </a:xfrm>
+          <a:prstGeom prst="rect">
+            <a:avLst/>
+          </a:prstGeom>
+        </p:spPr>
+      </p:pic>
+      <p:sp>
+        <p:nvSpPr>
+          <p:cNvPr id="14" name="직사각형 13">
+            <a:extLst>
+              <a:ext uri="{FF2B5EF4-FFF2-40B4-BE49-F238E27FC236}">
+                <a16:creationId xmlns:a16="http://schemas.microsoft.com/office/drawing/2014/main" id="{E720D3F7-F05A-467A-AFA4-B874DACBE0A5}"/>
+              </a:ext>
+            </a:extLst>
+          </p:cNvPr>
+          <p:cNvSpPr/>
+          <p:nvPr/>
+        </p:nvSpPr>
+        <p:spPr>
+          <a:xfrm>
+            <a:off x="-563334" y="-1122227"/>
+            <a:ext cx="914400" cy="914400"/>
+          </a:xfrm>
+          <a:prstGeom prst="rect">
+            <a:avLst/>
+          </a:prstGeom>
+          <a:solidFill>
+            <a:srgbClr val="001220"/>
+          </a:solidFill>
+          <a:ln>
+            <a:noFill/>
+          </a:ln>
+        </p:spPr>
+        <p:style>
+          <a:lnRef idx="2">
+            <a:schemeClr val="accent1">
+              <a:shade val="50000"/>
+            </a:schemeClr>
+          </a:lnRef>
+          <a:fillRef idx="1">
+            <a:schemeClr val="accent1"/>
+          </a:fillRef>
+          <a:effectRef idx="0">
+            <a:schemeClr val="accent1"/>
+          </a:effectRef>
+          <a:fontRef idx="minor">
+            <a:schemeClr val="lt1"/>
+          </a:fontRef>
+        </p:style>
+        <p:txBody>
+          <a:bodyPr rtlCol="0" anchor="ctr"/>
+          <a:lstStyle/>
+          <a:p>
+            <a:pPr algn="ctr"/>
+            <a:endParaRPr lang="ko-KR" altLang="en-US"/>
+          </a:p>
+        </p:txBody>
+      </p:sp>
+      <p:sp>
+        <p:nvSpPr>
+          <p:cNvPr id="26" name="직사각형 25">
+            <a:extLst>
+              <a:ext uri="{FF2B5EF4-FFF2-40B4-BE49-F238E27FC236}">
+                <a16:creationId xmlns:a16="http://schemas.microsoft.com/office/drawing/2014/main" id="{F056DDF4-14C1-4428-B99B-A9B2B5FA84F6}"/>
+              </a:ext>
+            </a:extLst>
+          </p:cNvPr>
+          <p:cNvSpPr/>
+          <p:nvPr/>
+        </p:nvSpPr>
+        <p:spPr>
+          <a:xfrm>
+            <a:off x="583217" y="-1104514"/>
+            <a:ext cx="914400" cy="914400"/>
+          </a:xfrm>
+          <a:prstGeom prst="rect">
+            <a:avLst/>
+          </a:prstGeom>
+          <a:solidFill>
+            <a:srgbClr val="FBAE3C"/>
+          </a:solidFill>
+          <a:ln>
+            <a:noFill/>
+          </a:ln>
+        </p:spPr>
+        <p:style>
+          <a:lnRef idx="2">
+            <a:schemeClr val="accent1">
+              <a:shade val="50000"/>
+            </a:schemeClr>
+          </a:lnRef>
+          <a:fillRef idx="1">
+            <a:schemeClr val="accent1"/>
+          </a:fillRef>
+          <a:effectRef idx="0">
+            <a:schemeClr val="accent1"/>
+          </a:effectRef>
+          <a:fontRef idx="minor">
+            <a:schemeClr val="lt1"/>
+          </a:fontRef>
+        </p:style>
+        <p:txBody>
+          <a:bodyPr rtlCol="0" anchor="ctr"/>
+          <a:lstStyle/>
+          <a:p>
+            <a:pPr algn="ctr"/>
+            <a:endParaRPr lang="ko-KR" altLang="en-US"/>
+          </a:p>
+        </p:txBody>
+      </p:sp>
+      <p:cxnSp>
+        <p:nvCxnSpPr>
+          <p:cNvPr id="44" name="직선 화살표 연결선 43">
+            <a:extLst>
+              <a:ext uri="{FF2B5EF4-FFF2-40B4-BE49-F238E27FC236}">
+                <a16:creationId xmlns:a16="http://schemas.microsoft.com/office/drawing/2014/main" id="{610BE679-0F88-4C97-BBB8-5314C5D8CB2F}"/>
+              </a:ext>
+            </a:extLst>
+          </p:cNvPr>
+          <p:cNvCxnSpPr>
+            <a:cxnSpLocks/>
+          </p:cNvCxnSpPr>
+          <p:nvPr/>
+        </p:nvCxnSpPr>
+        <p:spPr>
+          <a:xfrm>
+            <a:off x="3512458" y="-1228294"/>
+            <a:ext cx="0" cy="580980"/>
+          </a:xfrm>
+          <a:prstGeom prst="straightConnector1">
+            <a:avLst/>
+          </a:prstGeom>
+          <a:ln w="76200">
+            <a:solidFill>
+              <a:srgbClr val="FBAE3C"/>
+            </a:solidFill>
+            <a:tailEnd type="triangle"/>
+          </a:ln>
+        </p:spPr>
+        <p:style>
+          <a:lnRef idx="1">
+            <a:schemeClr val="accent1"/>
+          </a:lnRef>
+          <a:fillRef idx="0">
+            <a:schemeClr val="accent1"/>
+          </a:fillRef>
+          <a:effectRef idx="0">
+            <a:schemeClr val="accent1"/>
+          </a:effectRef>
+          <a:fontRef idx="minor">
+            <a:schemeClr val="tx1"/>
+          </a:fontRef>
+        </p:style>
+      </p:cxnSp>
+      <p:cxnSp>
+        <p:nvCxnSpPr>
+          <p:cNvPr id="60" name="연결선: 꺾임 59">
+            <a:extLst>
+              <a:ext uri="{FF2B5EF4-FFF2-40B4-BE49-F238E27FC236}">
+                <a16:creationId xmlns:a16="http://schemas.microsoft.com/office/drawing/2014/main" id="{9EF764F3-A767-4448-878C-0788802A711F}"/>
+              </a:ext>
+            </a:extLst>
+          </p:cNvPr>
+          <p:cNvCxnSpPr>
+            <a:cxnSpLocks/>
+          </p:cNvCxnSpPr>
+          <p:nvPr/>
+        </p:nvCxnSpPr>
+        <p:spPr>
+          <a:xfrm rot="10800000">
+            <a:off x="3998688" y="-1579858"/>
+            <a:ext cx="1532656" cy="703128"/>
+          </a:xfrm>
+          <a:prstGeom prst="bentConnector3">
+            <a:avLst>
+              <a:gd name="adj1" fmla="val 50000"/>
+            </a:avLst>
+          </a:prstGeom>
+          <a:ln w="76200">
+            <a:solidFill>
+              <a:srgbClr val="FBAE3C"/>
+            </a:solidFill>
+            <a:tailEnd type="triangle"/>
+          </a:ln>
+        </p:spPr>
+        <p:style>
+          <a:lnRef idx="1">
+            <a:schemeClr val="accent1"/>
+          </a:lnRef>
+          <a:fillRef idx="0">
+            <a:schemeClr val="accent1"/>
+          </a:fillRef>
+          <a:effectRef idx="0">
+            <a:schemeClr val="accent1"/>
+          </a:effectRef>
+          <a:fontRef idx="minor">
+            <a:schemeClr val="tx1"/>
+          </a:fontRef>
+        </p:style>
+      </p:cxnSp>
+      <p:sp>
+        <p:nvSpPr>
+          <p:cNvPr id="27" name="사각형: 둥근 모서리 26">
+            <a:extLst>
+              <a:ext uri="{FF2B5EF4-FFF2-40B4-BE49-F238E27FC236}">
+                <a16:creationId xmlns:a16="http://schemas.microsoft.com/office/drawing/2014/main" id="{678555A0-8F07-4A51-A07A-6DA9A006C493}"/>
+              </a:ext>
+            </a:extLst>
+          </p:cNvPr>
+          <p:cNvSpPr/>
+          <p:nvPr/>
+        </p:nvSpPr>
+        <p:spPr>
+          <a:xfrm>
+            <a:off x="843705" y="1251318"/>
+            <a:ext cx="2711526" cy="707886"/>
+          </a:xfrm>
+          <a:prstGeom prst="roundRect">
+            <a:avLst>
+              <a:gd name="adj" fmla="val 31547"/>
+            </a:avLst>
+          </a:prstGeom>
+          <a:solidFill>
+            <a:srgbClr val="001220"/>
+          </a:solidFill>
+          <a:ln>
+            <a:noFill/>
+          </a:ln>
+        </p:spPr>
+        <p:style>
+          <a:lnRef idx="2">
+            <a:schemeClr val="accent1">
+              <a:shade val="50000"/>
+            </a:schemeClr>
+          </a:lnRef>
+          <a:fillRef idx="1">
+            <a:schemeClr val="accent1"/>
+          </a:fillRef>
+          <a:effectRef idx="0">
+            <a:schemeClr val="accent1"/>
+          </a:effectRef>
+          <a:fontRef idx="minor">
+            <a:schemeClr val="lt1"/>
+          </a:fontRef>
+        </p:style>
+        <p:txBody>
+          <a:bodyPr rtlCol="0" anchor="ctr"/>
+          <a:lstStyle/>
+          <a:p>
+            <a:pPr algn="ctr"/>
+            <a:r>
+              <a:rPr lang="ko-KR" altLang="en-US" dirty="0">
+                <a:latin typeface="나눔스퀘어OTF" panose="020B0600000101010101" pitchFamily="34" charset="-127"/>
+                <a:ea typeface="나눔스퀘어OTF" panose="020B0600000101010101" pitchFamily="34" charset="-127"/>
+              </a:rPr>
+              <a:t>서버의 소켓 설정 </a:t>
+            </a:r>
+            <a:r>
+              <a:rPr lang="en-US" altLang="ko-KR" dirty="0">
+                <a:latin typeface="나눔스퀘어OTF" panose="020B0600000101010101" pitchFamily="34" charset="-127"/>
+                <a:ea typeface="나눔스퀘어OTF" panose="020B0600000101010101" pitchFamily="34" charset="-127"/>
+              </a:rPr>
+              <a:t>/ </a:t>
+            </a:r>
+            <a:r>
+              <a:rPr lang="ko-KR" altLang="en-US" dirty="0">
+                <a:latin typeface="나눔스퀘어OTF" panose="020B0600000101010101" pitchFamily="34" charset="-127"/>
+                <a:ea typeface="나눔스퀘어OTF" panose="020B0600000101010101" pitchFamily="34" charset="-127"/>
+              </a:rPr>
+              <a:t>생성</a:t>
+            </a:r>
+          </a:p>
+        </p:txBody>
+      </p:sp>
+      <p:cxnSp>
+        <p:nvCxnSpPr>
+          <p:cNvPr id="34" name="직선 화살표 연결선 33">
+            <a:extLst>
+              <a:ext uri="{FF2B5EF4-FFF2-40B4-BE49-F238E27FC236}">
+                <a16:creationId xmlns:a16="http://schemas.microsoft.com/office/drawing/2014/main" id="{68F953DE-91EF-47E4-A622-AA0878940C9E}"/>
+              </a:ext>
+            </a:extLst>
+          </p:cNvPr>
+          <p:cNvCxnSpPr>
+            <a:cxnSpLocks/>
+          </p:cNvCxnSpPr>
+          <p:nvPr/>
+        </p:nvCxnSpPr>
+        <p:spPr>
+          <a:xfrm>
+            <a:off x="2199468" y="1959204"/>
+            <a:ext cx="15231" cy="1023993"/>
+          </a:xfrm>
+          <a:prstGeom prst="straightConnector1">
+            <a:avLst/>
+          </a:prstGeom>
+          <a:ln w="76200">
+            <a:solidFill>
+              <a:srgbClr val="FBAE3C"/>
+            </a:solidFill>
+            <a:tailEnd type="triangle"/>
+          </a:ln>
+        </p:spPr>
+        <p:style>
+          <a:lnRef idx="1">
+            <a:schemeClr val="accent1"/>
+          </a:lnRef>
+          <a:fillRef idx="0">
+            <a:schemeClr val="accent1"/>
+          </a:fillRef>
+          <a:effectRef idx="0">
+            <a:schemeClr val="accent1"/>
+          </a:effectRef>
+          <a:fontRef idx="minor">
+            <a:schemeClr val="tx1"/>
+          </a:fontRef>
+        </p:style>
+      </p:cxnSp>
+      <p:sp>
+        <p:nvSpPr>
+          <p:cNvPr id="35" name="사각형: 둥근 모서리 34">
+            <a:extLst>
+              <a:ext uri="{FF2B5EF4-FFF2-40B4-BE49-F238E27FC236}">
+                <a16:creationId xmlns:a16="http://schemas.microsoft.com/office/drawing/2014/main" id="{7BFC00C0-A45D-492F-97CF-AF71ED8D2889}"/>
+              </a:ext>
+            </a:extLst>
+          </p:cNvPr>
+          <p:cNvSpPr/>
+          <p:nvPr/>
+        </p:nvSpPr>
+        <p:spPr>
+          <a:xfrm>
+            <a:off x="843705" y="2983197"/>
+            <a:ext cx="2711526" cy="827750"/>
+          </a:xfrm>
+          <a:prstGeom prst="roundRect">
+            <a:avLst>
+              <a:gd name="adj" fmla="val 31547"/>
+            </a:avLst>
+          </a:prstGeom>
+          <a:solidFill>
+            <a:srgbClr val="FBAE3C"/>
+          </a:solidFill>
+          <a:ln>
+            <a:noFill/>
+          </a:ln>
+        </p:spPr>
+        <p:style>
+          <a:lnRef idx="2">
+            <a:schemeClr val="accent1">
+              <a:shade val="50000"/>
+            </a:schemeClr>
+          </a:lnRef>
+          <a:fillRef idx="1">
+            <a:schemeClr val="accent1"/>
+          </a:fillRef>
+          <a:effectRef idx="0">
+            <a:schemeClr val="accent1"/>
+          </a:effectRef>
+          <a:fontRef idx="minor">
+            <a:schemeClr val="lt1"/>
+          </a:fontRef>
+        </p:style>
+        <p:txBody>
+          <a:bodyPr rtlCol="0" anchor="ctr"/>
+          <a:lstStyle/>
+          <a:p>
+            <a:pPr algn="ctr"/>
+            <a:r>
+              <a:rPr lang="ko-KR" altLang="en-US" dirty="0">
+                <a:latin typeface="나눔스퀘어OTF" panose="020B0600000101010101" pitchFamily="34" charset="-127"/>
+                <a:ea typeface="나눔스퀘어OTF" panose="020B0600000101010101" pitchFamily="34" charset="-127"/>
+              </a:rPr>
+              <a:t>서버 접속 요청 처리</a:t>
+            </a:r>
+            <a:endParaRPr lang="en-US" altLang="ko-KR" dirty="0">
+              <a:latin typeface="나눔스퀘어OTF" panose="020B0600000101010101" pitchFamily="34" charset="-127"/>
+              <a:ea typeface="나눔스퀘어OTF" panose="020B0600000101010101" pitchFamily="34" charset="-127"/>
+            </a:endParaRPr>
+          </a:p>
+          <a:p>
+            <a:pPr algn="ctr"/>
+            <a:r>
+              <a:rPr lang="ko-KR" altLang="en-US" dirty="0">
+                <a:latin typeface="나눔스퀘어OTF" panose="020B0600000101010101" pitchFamily="34" charset="-127"/>
+                <a:ea typeface="나눔스퀘어OTF" panose="020B0600000101010101" pitchFamily="34" charset="-127"/>
+              </a:rPr>
+              <a:t>스레드</a:t>
+            </a:r>
+            <a:r>
+              <a:rPr lang="en-US" altLang="ko-KR" dirty="0">
+                <a:latin typeface="나눔스퀘어OTF" panose="020B0600000101010101" pitchFamily="34" charset="-127"/>
+                <a:ea typeface="나눔스퀘어OTF" panose="020B0600000101010101" pitchFamily="34" charset="-127"/>
+              </a:rPr>
+              <a:t> </a:t>
+            </a:r>
+            <a:r>
+              <a:rPr lang="ko-KR" altLang="en-US" dirty="0">
+                <a:latin typeface="나눔스퀘어OTF" panose="020B0600000101010101" pitchFamily="34" charset="-127"/>
+                <a:ea typeface="나눔스퀘어OTF" panose="020B0600000101010101" pitchFamily="34" charset="-127"/>
+              </a:rPr>
+              <a:t>만들기</a:t>
+            </a:r>
+          </a:p>
+        </p:txBody>
+      </p:sp>
+      <p:sp>
+        <p:nvSpPr>
+          <p:cNvPr id="117" name="나눔스퀘어OTF Bold">
+            <a:extLst>
+              <a:ext uri="{FF2B5EF4-FFF2-40B4-BE49-F238E27FC236}">
+                <a16:creationId xmlns:a16="http://schemas.microsoft.com/office/drawing/2014/main" id="{7F3F5F0E-5503-4A0A-A96E-FC5A97CAB65C}"/>
+              </a:ext>
+            </a:extLst>
+          </p:cNvPr>
+          <p:cNvSpPr txBox="1"/>
+          <p:nvPr/>
+        </p:nvSpPr>
+        <p:spPr>
+          <a:xfrm>
+            <a:off x="1505210" y="6375486"/>
+            <a:ext cx="1418978" cy="400110"/>
+          </a:xfrm>
+          <a:prstGeom prst="rect">
+            <a:avLst/>
+          </a:prstGeom>
+          <a:noFill/>
+        </p:spPr>
+        <p:txBody>
+          <a:bodyPr wrap="none" rtlCol="0">
+            <a:spAutoFit/>
+          </a:bodyPr>
+          <a:lstStyle/>
+          <a:p>
+            <a:r>
+              <a:rPr lang="ko-KR" altLang="en-US" sz="2000" dirty="0">
+                <a:latin typeface="나눔스퀘어OTF Bold" panose="020B0600000101010101" pitchFamily="34" charset="-127"/>
+                <a:ea typeface="나눔스퀘어OTF Bold" panose="020B0600000101010101" pitchFamily="34" charset="-127"/>
+              </a:rPr>
+              <a:t>메인 스레드</a:t>
+            </a:r>
+          </a:p>
+        </p:txBody>
+      </p:sp>
+      <p:sp>
+        <p:nvSpPr>
+          <p:cNvPr id="28" name="사각형: 둥근 모서리 27">
+            <a:extLst>
+              <a:ext uri="{FF2B5EF4-FFF2-40B4-BE49-F238E27FC236}">
+                <a16:creationId xmlns:a16="http://schemas.microsoft.com/office/drawing/2014/main" id="{17F0CCE0-3833-4B96-90F9-CE39537D5600}"/>
+              </a:ext>
+            </a:extLst>
+          </p:cNvPr>
+          <p:cNvSpPr/>
+          <p:nvPr/>
+        </p:nvSpPr>
+        <p:spPr>
+          <a:xfrm>
+            <a:off x="4113127" y="1257095"/>
+            <a:ext cx="2711526" cy="707886"/>
+          </a:xfrm>
+          <a:prstGeom prst="roundRect">
+            <a:avLst>
+              <a:gd name="adj" fmla="val 31547"/>
+            </a:avLst>
+          </a:prstGeom>
+          <a:solidFill>
+            <a:srgbClr val="001220"/>
+          </a:solidFill>
+          <a:ln>
+            <a:noFill/>
+          </a:ln>
+        </p:spPr>
+        <p:style>
+          <a:lnRef idx="2">
+            <a:schemeClr val="accent1">
+              <a:shade val="50000"/>
+            </a:schemeClr>
+          </a:lnRef>
+          <a:fillRef idx="1">
+            <a:schemeClr val="accent1"/>
+          </a:fillRef>
+          <a:effectRef idx="0">
+            <a:schemeClr val="accent1"/>
+          </a:effectRef>
+          <a:fontRef idx="minor">
+            <a:schemeClr val="lt1"/>
+          </a:fontRef>
+        </p:style>
+        <p:txBody>
+          <a:bodyPr rtlCol="0" anchor="ctr"/>
+          <a:lstStyle/>
+          <a:p>
+            <a:pPr algn="ctr"/>
+            <a:r>
+              <a:rPr lang="ko-KR" altLang="en-US" dirty="0">
+                <a:latin typeface="나눔스퀘어OTF" panose="020B0600000101010101" pitchFamily="34" charset="-127"/>
+                <a:ea typeface="나눔스퀘어OTF" panose="020B0600000101010101" pitchFamily="34" charset="-127"/>
+              </a:rPr>
+              <a:t>서버의 접속 요청 대기</a:t>
+            </a:r>
+          </a:p>
+        </p:txBody>
+      </p:sp>
+      <p:sp>
+        <p:nvSpPr>
+          <p:cNvPr id="29" name="사각형: 둥근 모서리 28">
+            <a:extLst>
+              <a:ext uri="{FF2B5EF4-FFF2-40B4-BE49-F238E27FC236}">
+                <a16:creationId xmlns:a16="http://schemas.microsoft.com/office/drawing/2014/main" id="{26B93658-4099-4E1A-B55F-8867C8FB326E}"/>
+              </a:ext>
+            </a:extLst>
+          </p:cNvPr>
+          <p:cNvSpPr/>
+          <p:nvPr/>
+        </p:nvSpPr>
+        <p:spPr>
+          <a:xfrm>
+            <a:off x="4113127" y="3027309"/>
+            <a:ext cx="2711526" cy="707886"/>
+          </a:xfrm>
+          <a:prstGeom prst="roundRect">
+            <a:avLst>
+              <a:gd name="adj" fmla="val 31547"/>
+            </a:avLst>
+          </a:prstGeom>
+          <a:solidFill>
+            <a:srgbClr val="001220"/>
+          </a:solidFill>
+          <a:ln>
+            <a:noFill/>
+          </a:ln>
+        </p:spPr>
+        <p:style>
+          <a:lnRef idx="2">
+            <a:schemeClr val="accent1">
+              <a:shade val="50000"/>
+            </a:schemeClr>
+          </a:lnRef>
+          <a:fillRef idx="1">
+            <a:schemeClr val="accent1"/>
+          </a:fillRef>
+          <a:effectRef idx="0">
+            <a:schemeClr val="accent1"/>
+          </a:effectRef>
+          <a:fontRef idx="minor">
+            <a:schemeClr val="lt1"/>
+          </a:fontRef>
+        </p:style>
+        <p:txBody>
+          <a:bodyPr rtlCol="0" anchor="ctr"/>
+          <a:lstStyle/>
+          <a:p>
+            <a:pPr algn="ctr"/>
+            <a:r>
+              <a:rPr lang="ko-KR" altLang="en-US" dirty="0">
+                <a:latin typeface="나눔스퀘어OTF" panose="020B0600000101010101" pitchFamily="34" charset="-127"/>
+                <a:ea typeface="나눔스퀘어OTF" panose="020B0600000101010101" pitchFamily="34" charset="-127"/>
+              </a:rPr>
+              <a:t>클라이언트 정보 저장</a:t>
+            </a:r>
+          </a:p>
+        </p:txBody>
+      </p:sp>
+      <p:cxnSp>
+        <p:nvCxnSpPr>
+          <p:cNvPr id="40" name="직선 화살표 연결선 39">
+            <a:extLst>
+              <a:ext uri="{FF2B5EF4-FFF2-40B4-BE49-F238E27FC236}">
+                <a16:creationId xmlns:a16="http://schemas.microsoft.com/office/drawing/2014/main" id="{FCBA8422-9ADC-480F-B424-D75878210BD8}"/>
+              </a:ext>
+            </a:extLst>
+          </p:cNvPr>
+          <p:cNvCxnSpPr>
+            <a:cxnSpLocks/>
+            <a:stCxn id="28" idx="2"/>
+            <a:endCxn id="29" idx="0"/>
+          </p:cNvCxnSpPr>
+          <p:nvPr/>
+        </p:nvCxnSpPr>
+        <p:spPr>
+          <a:xfrm>
+            <a:off x="5468890" y="1964981"/>
+            <a:ext cx="0" cy="1062328"/>
+          </a:xfrm>
+          <a:prstGeom prst="straightConnector1">
+            <a:avLst/>
+          </a:prstGeom>
+          <a:ln w="76200">
+            <a:solidFill>
+              <a:srgbClr val="FBAE3C"/>
+            </a:solidFill>
+            <a:tailEnd type="triangle"/>
+          </a:ln>
+        </p:spPr>
+        <p:style>
+          <a:lnRef idx="1">
+            <a:schemeClr val="accent1"/>
+          </a:lnRef>
+          <a:fillRef idx="0">
+            <a:schemeClr val="accent1"/>
+          </a:fillRef>
+          <a:effectRef idx="0">
+            <a:schemeClr val="accent1"/>
+          </a:effectRef>
+          <a:fontRef idx="minor">
+            <a:schemeClr val="tx1"/>
+          </a:fontRef>
+        </p:style>
+      </p:cxnSp>
+      <p:sp>
+        <p:nvSpPr>
+          <p:cNvPr id="89" name="사각형: 둥근 모서리 88">
+            <a:extLst>
+              <a:ext uri="{FF2B5EF4-FFF2-40B4-BE49-F238E27FC236}">
+                <a16:creationId xmlns:a16="http://schemas.microsoft.com/office/drawing/2014/main" id="{D252168B-E5AF-4F5B-819E-FDE633D536BF}"/>
+              </a:ext>
+            </a:extLst>
+          </p:cNvPr>
+          <p:cNvSpPr/>
+          <p:nvPr/>
+        </p:nvSpPr>
+        <p:spPr>
+          <a:xfrm>
+            <a:off x="4113127" y="4797522"/>
+            <a:ext cx="2711526" cy="862273"/>
+          </a:xfrm>
+          <a:prstGeom prst="roundRect">
+            <a:avLst>
+              <a:gd name="adj" fmla="val 31547"/>
+            </a:avLst>
+          </a:prstGeom>
+          <a:solidFill>
+            <a:srgbClr val="FBAE3C"/>
+          </a:solidFill>
+          <a:ln>
+            <a:noFill/>
+          </a:ln>
+        </p:spPr>
+        <p:style>
+          <a:lnRef idx="2">
+            <a:schemeClr val="accent1">
+              <a:shade val="50000"/>
+            </a:schemeClr>
+          </a:lnRef>
+          <a:fillRef idx="1">
+            <a:schemeClr val="accent1"/>
+          </a:fillRef>
+          <a:effectRef idx="0">
+            <a:schemeClr val="accent1"/>
+          </a:effectRef>
+          <a:fontRef idx="minor">
+            <a:schemeClr val="lt1"/>
+          </a:fontRef>
+        </p:style>
+        <p:txBody>
+          <a:bodyPr rtlCol="0" anchor="ctr"/>
+          <a:lstStyle/>
+          <a:p>
+            <a:pPr algn="ctr"/>
+            <a:r>
+              <a:rPr lang="ko-KR" altLang="en-US" dirty="0">
+                <a:latin typeface="나눔스퀘어OTF" panose="020B0600000101010101" pitchFamily="34" charset="-127"/>
+                <a:ea typeface="나눔스퀘어OTF" panose="020B0600000101010101" pitchFamily="34" charset="-127"/>
+              </a:rPr>
+              <a:t>새 유저 메시지 처리</a:t>
+            </a:r>
+            <a:endParaRPr lang="en-US" altLang="ko-KR" dirty="0">
+              <a:latin typeface="나눔스퀘어OTF" panose="020B0600000101010101" pitchFamily="34" charset="-127"/>
+              <a:ea typeface="나눔스퀘어OTF" panose="020B0600000101010101" pitchFamily="34" charset="-127"/>
+            </a:endParaRPr>
+          </a:p>
+          <a:p>
+            <a:pPr algn="ctr"/>
+            <a:r>
+              <a:rPr lang="ko-KR" altLang="en-US" dirty="0">
+                <a:latin typeface="나눔스퀘어OTF" panose="020B0600000101010101" pitchFamily="34" charset="-127"/>
+                <a:ea typeface="나눔스퀘어OTF" panose="020B0600000101010101" pitchFamily="34" charset="-127"/>
+              </a:rPr>
+              <a:t>스레드 만들기</a:t>
+            </a:r>
+          </a:p>
+        </p:txBody>
+      </p:sp>
+      <p:cxnSp>
+        <p:nvCxnSpPr>
+          <p:cNvPr id="97" name="직선 화살표 연결선 96">
+            <a:extLst>
+              <a:ext uri="{FF2B5EF4-FFF2-40B4-BE49-F238E27FC236}">
+                <a16:creationId xmlns:a16="http://schemas.microsoft.com/office/drawing/2014/main" id="{33077FD5-7710-4459-A768-53D94FB44D66}"/>
+              </a:ext>
+            </a:extLst>
+          </p:cNvPr>
+          <p:cNvCxnSpPr>
+            <a:cxnSpLocks/>
+            <a:stCxn id="29" idx="2"/>
+            <a:endCxn id="89" idx="0"/>
+          </p:cNvCxnSpPr>
+          <p:nvPr/>
+        </p:nvCxnSpPr>
+        <p:spPr>
+          <a:xfrm>
+            <a:off x="5468890" y="3735195"/>
+            <a:ext cx="0" cy="1062327"/>
+          </a:xfrm>
+          <a:prstGeom prst="straightConnector1">
+            <a:avLst/>
+          </a:prstGeom>
+          <a:ln w="76200">
+            <a:solidFill>
+              <a:srgbClr val="FBAE3C"/>
+            </a:solidFill>
+            <a:tailEnd type="triangle"/>
+          </a:ln>
+        </p:spPr>
+        <p:style>
+          <a:lnRef idx="1">
+            <a:schemeClr val="accent1"/>
+          </a:lnRef>
+          <a:fillRef idx="0">
+            <a:schemeClr val="accent1"/>
+          </a:fillRef>
+          <a:effectRef idx="0">
+            <a:schemeClr val="accent1"/>
+          </a:effectRef>
+          <a:fontRef idx="minor">
+            <a:schemeClr val="tx1"/>
+          </a:fontRef>
+        </p:style>
+      </p:cxnSp>
+      <p:cxnSp>
+        <p:nvCxnSpPr>
+          <p:cNvPr id="100" name="연결선: 꺾임 99">
+            <a:extLst>
+              <a:ext uri="{FF2B5EF4-FFF2-40B4-BE49-F238E27FC236}">
+                <a16:creationId xmlns:a16="http://schemas.microsoft.com/office/drawing/2014/main" id="{9662E411-34D7-44AF-BFBB-3868F46233E3}"/>
+              </a:ext>
+            </a:extLst>
+          </p:cNvPr>
+          <p:cNvCxnSpPr>
+            <a:cxnSpLocks/>
+            <a:stCxn id="89" idx="2"/>
+            <a:endCxn id="28" idx="0"/>
+          </p:cNvCxnSpPr>
+          <p:nvPr/>
+        </p:nvCxnSpPr>
+        <p:spPr>
+          <a:xfrm rot="5400000" flipH="1">
+            <a:off x="3267540" y="3458445"/>
+            <a:ext cx="4402700" cy="12700"/>
+          </a:xfrm>
+          <a:prstGeom prst="bentConnector5">
+            <a:avLst>
+              <a:gd name="adj1" fmla="val -12774"/>
+              <a:gd name="adj2" fmla="val -15753276"/>
+              <a:gd name="adj3" fmla="val 116071"/>
+            </a:avLst>
+          </a:prstGeom>
+          <a:ln w="76200">
+            <a:solidFill>
+              <a:srgbClr val="FBAE3C"/>
+            </a:solidFill>
+            <a:tailEnd type="triangle"/>
+          </a:ln>
+        </p:spPr>
+        <p:style>
+          <a:lnRef idx="1">
+            <a:schemeClr val="accent1"/>
+          </a:lnRef>
+          <a:fillRef idx="0">
+            <a:schemeClr val="accent1"/>
+          </a:fillRef>
+          <a:effectRef idx="0">
+            <a:schemeClr val="accent1"/>
+          </a:effectRef>
+          <a:fontRef idx="minor">
+            <a:schemeClr val="tx1"/>
+          </a:fontRef>
+        </p:style>
+      </p:cxnSp>
+      <p:sp>
+        <p:nvSpPr>
+          <p:cNvPr id="118" name="나눔스퀘어OTF Bold">
+            <a:extLst>
+              <a:ext uri="{FF2B5EF4-FFF2-40B4-BE49-F238E27FC236}">
+                <a16:creationId xmlns:a16="http://schemas.microsoft.com/office/drawing/2014/main" id="{F748EC1A-6DCE-4007-93BC-55626AA34AD4}"/>
+              </a:ext>
+            </a:extLst>
+          </p:cNvPr>
+          <p:cNvSpPr txBox="1"/>
+          <p:nvPr/>
+        </p:nvSpPr>
+        <p:spPr>
+          <a:xfrm>
+            <a:off x="4227204" y="6375486"/>
+            <a:ext cx="2483372" cy="400110"/>
+          </a:xfrm>
+          <a:prstGeom prst="rect">
+            <a:avLst/>
+          </a:prstGeom>
+          <a:noFill/>
+        </p:spPr>
+        <p:txBody>
+          <a:bodyPr wrap="none" rtlCol="0">
+            <a:spAutoFit/>
+          </a:bodyPr>
+          <a:lstStyle/>
+          <a:p>
+            <a:r>
+              <a:rPr lang="ko-KR" altLang="en-US" sz="2000" dirty="0">
+                <a:latin typeface="나눔스퀘어OTF Bold" panose="020B0600000101010101" pitchFamily="34" charset="-127"/>
+                <a:ea typeface="나눔스퀘어OTF Bold" panose="020B0600000101010101" pitchFamily="34" charset="-127"/>
+              </a:rPr>
+              <a:t>서버 접속 요청 스레드</a:t>
+            </a:r>
+          </a:p>
+        </p:txBody>
+      </p:sp>
+      <p:grpSp>
+        <p:nvGrpSpPr>
+          <p:cNvPr id="116" name="그룹 115">
+            <a:extLst>
+              <a:ext uri="{FF2B5EF4-FFF2-40B4-BE49-F238E27FC236}">
+                <a16:creationId xmlns:a16="http://schemas.microsoft.com/office/drawing/2014/main" id="{195F4669-EE41-47F6-98A0-D71EF82E3CBC}"/>
+              </a:ext>
+            </a:extLst>
+          </p:cNvPr>
+          <p:cNvGrpSpPr/>
+          <p:nvPr/>
+        </p:nvGrpSpPr>
+        <p:grpSpPr>
+          <a:xfrm>
+            <a:off x="8023415" y="1257095"/>
+            <a:ext cx="2711526" cy="4254664"/>
+            <a:chOff x="8028062" y="1257095"/>
+            <a:chExt cx="2711526" cy="4254664"/>
+          </a:xfrm>
+        </p:grpSpPr>
+        <p:sp>
+          <p:nvSpPr>
+            <p:cNvPr id="30" name="사각형: 둥근 모서리 29">
+              <a:extLst>
+                <a:ext uri="{FF2B5EF4-FFF2-40B4-BE49-F238E27FC236}">
+                  <a16:creationId xmlns:a16="http://schemas.microsoft.com/office/drawing/2014/main" id="{EA2E69EB-503A-4D39-8F65-1A1F9351552F}"/>
+                </a:ext>
+              </a:extLst>
+            </p:cNvPr>
+            <p:cNvSpPr/>
+            <p:nvPr/>
+          </p:nvSpPr>
+          <p:spPr>
+            <a:xfrm>
+              <a:off x="8028062" y="1257095"/>
+              <a:ext cx="2711526" cy="707886"/>
+            </a:xfrm>
+            <a:prstGeom prst="roundRect">
+              <a:avLst>
+                <a:gd name="adj" fmla="val 31547"/>
+              </a:avLst>
+            </a:prstGeom>
+            <a:solidFill>
+              <a:srgbClr val="001220"/>
+            </a:solidFill>
+            <a:ln>
+              <a:noFill/>
+            </a:ln>
+          </p:spPr>
+          <p:style>
+            <a:lnRef idx="2">
+              <a:schemeClr val="accent1">
+                <a:shade val="50000"/>
+              </a:schemeClr>
+            </a:lnRef>
+            <a:fillRef idx="1">
+              <a:schemeClr val="accent1"/>
+            </a:fillRef>
+            <a:effectRef idx="0">
+              <a:schemeClr val="accent1"/>
+            </a:effectRef>
+            <a:fontRef idx="minor">
+              <a:schemeClr val="lt1"/>
+            </a:fontRef>
+          </p:style>
+          <p:txBody>
+            <a:bodyPr rtlCol="0" anchor="ctr"/>
+            <a:lstStyle/>
+            <a:p>
+              <a:pPr algn="ctr"/>
+              <a:r>
+                <a:rPr lang="ko-KR" altLang="en-US" sz="1600">
+                  <a:latin typeface="나눔스퀘어OTF" panose="020B0600000101010101" pitchFamily="34" charset="-127"/>
+                  <a:ea typeface="나눔스퀘어OTF" panose="020B0600000101010101" pitchFamily="34" charset="-127"/>
+                </a:rPr>
+                <a:t>클라이언트의 메시지 받기</a:t>
+              </a:r>
+              <a:endParaRPr lang="ko-KR" altLang="en-US" sz="1600" dirty="0">
+                <a:latin typeface="나눔스퀘어OTF" panose="020B0600000101010101" pitchFamily="34" charset="-127"/>
+                <a:ea typeface="나눔스퀘어OTF" panose="020B0600000101010101" pitchFamily="34" charset="-127"/>
+              </a:endParaRPr>
+            </a:p>
+          </p:txBody>
+        </p:sp>
+        <p:sp>
+          <p:nvSpPr>
+            <p:cNvPr id="31" name="사각형: 둥근 모서리 30">
+              <a:extLst>
+                <a:ext uri="{FF2B5EF4-FFF2-40B4-BE49-F238E27FC236}">
+                  <a16:creationId xmlns:a16="http://schemas.microsoft.com/office/drawing/2014/main" id="{D4D1DFC7-0357-48D1-A283-0059E22E66F6}"/>
+                </a:ext>
+              </a:extLst>
+            </p:cNvPr>
+            <p:cNvSpPr/>
+            <p:nvPr/>
+          </p:nvSpPr>
+          <p:spPr>
+            <a:xfrm>
+              <a:off x="8028062" y="2919905"/>
+              <a:ext cx="2711526" cy="922694"/>
+            </a:xfrm>
+            <a:prstGeom prst="roundRect">
+              <a:avLst>
+                <a:gd name="adj" fmla="val 31547"/>
+              </a:avLst>
+            </a:prstGeom>
+            <a:solidFill>
+              <a:srgbClr val="001220"/>
+            </a:solidFill>
+            <a:ln>
+              <a:noFill/>
+            </a:ln>
+          </p:spPr>
+          <p:style>
+            <a:lnRef idx="2">
+              <a:schemeClr val="accent1">
+                <a:shade val="50000"/>
+              </a:schemeClr>
+            </a:lnRef>
+            <a:fillRef idx="1">
+              <a:schemeClr val="accent1"/>
+            </a:fillRef>
+            <a:effectRef idx="0">
+              <a:schemeClr val="accent1"/>
+            </a:effectRef>
+            <a:fontRef idx="minor">
+              <a:schemeClr val="lt1"/>
+            </a:fontRef>
+          </p:style>
+          <p:txBody>
+            <a:bodyPr rtlCol="0" anchor="ctr"/>
+            <a:lstStyle/>
+            <a:p>
+              <a:pPr algn="ctr"/>
+              <a:r>
+                <a:rPr lang="ko-KR" altLang="en-US" sz="1600" dirty="0">
+                  <a:latin typeface="나눔스퀘어OTF" panose="020B0600000101010101" pitchFamily="34" charset="-127"/>
+                  <a:ea typeface="나눔스퀘어OTF" panose="020B0600000101010101" pitchFamily="34" charset="-127"/>
+                </a:rPr>
+                <a:t>클라이언트 메시지에 맞는</a:t>
+              </a:r>
+              <a:endParaRPr lang="en-US" altLang="ko-KR" sz="1600" dirty="0">
+                <a:latin typeface="나눔스퀘어OTF" panose="020B0600000101010101" pitchFamily="34" charset="-127"/>
+                <a:ea typeface="나눔스퀘어OTF" panose="020B0600000101010101" pitchFamily="34" charset="-127"/>
+              </a:endParaRPr>
+            </a:p>
+            <a:p>
+              <a:pPr algn="ctr"/>
+              <a:r>
+                <a:rPr lang="ko-KR" altLang="en-US" sz="1600" dirty="0">
+                  <a:latin typeface="나눔스퀘어OTF" panose="020B0600000101010101" pitchFamily="34" charset="-127"/>
+                  <a:ea typeface="나눔스퀘어OTF" panose="020B0600000101010101" pitchFamily="34" charset="-127"/>
+                </a:rPr>
+                <a:t>응답 메시지 찾기</a:t>
+              </a:r>
+            </a:p>
+          </p:txBody>
+        </p:sp>
+        <p:cxnSp>
+          <p:nvCxnSpPr>
+            <p:cNvPr id="62" name="직선 화살표 연결선 61">
+              <a:extLst>
+                <a:ext uri="{FF2B5EF4-FFF2-40B4-BE49-F238E27FC236}">
+                  <a16:creationId xmlns:a16="http://schemas.microsoft.com/office/drawing/2014/main" id="{24919D1D-0355-4E99-A7B1-E931B576BEA3}"/>
+                </a:ext>
+              </a:extLst>
+            </p:cNvPr>
+            <p:cNvCxnSpPr>
+              <a:cxnSpLocks/>
+              <a:stCxn id="30" idx="2"/>
+              <a:endCxn id="31" idx="0"/>
+            </p:cNvCxnSpPr>
+            <p:nvPr/>
+          </p:nvCxnSpPr>
+          <p:spPr>
+            <a:xfrm>
+              <a:off x="9383825" y="1964981"/>
+              <a:ext cx="0" cy="954924"/>
+            </a:xfrm>
+            <a:prstGeom prst="straightConnector1">
+              <a:avLst/>
+            </a:prstGeom>
+            <a:ln w="76200">
+              <a:solidFill>
+                <a:srgbClr val="FBAE3C"/>
+              </a:solidFill>
+              <a:tailEnd type="triangle"/>
+            </a:ln>
+          </p:spPr>
+          <p:style>
+            <a:lnRef idx="1">
+              <a:schemeClr val="accent1"/>
+            </a:lnRef>
+            <a:fillRef idx="0">
+              <a:schemeClr val="accent1"/>
+            </a:fillRef>
+            <a:effectRef idx="0">
+              <a:schemeClr val="accent1"/>
+            </a:effectRef>
+            <a:fontRef idx="minor">
+              <a:schemeClr val="tx1"/>
+            </a:fontRef>
+          </p:style>
+        </p:cxnSp>
+        <p:cxnSp>
+          <p:nvCxnSpPr>
+            <p:cNvPr id="65" name="직선 화살표 연결선 64">
+              <a:extLst>
+                <a:ext uri="{FF2B5EF4-FFF2-40B4-BE49-F238E27FC236}">
+                  <a16:creationId xmlns:a16="http://schemas.microsoft.com/office/drawing/2014/main" id="{55071081-9896-4BF9-B371-E2B71F127F50}"/>
+                </a:ext>
+              </a:extLst>
+            </p:cNvPr>
+            <p:cNvCxnSpPr>
+              <a:cxnSpLocks/>
+              <a:stCxn id="31" idx="2"/>
+              <a:endCxn id="32" idx="0"/>
+            </p:cNvCxnSpPr>
+            <p:nvPr/>
+          </p:nvCxnSpPr>
+          <p:spPr>
+            <a:xfrm>
+              <a:off x="9383825" y="3842599"/>
+              <a:ext cx="0" cy="954924"/>
+            </a:xfrm>
+            <a:prstGeom prst="straightConnector1">
+              <a:avLst/>
+            </a:prstGeom>
+            <a:ln w="76200">
+              <a:solidFill>
+                <a:srgbClr val="FBAE3C"/>
+              </a:solidFill>
+              <a:tailEnd type="triangle"/>
+            </a:ln>
+          </p:spPr>
+          <p:style>
+            <a:lnRef idx="1">
+              <a:schemeClr val="accent1"/>
+            </a:lnRef>
+            <a:fillRef idx="0">
+              <a:schemeClr val="accent1"/>
+            </a:fillRef>
+            <a:effectRef idx="0">
+              <a:schemeClr val="accent1"/>
+            </a:effectRef>
+            <a:fontRef idx="minor">
+              <a:schemeClr val="tx1"/>
+            </a:fontRef>
+          </p:style>
+        </p:cxnSp>
+        <p:sp>
+          <p:nvSpPr>
+            <p:cNvPr id="32" name="사각형: 둥근 모서리 31">
+              <a:extLst>
+                <a:ext uri="{FF2B5EF4-FFF2-40B4-BE49-F238E27FC236}">
+                  <a16:creationId xmlns:a16="http://schemas.microsoft.com/office/drawing/2014/main" id="{706E3ADF-C069-4FA4-BF7D-83D55F3588FE}"/>
+                </a:ext>
+              </a:extLst>
+            </p:cNvPr>
+            <p:cNvSpPr/>
+            <p:nvPr/>
+          </p:nvSpPr>
+          <p:spPr>
+            <a:xfrm>
+              <a:off x="8028062" y="4797523"/>
+              <a:ext cx="2711526" cy="707886"/>
+            </a:xfrm>
+            <a:prstGeom prst="roundRect">
+              <a:avLst>
+                <a:gd name="adj" fmla="val 31547"/>
+              </a:avLst>
+            </a:prstGeom>
+            <a:solidFill>
+              <a:srgbClr val="001220"/>
+            </a:solidFill>
+            <a:ln>
+              <a:noFill/>
+            </a:ln>
+          </p:spPr>
+          <p:style>
+            <a:lnRef idx="2">
+              <a:schemeClr val="accent1">
+                <a:shade val="50000"/>
+              </a:schemeClr>
+            </a:lnRef>
+            <a:fillRef idx="1">
+              <a:schemeClr val="accent1"/>
+            </a:fillRef>
+            <a:effectRef idx="0">
+              <a:schemeClr val="accent1"/>
+            </a:effectRef>
+            <a:fontRef idx="minor">
+              <a:schemeClr val="lt1"/>
+            </a:fontRef>
+          </p:style>
+          <p:txBody>
+            <a:bodyPr rtlCol="0" anchor="ctr"/>
+            <a:lstStyle/>
+            <a:p>
+              <a:pPr algn="ctr"/>
+              <a:r>
+                <a:rPr lang="ko-KR" altLang="en-US" sz="1400">
+                  <a:latin typeface="나눔스퀘어OTF" panose="020B0600000101010101" pitchFamily="34" charset="-127"/>
+                  <a:ea typeface="나눔스퀘어OTF" panose="020B0600000101010101" pitchFamily="34" charset="-127"/>
+                </a:rPr>
+                <a:t>클라이언트에게 메시지 보내기</a:t>
+              </a:r>
+              <a:endParaRPr lang="ko-KR" altLang="en-US" sz="1400" dirty="0">
+                <a:latin typeface="나눔스퀘어OTF" panose="020B0600000101010101" pitchFamily="34" charset="-127"/>
+                <a:ea typeface="나눔스퀘어OTF" panose="020B0600000101010101" pitchFamily="34" charset="-127"/>
+              </a:endParaRPr>
+            </a:p>
+          </p:txBody>
+        </p:sp>
+        <p:cxnSp>
+          <p:nvCxnSpPr>
+            <p:cNvPr id="110" name="연결선: 꺾임 109">
+              <a:extLst>
+                <a:ext uri="{FF2B5EF4-FFF2-40B4-BE49-F238E27FC236}">
+                  <a16:creationId xmlns:a16="http://schemas.microsoft.com/office/drawing/2014/main" id="{BD33646D-6A08-483C-A7B0-ACE26BD74945}"/>
+                </a:ext>
+              </a:extLst>
+            </p:cNvPr>
+            <p:cNvCxnSpPr>
+              <a:cxnSpLocks/>
+              <a:stCxn id="32" idx="2"/>
+              <a:endCxn id="30" idx="0"/>
+            </p:cNvCxnSpPr>
+            <p:nvPr/>
+          </p:nvCxnSpPr>
+          <p:spPr>
+            <a:xfrm rot="5400000" flipH="1">
+              <a:off x="7259668" y="3381252"/>
+              <a:ext cx="4248314" cy="12700"/>
+            </a:xfrm>
+            <a:prstGeom prst="bentConnector5">
+              <a:avLst>
+                <a:gd name="adj1" fmla="val -16997"/>
+                <a:gd name="adj2" fmla="val -17810409"/>
+                <a:gd name="adj3" fmla="val 117339"/>
+              </a:avLst>
+            </a:prstGeom>
+            <a:ln w="76200">
+              <a:solidFill>
+                <a:srgbClr val="FBAE3C"/>
+              </a:solidFill>
+              <a:tailEnd type="triangle"/>
+            </a:ln>
+          </p:spPr>
+          <p:style>
+            <a:lnRef idx="1">
+              <a:schemeClr val="accent1"/>
+            </a:lnRef>
+            <a:fillRef idx="0">
+              <a:schemeClr val="accent1"/>
+            </a:fillRef>
+            <a:effectRef idx="0">
+              <a:schemeClr val="accent1"/>
+            </a:effectRef>
+            <a:fontRef idx="minor">
+              <a:schemeClr val="tx1"/>
+            </a:fontRef>
+          </p:style>
+        </p:cxnSp>
+      </p:grpSp>
+      <p:sp>
+        <p:nvSpPr>
+          <p:cNvPr id="119" name="나눔스퀘어OTF Bold">
+            <a:extLst>
+              <a:ext uri="{FF2B5EF4-FFF2-40B4-BE49-F238E27FC236}">
+                <a16:creationId xmlns:a16="http://schemas.microsoft.com/office/drawing/2014/main" id="{A03641DA-AF9E-4BCE-BCF6-5794759647B8}"/>
+              </a:ext>
+            </a:extLst>
+          </p:cNvPr>
+          <p:cNvSpPr txBox="1"/>
+          <p:nvPr/>
+        </p:nvSpPr>
+        <p:spPr>
+          <a:xfrm>
+            <a:off x="8020473" y="6375486"/>
+            <a:ext cx="2717411" cy="400110"/>
+          </a:xfrm>
+          <a:prstGeom prst="rect">
+            <a:avLst/>
+          </a:prstGeom>
+          <a:noFill/>
+        </p:spPr>
+        <p:txBody>
+          <a:bodyPr wrap="none" rtlCol="0">
+            <a:spAutoFit/>
+          </a:bodyPr>
+          <a:lstStyle/>
+          <a:p>
+            <a:r>
+              <a:rPr lang="ko-KR" altLang="en-US" sz="2000" dirty="0">
+                <a:latin typeface="나눔스퀘어OTF Bold" panose="020B0600000101010101" pitchFamily="34" charset="-127"/>
+                <a:ea typeface="나눔스퀘어OTF Bold" panose="020B0600000101010101" pitchFamily="34" charset="-127"/>
+              </a:rPr>
+              <a:t>유저 메시지 처리 스레드</a:t>
+            </a:r>
+          </a:p>
+        </p:txBody>
+      </p:sp>
+      <p:sp>
+        <p:nvSpPr>
+          <p:cNvPr id="134" name="사각형: 둥근 모서리 133">
+            <a:extLst>
+              <a:ext uri="{FF2B5EF4-FFF2-40B4-BE49-F238E27FC236}">
+                <a16:creationId xmlns:a16="http://schemas.microsoft.com/office/drawing/2014/main" id="{2D1056C4-F722-442F-9B01-48842AF214AF}"/>
+              </a:ext>
+            </a:extLst>
+          </p:cNvPr>
+          <p:cNvSpPr/>
+          <p:nvPr/>
+        </p:nvSpPr>
+        <p:spPr>
+          <a:xfrm>
+            <a:off x="843705" y="4958259"/>
+            <a:ext cx="2711526" cy="707886"/>
+          </a:xfrm>
+          <a:prstGeom prst="roundRect">
+            <a:avLst>
+              <a:gd name="adj" fmla="val 31547"/>
+            </a:avLst>
+          </a:prstGeom>
+          <a:solidFill>
+            <a:srgbClr val="001220"/>
+          </a:solidFill>
+          <a:ln>
+            <a:noFill/>
+          </a:ln>
+        </p:spPr>
+        <p:style>
+          <a:lnRef idx="2">
+            <a:schemeClr val="accent1">
+              <a:shade val="50000"/>
+            </a:schemeClr>
+          </a:lnRef>
+          <a:fillRef idx="1">
+            <a:schemeClr val="accent1"/>
+          </a:fillRef>
+          <a:effectRef idx="0">
+            <a:schemeClr val="accent1"/>
+          </a:effectRef>
+          <a:fontRef idx="minor">
+            <a:schemeClr val="lt1"/>
+          </a:fontRef>
+        </p:style>
+        <p:txBody>
+          <a:bodyPr rtlCol="0" anchor="ctr"/>
+          <a:lstStyle/>
+          <a:p>
+            <a:pPr algn="ctr"/>
+            <a:r>
+              <a:rPr lang="ko-KR" altLang="en-US">
+                <a:latin typeface="나눔스퀘어OTF" panose="020B0600000101010101" pitchFamily="34" charset="-127"/>
+                <a:ea typeface="나눔스퀘어OTF" panose="020B0600000101010101" pitchFamily="34" charset="-127"/>
+              </a:rPr>
+              <a:t>무한 대기</a:t>
+            </a:r>
+            <a:endParaRPr lang="ko-KR" altLang="en-US" dirty="0">
+              <a:latin typeface="나눔스퀘어OTF" panose="020B0600000101010101" pitchFamily="34" charset="-127"/>
+              <a:ea typeface="나눔스퀘어OTF" panose="020B0600000101010101" pitchFamily="34" charset="-127"/>
+            </a:endParaRPr>
+          </a:p>
+        </p:txBody>
+      </p:sp>
+      <p:cxnSp>
+        <p:nvCxnSpPr>
+          <p:cNvPr id="144" name="직선 화살표 연결선 143">
+            <a:extLst>
+              <a:ext uri="{FF2B5EF4-FFF2-40B4-BE49-F238E27FC236}">
+                <a16:creationId xmlns:a16="http://schemas.microsoft.com/office/drawing/2014/main" id="{9F31E285-0CDD-4293-B225-D20EA655EE99}"/>
+              </a:ext>
+            </a:extLst>
+          </p:cNvPr>
+          <p:cNvCxnSpPr>
+            <a:cxnSpLocks/>
+          </p:cNvCxnSpPr>
+          <p:nvPr/>
+        </p:nvCxnSpPr>
+        <p:spPr>
+          <a:xfrm>
+            <a:off x="2199468" y="3810947"/>
+            <a:ext cx="0" cy="1147312"/>
+          </a:xfrm>
+          <a:prstGeom prst="straightConnector1">
+            <a:avLst/>
+          </a:prstGeom>
+          <a:ln w="76200">
+            <a:solidFill>
+              <a:srgbClr val="FBAE3C"/>
+            </a:solidFill>
+            <a:tailEnd type="triangle"/>
+          </a:ln>
+        </p:spPr>
+        <p:style>
+          <a:lnRef idx="1">
+            <a:schemeClr val="accent1"/>
+          </a:lnRef>
+          <a:fillRef idx="0">
+            <a:schemeClr val="accent1"/>
+          </a:fillRef>
+          <a:effectRef idx="0">
+            <a:schemeClr val="accent1"/>
+          </a:effectRef>
+          <a:fontRef idx="minor">
+            <a:schemeClr val="tx1"/>
+          </a:fontRef>
+        </p:style>
+      </p:cxnSp>
+    </p:spTree>
+    <p:extLst>
+      <p:ext uri="{BB962C8B-B14F-4D97-AF65-F5344CB8AC3E}">
+        <p14:creationId xmlns:p14="http://schemas.microsoft.com/office/powerpoint/2010/main" val="881494764"/>
+      </p:ext>
+    </p:extLst>
+  </p:cSld>
+  <p:clrMapOvr>
+    <a:masterClrMapping/>
+  </p:clrMapOvr>
+</p:sld>
+</file>
+
+<file path=ppt/slides/slide8.xml><?xml version="1.0" encoding="utf-8"?>
+<p:sld xmlns:a="http://schemas.openxmlformats.org/drawingml/2006/main" xmlns:r="http://schemas.openxmlformats.org/officeDocument/2006/relationships" xmlns:p="http://schemas.openxmlformats.org/presentationml/2006/main">
+  <p:cSld>
+    <p:spTree>
+      <p:nvGrpSpPr>
+        <p:cNvPr id="1" name=""/>
+        <p:cNvGrpSpPr/>
+        <p:nvPr/>
+      </p:nvGrpSpPr>
+      <p:grpSpPr>
+        <a:xfrm>
+          <a:off x="0" y="0"/>
+          <a:ext cx="0" cy="0"/>
+          <a:chOff x="0" y="0"/>
+          <a:chExt cx="0" cy="0"/>
+        </a:xfrm>
+      </p:grpSpPr>
+      <p:sp>
+        <p:nvSpPr>
+          <p:cNvPr id="6" name="나눔스퀘어OTF ExtraBold">
+            <a:extLst>
+              <a:ext uri="{FF2B5EF4-FFF2-40B4-BE49-F238E27FC236}">
+                <a16:creationId xmlns:a16="http://schemas.microsoft.com/office/drawing/2014/main" id="{2B6FF535-ABA6-4D5E-9B90-4887700D23BA}"/>
+              </a:ext>
+            </a:extLst>
+          </p:cNvPr>
+          <p:cNvSpPr txBox="1"/>
+          <p:nvPr/>
+        </p:nvSpPr>
+        <p:spPr>
+          <a:xfrm>
+            <a:off x="-3566885" y="428542"/>
+            <a:ext cx="3111621" cy="400110"/>
+          </a:xfrm>
+          <a:prstGeom prst="rect">
+            <a:avLst/>
+          </a:prstGeom>
+          <a:noFill/>
+        </p:spPr>
+        <p:txBody>
+          <a:bodyPr wrap="none" rtlCol="0">
+            <a:spAutoFit/>
+          </a:bodyPr>
+          <a:lstStyle/>
+          <a:p>
+            <a:r>
+              <a:rPr lang="ko-KR" altLang="en-US" sz="2000" dirty="0">
+                <a:latin typeface="나눔스퀘어OTF ExtraBold" panose="020B0600000101010101" pitchFamily="34" charset="-127"/>
+                <a:ea typeface="나눔스퀘어OTF ExtraBold" panose="020B0600000101010101" pitchFamily="34" charset="-127"/>
+              </a:rPr>
+              <a:t>나눔스퀘어</a:t>
+            </a:r>
+            <a:r>
+              <a:rPr lang="en-US" altLang="ko-KR" sz="2000" dirty="0">
+                <a:latin typeface="나눔스퀘어OTF ExtraBold" panose="020B0600000101010101" pitchFamily="34" charset="-127"/>
+                <a:ea typeface="나눔스퀘어OTF ExtraBold" panose="020B0600000101010101" pitchFamily="34" charset="-127"/>
+              </a:rPr>
+              <a:t>OTF ExtraBold</a:t>
+            </a:r>
+            <a:endParaRPr lang="ko-KR" altLang="en-US" sz="2000" dirty="0">
+              <a:latin typeface="나눔스퀘어OTF ExtraBold" panose="020B0600000101010101" pitchFamily="34" charset="-127"/>
+              <a:ea typeface="나눔스퀘어OTF ExtraBold" panose="020B0600000101010101" pitchFamily="34" charset="-127"/>
+            </a:endParaRPr>
+          </a:p>
+        </p:txBody>
+      </p:sp>
+      <p:sp>
+        <p:nvSpPr>
+          <p:cNvPr id="7" name="나눔스퀘어OTF Bold">
+            <a:extLst>
+              <a:ext uri="{FF2B5EF4-FFF2-40B4-BE49-F238E27FC236}">
+                <a16:creationId xmlns:a16="http://schemas.microsoft.com/office/drawing/2014/main" id="{3446746F-F250-4672-A632-E75E76A8C92B}"/>
+              </a:ext>
+            </a:extLst>
+          </p:cNvPr>
+          <p:cNvSpPr txBox="1"/>
+          <p:nvPr/>
+        </p:nvSpPr>
+        <p:spPr>
+          <a:xfrm>
+            <a:off x="-3566884" y="851276"/>
+            <a:ext cx="2452914" cy="400110"/>
+          </a:xfrm>
+          <a:prstGeom prst="rect">
+            <a:avLst/>
+          </a:prstGeom>
+          <a:noFill/>
+        </p:spPr>
+        <p:txBody>
+          <a:bodyPr wrap="none" rtlCol="0">
+            <a:spAutoFit/>
+          </a:bodyPr>
+          <a:lstStyle/>
+          <a:p>
+            <a:r>
+              <a:rPr lang="ko-KR" altLang="en-US" sz="2000" dirty="0">
+                <a:latin typeface="나눔스퀘어OTF Bold" panose="020B0600000101010101" pitchFamily="34" charset="-127"/>
+                <a:ea typeface="나눔스퀘어OTF Bold" panose="020B0600000101010101" pitchFamily="34" charset="-127"/>
+              </a:rPr>
+              <a:t>나눔스퀘어</a:t>
+            </a:r>
+            <a:r>
+              <a:rPr lang="en-US" altLang="ko-KR" sz="2000" dirty="0">
+                <a:latin typeface="나눔스퀘어OTF Bold" panose="020B0600000101010101" pitchFamily="34" charset="-127"/>
+                <a:ea typeface="나눔스퀘어OTF Bold" panose="020B0600000101010101" pitchFamily="34" charset="-127"/>
+              </a:rPr>
+              <a:t>OTF Bold</a:t>
+            </a:r>
+            <a:endParaRPr lang="ko-KR" altLang="en-US" sz="2000" dirty="0">
+              <a:latin typeface="나눔스퀘어OTF Bold" panose="020B0600000101010101" pitchFamily="34" charset="-127"/>
+              <a:ea typeface="나눔스퀘어OTF Bold" panose="020B0600000101010101" pitchFamily="34" charset="-127"/>
+            </a:endParaRPr>
+          </a:p>
+        </p:txBody>
+      </p:sp>
+      <p:sp>
+        <p:nvSpPr>
+          <p:cNvPr id="8" name="나눔스퀘어_ac ExtraBold">
+            <a:extLst>
+              <a:ext uri="{FF2B5EF4-FFF2-40B4-BE49-F238E27FC236}">
+                <a16:creationId xmlns:a16="http://schemas.microsoft.com/office/drawing/2014/main" id="{975D41BF-B2AF-4DE1-949D-49791C600BDC}"/>
+              </a:ext>
+            </a:extLst>
+          </p:cNvPr>
+          <p:cNvSpPr txBox="1"/>
+          <p:nvPr/>
+        </p:nvSpPr>
+        <p:spPr>
+          <a:xfrm>
+            <a:off x="-3566885" y="2071004"/>
+            <a:ext cx="2985433" cy="400110"/>
+          </a:xfrm>
+          <a:prstGeom prst="rect">
+            <a:avLst/>
+          </a:prstGeom>
+          <a:noFill/>
+        </p:spPr>
+        <p:txBody>
+          <a:bodyPr wrap="none" rtlCol="0">
+            <a:spAutoFit/>
+          </a:bodyPr>
+          <a:lstStyle/>
+          <a:p>
+            <a:r>
+              <a:rPr lang="ko-KR" altLang="en-US" sz="2000" dirty="0">
+                <a:latin typeface="나눔스퀘어_ac ExtraBold" panose="020B0600000101010101" pitchFamily="50" charset="-127"/>
+                <a:ea typeface="나눔스퀘어_ac ExtraBold" panose="020B0600000101010101" pitchFamily="50" charset="-127"/>
+              </a:rPr>
+              <a:t>나눔스퀘어</a:t>
+            </a:r>
+            <a:r>
+              <a:rPr lang="en-US" altLang="ko-KR" sz="2000" dirty="0">
+                <a:latin typeface="나눔스퀘어_ac ExtraBold" panose="020B0600000101010101" pitchFamily="50" charset="-127"/>
+                <a:ea typeface="나눔스퀘어_ac ExtraBold" panose="020B0600000101010101" pitchFamily="50" charset="-127"/>
+              </a:rPr>
+              <a:t>_ac ExtraBold</a:t>
+            </a:r>
+            <a:endParaRPr lang="ko-KR" altLang="en-US" sz="2000" dirty="0">
+              <a:latin typeface="나눔스퀘어_ac ExtraBold" panose="020B0600000101010101" pitchFamily="50" charset="-127"/>
+              <a:ea typeface="나눔스퀘어_ac ExtraBold" panose="020B0600000101010101" pitchFamily="50" charset="-127"/>
+            </a:endParaRPr>
+          </a:p>
+        </p:txBody>
+      </p:sp>
+      <p:sp>
+        <p:nvSpPr>
+          <p:cNvPr id="9" name="나눔스퀘어_ac Bold">
+            <a:extLst>
+              <a:ext uri="{FF2B5EF4-FFF2-40B4-BE49-F238E27FC236}">
+                <a16:creationId xmlns:a16="http://schemas.microsoft.com/office/drawing/2014/main" id="{CA63BA3C-F8B9-4AF0-94B1-5B86486EEBC2}"/>
+              </a:ext>
+            </a:extLst>
+          </p:cNvPr>
+          <p:cNvSpPr txBox="1"/>
+          <p:nvPr/>
+        </p:nvSpPr>
+        <p:spPr>
+          <a:xfrm>
+            <a:off x="-3566884" y="2608033"/>
+            <a:ext cx="2322284" cy="400110"/>
+          </a:xfrm>
+          <a:prstGeom prst="rect">
+            <a:avLst/>
+          </a:prstGeom>
+          <a:noFill/>
+        </p:spPr>
+        <p:txBody>
+          <a:bodyPr wrap="none" rtlCol="0">
+            <a:spAutoFit/>
+          </a:bodyPr>
+          <a:lstStyle/>
+          <a:p>
+            <a:r>
+              <a:rPr lang="ko-KR" altLang="en-US" sz="2000" dirty="0">
+                <a:latin typeface="나눔스퀘어_ac Bold" panose="020B0600000101010101" pitchFamily="50" charset="-127"/>
+                <a:ea typeface="나눔스퀘어_ac Bold" panose="020B0600000101010101" pitchFamily="50" charset="-127"/>
+              </a:rPr>
+              <a:t>나눔스퀘어</a:t>
+            </a:r>
+            <a:r>
+              <a:rPr lang="en-US" altLang="ko-KR" sz="2000" dirty="0">
+                <a:latin typeface="나눔스퀘어_ac Bold" panose="020B0600000101010101" pitchFamily="50" charset="-127"/>
+                <a:ea typeface="나눔스퀘어_ac Bold" panose="020B0600000101010101" pitchFamily="50" charset="-127"/>
+              </a:rPr>
+              <a:t>_ac Bold</a:t>
+            </a:r>
+            <a:endParaRPr lang="ko-KR" altLang="en-US" sz="2000" dirty="0">
+              <a:latin typeface="나눔스퀘어_ac Bold" panose="020B0600000101010101" pitchFamily="50" charset="-127"/>
+              <a:ea typeface="나눔스퀘어_ac Bold" panose="020B0600000101010101" pitchFamily="50" charset="-127"/>
+            </a:endParaRPr>
+          </a:p>
+        </p:txBody>
+      </p:sp>
+      <p:sp>
+        <p:nvSpPr>
+          <p:cNvPr id="10" name="나눔스퀘어_ac">
+            <a:extLst>
+              <a:ext uri="{FF2B5EF4-FFF2-40B4-BE49-F238E27FC236}">
+                <a16:creationId xmlns:a16="http://schemas.microsoft.com/office/drawing/2014/main" id="{133C69C6-A927-427A-90FD-C446899BA757}"/>
+              </a:ext>
+            </a:extLst>
+          </p:cNvPr>
+          <p:cNvSpPr txBox="1"/>
+          <p:nvPr/>
+        </p:nvSpPr>
+        <p:spPr>
+          <a:xfrm>
+            <a:off x="-3566884" y="3145062"/>
+            <a:ext cx="1677062" cy="400110"/>
+          </a:xfrm>
+          <a:prstGeom prst="rect">
+            <a:avLst/>
+          </a:prstGeom>
+          <a:noFill/>
+        </p:spPr>
+        <p:txBody>
+          <a:bodyPr wrap="none" rtlCol="0">
+            <a:spAutoFit/>
+          </a:bodyPr>
+          <a:lstStyle/>
+          <a:p>
+            <a:r>
+              <a:rPr lang="ko-KR" altLang="en-US" sz="2000" dirty="0">
+                <a:latin typeface="나눔스퀘어_ac" panose="020B0600000101010101" pitchFamily="50" charset="-127"/>
+                <a:ea typeface="나눔스퀘어_ac" panose="020B0600000101010101" pitchFamily="50" charset="-127"/>
+              </a:rPr>
+              <a:t>나눔스퀘어</a:t>
+            </a:r>
+            <a:r>
+              <a:rPr lang="en-US" altLang="ko-KR" sz="2000" dirty="0">
+                <a:latin typeface="나눔스퀘어_ac" panose="020B0600000101010101" pitchFamily="50" charset="-127"/>
+                <a:ea typeface="나눔스퀘어_ac" panose="020B0600000101010101" pitchFamily="50" charset="-127"/>
+              </a:rPr>
+              <a:t>_ac</a:t>
+            </a:r>
+            <a:endParaRPr lang="ko-KR" altLang="en-US" sz="2000" dirty="0">
+              <a:latin typeface="나눔스퀘어_ac" panose="020B0600000101010101" pitchFamily="50" charset="-127"/>
+              <a:ea typeface="나눔스퀘어_ac" panose="020B0600000101010101" pitchFamily="50" charset="-127"/>
+            </a:endParaRPr>
+          </a:p>
+        </p:txBody>
+      </p:sp>
+      <p:sp>
+        <p:nvSpPr>
+          <p:cNvPr id="11" name="나눔스퀘어 ExtraBold">
+            <a:extLst>
+              <a:ext uri="{FF2B5EF4-FFF2-40B4-BE49-F238E27FC236}">
+                <a16:creationId xmlns:a16="http://schemas.microsoft.com/office/drawing/2014/main" id="{2EAC162F-CF71-457C-BBF3-316CD08FD28F}"/>
+              </a:ext>
+            </a:extLst>
+          </p:cNvPr>
+          <p:cNvSpPr txBox="1"/>
+          <p:nvPr/>
+        </p:nvSpPr>
+        <p:spPr>
+          <a:xfrm>
+            <a:off x="-3566886" y="3767851"/>
+            <a:ext cx="2627085" cy="400110"/>
+          </a:xfrm>
+          <a:prstGeom prst="rect">
+            <a:avLst/>
+          </a:prstGeom>
+          <a:noFill/>
+        </p:spPr>
+        <p:txBody>
+          <a:bodyPr wrap="none" rtlCol="0">
+            <a:spAutoFit/>
+          </a:bodyPr>
+          <a:lstStyle/>
+          <a:p>
+            <a:r>
+              <a:rPr lang="ko-KR" altLang="en-US" sz="2000" dirty="0">
+                <a:latin typeface="나눔스퀘어_ac ExtraBold" panose="020B0600000101010101" pitchFamily="50" charset="-127"/>
+                <a:ea typeface="나눔스퀘어_ac ExtraBold" panose="020B0600000101010101" pitchFamily="50" charset="-127"/>
+              </a:rPr>
+              <a:t>나눔스퀘어</a:t>
+            </a:r>
+            <a:r>
+              <a:rPr lang="en-US" altLang="ko-KR" sz="2000" dirty="0">
+                <a:latin typeface="나눔스퀘어_ac ExtraBold" panose="020B0600000101010101" pitchFamily="50" charset="-127"/>
+                <a:ea typeface="나눔스퀘어_ac ExtraBold" panose="020B0600000101010101" pitchFamily="50" charset="-127"/>
+              </a:rPr>
+              <a:t> </a:t>
+            </a:r>
+            <a:r>
+              <a:rPr lang="en-US" altLang="ko-KR" sz="2000" dirty="0">
+                <a:latin typeface="나눔스퀘어 ExtraBold" panose="020B0600000101010101" pitchFamily="50" charset="-127"/>
+                <a:ea typeface="나눔스퀘어 ExtraBold" panose="020B0600000101010101" pitchFamily="50" charset="-127"/>
+              </a:rPr>
+              <a:t>ExtraBold</a:t>
+            </a:r>
+            <a:endParaRPr lang="ko-KR" altLang="en-US" sz="2000" dirty="0">
+              <a:latin typeface="나눔스퀘어 ExtraBold" panose="020B0600000101010101" pitchFamily="50" charset="-127"/>
+              <a:ea typeface="나눔스퀘어 ExtraBold" panose="020B0600000101010101" pitchFamily="50" charset="-127"/>
+            </a:endParaRPr>
+          </a:p>
+        </p:txBody>
+      </p:sp>
+      <p:sp>
+        <p:nvSpPr>
+          <p:cNvPr id="12" name="나눔스퀘어 Bold">
+            <a:extLst>
+              <a:ext uri="{FF2B5EF4-FFF2-40B4-BE49-F238E27FC236}">
+                <a16:creationId xmlns:a16="http://schemas.microsoft.com/office/drawing/2014/main" id="{AEAEEA24-DA06-4135-B84F-CAC30F539D4D}"/>
+              </a:ext>
+            </a:extLst>
+          </p:cNvPr>
+          <p:cNvSpPr txBox="1"/>
+          <p:nvPr/>
+        </p:nvSpPr>
+        <p:spPr>
+          <a:xfrm>
+            <a:off x="-3566885" y="4304880"/>
+            <a:ext cx="2017484" cy="400110"/>
+          </a:xfrm>
+          <a:prstGeom prst="rect">
+            <a:avLst/>
+          </a:prstGeom>
+          <a:noFill/>
+        </p:spPr>
+        <p:txBody>
+          <a:bodyPr wrap="none" rtlCol="0">
+            <a:spAutoFit/>
+          </a:bodyPr>
+          <a:lstStyle/>
+          <a:p>
+            <a:r>
+              <a:rPr lang="ko-KR" altLang="en-US" sz="2000" dirty="0">
+                <a:latin typeface="나눔스퀘어 Bold" panose="020B0600000101010101" pitchFamily="50" charset="-127"/>
+                <a:ea typeface="나눔스퀘어 Bold" panose="020B0600000101010101" pitchFamily="50" charset="-127"/>
+              </a:rPr>
+              <a:t>나눔스퀘어</a:t>
+            </a:r>
+            <a:r>
+              <a:rPr lang="en-US" altLang="ko-KR" sz="2000" dirty="0">
+                <a:latin typeface="나눔스퀘어 Bold" panose="020B0600000101010101" pitchFamily="50" charset="-127"/>
+                <a:ea typeface="나눔스퀘어 Bold" panose="020B0600000101010101" pitchFamily="50" charset="-127"/>
+              </a:rPr>
+              <a:t> Bold</a:t>
+            </a:r>
+            <a:endParaRPr lang="ko-KR" altLang="en-US" sz="2000" dirty="0">
+              <a:latin typeface="나눔스퀘어 Bold" panose="020B0600000101010101" pitchFamily="50" charset="-127"/>
+              <a:ea typeface="나눔스퀘어 Bold" panose="020B0600000101010101" pitchFamily="50" charset="-127"/>
+            </a:endParaRPr>
+          </a:p>
+        </p:txBody>
+      </p:sp>
+      <p:pic>
+        <p:nvPicPr>
+          <p:cNvPr id="18" name="그래픽 17">
+            <a:extLst>
+              <a:ext uri="{FF2B5EF4-FFF2-40B4-BE49-F238E27FC236}">
+                <a16:creationId xmlns:a16="http://schemas.microsoft.com/office/drawing/2014/main" id="{212AC3D7-CB94-43A3-94AD-D57EE57DF99A}"/>
+              </a:ext>
+            </a:extLst>
+          </p:cNvPr>
+          <p:cNvPicPr>
+            <a:picLocks noChangeAspect="1"/>
+          </p:cNvPicPr>
+          <p:nvPr/>
+        </p:nvPicPr>
+        <p:blipFill>
+          <a:blip r:embed="rId2">
+            <a:extLst>
+              <a:ext uri="{28A0092B-C50C-407E-A947-70E740481C1C}">
+                <a14:useLocalDpi xmlns:a14="http://schemas.microsoft.com/office/drawing/2010/main" val="0"/>
+              </a:ext>
+              <a:ext uri="{96DAC541-7B7A-43D3-8B79-37D633B846F1}">
+                <asvg:svgBlip xmlns:asvg="http://schemas.microsoft.com/office/drawing/2016/SVG/main" r:embed="rId3"/>
+              </a:ext>
+            </a:extLst>
+          </a:blip>
+          <a:stretch>
+            <a:fillRect/>
+          </a:stretch>
+        </p:blipFill>
+        <p:spPr>
+          <a:xfrm>
+            <a:off x="-1" y="-18086"/>
+            <a:ext cx="12224153" cy="6876086"/>
+          </a:xfrm>
+          <a:prstGeom prst="rect">
+            <a:avLst/>
+          </a:prstGeom>
+        </p:spPr>
+      </p:pic>
+      <p:sp>
+        <p:nvSpPr>
+          <p:cNvPr id="13" name="나눔스퀘어">
+            <a:extLst>
+              <a:ext uri="{FF2B5EF4-FFF2-40B4-BE49-F238E27FC236}">
+                <a16:creationId xmlns:a16="http://schemas.microsoft.com/office/drawing/2014/main" id="{26A1ADE6-0FF4-401C-B33D-5D5DD1F03AF8}"/>
+              </a:ext>
+            </a:extLst>
+          </p:cNvPr>
+          <p:cNvSpPr txBox="1"/>
+          <p:nvPr/>
+        </p:nvSpPr>
+        <p:spPr>
+          <a:xfrm>
+            <a:off x="-3566885" y="4841909"/>
+            <a:ext cx="1393370" cy="400110"/>
+          </a:xfrm>
+          <a:prstGeom prst="rect">
+            <a:avLst/>
+          </a:prstGeom>
+          <a:noFill/>
+        </p:spPr>
+        <p:txBody>
+          <a:bodyPr wrap="none" rtlCol="0">
+            <a:spAutoFit/>
+          </a:bodyPr>
+          <a:lstStyle/>
+          <a:p>
+            <a:r>
+              <a:rPr lang="ko-KR" altLang="en-US" sz="2000" dirty="0">
+                <a:latin typeface="나눔스퀘어" panose="020B0600000101010101" pitchFamily="50" charset="-127"/>
+                <a:ea typeface="나눔스퀘어" panose="020B0600000101010101" pitchFamily="50" charset="-127"/>
+              </a:rPr>
+              <a:t>나눔스퀘어</a:t>
+            </a:r>
+          </a:p>
+        </p:txBody>
+      </p:sp>
+      <p:sp>
+        <p:nvSpPr>
+          <p:cNvPr id="14" name="나눔스퀘어 Light">
+            <a:extLst>
+              <a:ext uri="{FF2B5EF4-FFF2-40B4-BE49-F238E27FC236}">
+                <a16:creationId xmlns:a16="http://schemas.microsoft.com/office/drawing/2014/main" id="{A777E623-4AB1-4B2B-B320-C84951F4B5B6}"/>
+              </a:ext>
+            </a:extLst>
+          </p:cNvPr>
+          <p:cNvSpPr txBox="1"/>
+          <p:nvPr/>
+        </p:nvSpPr>
+        <p:spPr>
+          <a:xfrm>
+            <a:off x="-3566884" y="5652991"/>
+            <a:ext cx="1996059" cy="400110"/>
+          </a:xfrm>
+          <a:prstGeom prst="rect">
+            <a:avLst/>
+          </a:prstGeom>
+          <a:noFill/>
+        </p:spPr>
+        <p:txBody>
+          <a:bodyPr wrap="none" rtlCol="0">
+            <a:spAutoFit/>
+          </a:bodyPr>
+          <a:lstStyle/>
+          <a:p>
+            <a:r>
+              <a:rPr lang="ko-KR" altLang="en-US" sz="2000" dirty="0">
+                <a:latin typeface="나눔스퀘어 Light" panose="020B0600000101010101" pitchFamily="50" charset="-127"/>
+                <a:ea typeface="나눔스퀘어 Light" panose="020B0600000101010101" pitchFamily="50" charset="-127"/>
+              </a:rPr>
+              <a:t>나눔스퀘어 </a:t>
+            </a:r>
+            <a:r>
+              <a:rPr lang="en-US" altLang="ko-KR" sz="2000" dirty="0">
+                <a:latin typeface="나눔스퀘어 Light" panose="020B0600000101010101" pitchFamily="50" charset="-127"/>
+                <a:ea typeface="나눔스퀘어 Light" panose="020B0600000101010101" pitchFamily="50" charset="-127"/>
+              </a:rPr>
+              <a:t>Light</a:t>
+            </a:r>
+            <a:endParaRPr lang="ko-KR" altLang="en-US" sz="2000" dirty="0">
+              <a:latin typeface="나눔스퀘어 Light" panose="020B0600000101010101" pitchFamily="50" charset="-127"/>
+              <a:ea typeface="나눔스퀘어 Light" panose="020B0600000101010101" pitchFamily="50" charset="-127"/>
+            </a:endParaRPr>
+          </a:p>
+        </p:txBody>
+      </p:sp>
+      <p:sp>
+        <p:nvSpPr>
+          <p:cNvPr id="15" name="나눔스퀘어OTF">
+            <a:extLst>
+              <a:ext uri="{FF2B5EF4-FFF2-40B4-BE49-F238E27FC236}">
+                <a16:creationId xmlns:a16="http://schemas.microsoft.com/office/drawing/2014/main" id="{4E1E0B9A-DCA8-4C37-99DF-4DE1130EF067}"/>
+              </a:ext>
+            </a:extLst>
+          </p:cNvPr>
+          <p:cNvSpPr txBox="1"/>
+          <p:nvPr/>
+        </p:nvSpPr>
+        <p:spPr>
+          <a:xfrm>
+            <a:off x="-3566886" y="1333920"/>
+            <a:ext cx="1818831" cy="400110"/>
+          </a:xfrm>
+          <a:prstGeom prst="rect">
+            <a:avLst/>
+          </a:prstGeom>
+          <a:noFill/>
+        </p:spPr>
+        <p:txBody>
+          <a:bodyPr wrap="none" rtlCol="0">
+            <a:spAutoFit/>
+          </a:bodyPr>
+          <a:lstStyle/>
+          <a:p>
+            <a:r>
+              <a:rPr lang="ko-KR" altLang="en-US" sz="2000" dirty="0">
+                <a:latin typeface="나눔스퀘어OTF" panose="020B0600000101010101" pitchFamily="34" charset="-127"/>
+                <a:ea typeface="나눔스퀘어OTF" panose="020B0600000101010101" pitchFamily="34" charset="-127"/>
+              </a:rPr>
+              <a:t>나눔스퀘어</a:t>
+            </a:r>
+            <a:r>
+              <a:rPr lang="en-US" altLang="ko-KR" sz="2000" dirty="0">
+                <a:latin typeface="나눔스퀘어OTF" panose="020B0600000101010101" pitchFamily="34" charset="-127"/>
+                <a:ea typeface="나눔스퀘어OTF" panose="020B0600000101010101" pitchFamily="34" charset="-127"/>
+              </a:rPr>
+              <a:t>OTF</a:t>
+            </a:r>
+            <a:endParaRPr lang="ko-KR" altLang="en-US" sz="2000" dirty="0">
+              <a:latin typeface="나눔스퀘어OTF" panose="020B0600000101010101" pitchFamily="34" charset="-127"/>
+              <a:ea typeface="나눔스퀘어OTF" panose="020B0600000101010101" pitchFamily="34" charset="-127"/>
+            </a:endParaRPr>
+          </a:p>
+        </p:txBody>
+      </p:sp>
+      <p:sp>
+        <p:nvSpPr>
+          <p:cNvPr id="16" name="나눔스퀘어OTF ExtraBold">
+            <a:extLst>
+              <a:ext uri="{FF2B5EF4-FFF2-40B4-BE49-F238E27FC236}">
+                <a16:creationId xmlns:a16="http://schemas.microsoft.com/office/drawing/2014/main" id="{348A8DC4-7066-4EEF-9B0C-B7C983BC06D7}"/>
+              </a:ext>
+            </a:extLst>
+          </p:cNvPr>
+          <p:cNvSpPr txBox="1"/>
+          <p:nvPr/>
+        </p:nvSpPr>
+        <p:spPr>
+          <a:xfrm>
+            <a:off x="3241693" y="2705725"/>
+            <a:ext cx="5708614" cy="1446550"/>
+          </a:xfrm>
+          <a:prstGeom prst="rect">
+            <a:avLst/>
+          </a:prstGeom>
+          <a:noFill/>
+          <a:effectLst>
+            <a:outerShdw blurRad="901700" dir="3900000" algn="ctr" rotWithShape="0">
+              <a:schemeClr val="tx1"/>
+            </a:outerShdw>
+          </a:effectLst>
+        </p:spPr>
+        <p:txBody>
+          <a:bodyPr wrap="none" rtlCol="0">
+            <a:spAutoFit/>
+          </a:bodyPr>
+          <a:lstStyle/>
+          <a:p>
+            <a:r>
+              <a:rPr lang="ko-KR" altLang="en-US" sz="8800" dirty="0">
+                <a:solidFill>
+                  <a:schemeClr val="bg1"/>
+                </a:solidFill>
+                <a:latin typeface="나눔스퀘어OTF ExtraBold" panose="020B0600000101010101" pitchFamily="34" charset="-127"/>
+                <a:ea typeface="나눔스퀘어OTF ExtraBold" panose="020B0600000101010101" pitchFamily="34" charset="-127"/>
+              </a:rPr>
+              <a:t>감사합니다</a:t>
+            </a:r>
+            <a:r>
+              <a:rPr lang="en-US" altLang="ko-KR" sz="8800" dirty="0">
+                <a:solidFill>
+                  <a:schemeClr val="bg1"/>
+                </a:solidFill>
+                <a:latin typeface="나눔스퀘어OTF ExtraBold" panose="020B0600000101010101" pitchFamily="34" charset="-127"/>
+                <a:ea typeface="나눔스퀘어OTF ExtraBold" panose="020B0600000101010101" pitchFamily="34" charset="-127"/>
+              </a:rPr>
+              <a:t>.</a:t>
+            </a:r>
+            <a:endParaRPr lang="ko-KR" altLang="en-US" sz="8800" dirty="0">
+              <a:solidFill>
+                <a:schemeClr val="bg1"/>
+              </a:solidFill>
+              <a:latin typeface="나눔스퀘어OTF ExtraBold" panose="020B0600000101010101" pitchFamily="34" charset="-127"/>
+              <a:ea typeface="나눔스퀘어OTF ExtraBold" panose="020B0600000101010101" pitchFamily="34" charset="-127"/>
+            </a:endParaRPr>
+          </a:p>
+        </p:txBody>
+      </p:sp>
+    </p:spTree>
+    <p:extLst>
+      <p:ext uri="{BB962C8B-B14F-4D97-AF65-F5344CB8AC3E}">
+        <p14:creationId xmlns:p14="http://schemas.microsoft.com/office/powerpoint/2010/main" val="46187030"/>
       </p:ext>
     </p:extLst>
   </p:cSld>
@@ -4892,7 +12088,40 @@
       </a:bgFillStyleLst>
     </a:fmtScheme>
   </a:themeElements>
-  <a:objectDefaults/>
+  <a:objectDefaults>
+    <a:spDef>
+      <a:spPr>
+        <a:solidFill>
+          <a:srgbClr val="001220"/>
+        </a:solidFill>
+        <a:ln>
+          <a:noFill/>
+        </a:ln>
+      </a:spPr>
+      <a:bodyPr rtlCol="0" anchor="ctr"/>
+      <a:lstStyle>
+        <a:defPPr algn="ctr">
+          <a:defRPr/>
+        </a:defPPr>
+      </a:lstStyle>
+      <a:style>
+        <a:lnRef idx="2">
+          <a:schemeClr val="accent1">
+            <a:shade val="50000"/>
+          </a:schemeClr>
+        </a:lnRef>
+        <a:fillRef idx="1">
+          <a:schemeClr val="accent1"/>
+        </a:fillRef>
+        <a:effectRef idx="0">
+          <a:schemeClr val="accent1"/>
+        </a:effectRef>
+        <a:fontRef idx="minor">
+          <a:schemeClr val="lt1"/>
+        </a:fontRef>
+      </a:style>
+    </a:spDef>
+  </a:objectDefaults>
   <a:extraClrSchemeLst/>
   <a:extLst>
     <a:ext uri="{05A4C25C-085E-4340-85A3-A5531E510DB2}">
